--- a/docs/final presentation/final_presentation.pptx
+++ b/docs/final presentation/final_presentation.pptx
@@ -6,10 +6,10 @@
     <p:sldMasterId id="2147483657" r:id="rId2"/>
   </p:sldMasterIdLst>
   <p:notesMasterIdLst>
-    <p:notesMasterId r:id="rId24"/>
+    <p:notesMasterId r:id="rId26"/>
   </p:notesMasterIdLst>
   <p:handoutMasterIdLst>
-    <p:handoutMasterId r:id="rId25"/>
+    <p:handoutMasterId r:id="rId27"/>
   </p:handoutMasterIdLst>
   <p:sldIdLst>
     <p:sldId id="344" r:id="rId3"/>
@@ -18,21 +18,23 @@
     <p:sldId id="345" r:id="rId6"/>
     <p:sldId id="374" r:id="rId7"/>
     <p:sldId id="375" r:id="rId8"/>
-    <p:sldId id="389" r:id="rId9"/>
-    <p:sldId id="357" r:id="rId10"/>
-    <p:sldId id="371" r:id="rId11"/>
-    <p:sldId id="385" r:id="rId12"/>
-    <p:sldId id="386" r:id="rId13"/>
-    <p:sldId id="370" r:id="rId14"/>
-    <p:sldId id="391" r:id="rId15"/>
-    <p:sldId id="392" r:id="rId16"/>
-    <p:sldId id="377" r:id="rId17"/>
-    <p:sldId id="379" r:id="rId18"/>
-    <p:sldId id="381" r:id="rId19"/>
-    <p:sldId id="382" r:id="rId20"/>
-    <p:sldId id="383" r:id="rId21"/>
-    <p:sldId id="390" r:id="rId22"/>
-    <p:sldId id="384" r:id="rId23"/>
+    <p:sldId id="393" r:id="rId9"/>
+    <p:sldId id="389" r:id="rId10"/>
+    <p:sldId id="357" r:id="rId11"/>
+    <p:sldId id="371" r:id="rId12"/>
+    <p:sldId id="385" r:id="rId13"/>
+    <p:sldId id="386" r:id="rId14"/>
+    <p:sldId id="370" r:id="rId15"/>
+    <p:sldId id="391" r:id="rId16"/>
+    <p:sldId id="392" r:id="rId17"/>
+    <p:sldId id="377" r:id="rId18"/>
+    <p:sldId id="379" r:id="rId19"/>
+    <p:sldId id="381" r:id="rId20"/>
+    <p:sldId id="382" r:id="rId21"/>
+    <p:sldId id="383" r:id="rId22"/>
+    <p:sldId id="395" r:id="rId23"/>
+    <p:sldId id="390" r:id="rId24"/>
+    <p:sldId id="384" r:id="rId25"/>
   </p:sldIdLst>
   <p:sldSz cx="13004800" cy="9753600"/>
   <p:notesSz cx="6794500" cy="9931400"/>
@@ -1185,7 +1187,7 @@
               <a:pPr>
                 <a:defRPr/>
               </a:pPr>
-              <a:t>8</a:t>
+              <a:t>9</a:t>
             </a:fld>
             <a:endParaRPr lang="nl-NL"/>
           </a:p>
@@ -1279,7 +1281,7 @@
               <a:pPr>
                 <a:defRPr/>
               </a:pPr>
-              <a:t>10</a:t>
+              <a:t>11</a:t>
             </a:fld>
             <a:endParaRPr lang="nl-NL"/>
           </a:p>
@@ -1373,7 +1375,7 @@
               <a:pPr>
                 <a:defRPr/>
               </a:pPr>
-              <a:t>11</a:t>
+              <a:t>12</a:t>
             </a:fld>
             <a:endParaRPr lang="nl-NL"/>
           </a:p>
@@ -1485,7 +1487,7 @@
                 <a:sym typeface="American Typewriter"/>
               </a:rPr>
               <a:pPr/>
-              <a:t>16</a:t>
+              <a:t>17</a:t>
             </a:fld>
             <a:endParaRPr lang="nl-NL" smtClean="0">
               <a:latin typeface="American Typewriter"/>
@@ -1597,7 +1599,7 @@
                 <a:sym typeface="American Typewriter"/>
               </a:rPr>
               <a:pPr/>
-              <a:t>19</a:t>
+              <a:t>20</a:t>
             </a:fld>
             <a:endParaRPr lang="nl-NL" smtClean="0">
               <a:latin typeface="American Typewriter"/>
@@ -1695,7 +1697,7 @@
               <a:pPr>
                 <a:defRPr/>
               </a:pPr>
-              <a:t>20</a:t>
+              <a:t>22</a:t>
             </a:fld>
             <a:endParaRPr lang="nl-NL"/>
           </a:p>
@@ -6379,11 +6381,7 @@
           <a:p>
             <a:r>
               <a:rPr lang="en-US" dirty="0" smtClean="0"/>
-              <a:t>Causal </a:t>
-            </a:r>
-            <a:r>
-              <a:rPr lang="en-US" dirty="0" smtClean="0"/>
-              <a:t>discovery</a:t>
+              <a:t>Causal discovery</a:t>
             </a:r>
             <a:endParaRPr lang="en-US" dirty="0"/>
           </a:p>
@@ -6556,7 +6554,7 @@
             <a:avLst/>
           </a:prstGeom>
           <a:blipFill dpi="0" rotWithShape="0">
-            <a:blip r:embed="rId3"/>
+            <a:blip r:embed="rId2"/>
             <a:srcRect/>
             <a:tile tx="0" ty="0" sx="100000" sy="100000" flip="none" algn="tl"/>
           </a:blipFill>
@@ -6587,7 +6585,7 @@
             <a:avLst/>
           </a:prstGeom>
           <a:blipFill dpi="0" rotWithShape="0">
-            <a:blip r:embed="rId3"/>
+            <a:blip r:embed="rId2"/>
             <a:srcRect/>
             <a:tile tx="0" ty="0" sx="100000" sy="100000" flip="none" algn="tl"/>
           </a:blipFill>
@@ -6612,67 +6610,6 @@
         <p:spPr bwMode="auto">
           <a:xfrm>
             <a:off x="3118024" y="5668888"/>
-            <a:ext cx="819291" cy="819291"/>
-          </a:xfrm>
-          <a:prstGeom prst="ellipse">
-            <a:avLst/>
-          </a:prstGeom>
-          <a:solidFill>
-            <a:srgbClr val="0089B9"/>
-          </a:solidFill>
-          <a:ln w="12700" cap="flat" cmpd="sng" algn="ctr">
-            <a:solidFill>
-              <a:schemeClr val="bg1"/>
-            </a:solidFill>
-            <a:prstDash val="solid"/>
-            <a:round/>
-            <a:headEnd type="none" w="med" len="med"/>
-            <a:tailEnd type="none" w="med" len="med"/>
-          </a:ln>
-          <a:effectLst/>
-        </p:spPr>
-        <p:txBody>
-          <a:bodyPr vert="horz" wrap="square" lIns="130032" tIns="78019" rIns="130032" bIns="65017" numCol="1" rtlCol="0" anchor="t" anchorCtr="0" compatLnSpc="1">
-            <a:prstTxWarp prst="textNoShape">
-              <a:avLst/>
-            </a:prstTxWarp>
-          </a:bodyPr>
-          <a:lstStyle/>
-          <a:p>
-            <a:pPr algn="ctr" defTabSz="1300326"/>
-            <a:r>
-              <a:rPr lang="en-US" sz="2800" i="1" dirty="0" smtClean="0">
-                <a:solidFill>
-                  <a:schemeClr val="bg1"/>
-                </a:solidFill>
-                <a:latin typeface="Times New Roman" pitchFamily="18" charset="0"/>
-                <a:ea typeface="ヒラギノ明朝 ProN W3" charset="-128"/>
-                <a:cs typeface="Times New Roman" pitchFamily="18" charset="0"/>
-                <a:sym typeface="American Typewriter" charset="0"/>
-              </a:rPr>
-              <a:t>B</a:t>
-            </a:r>
-            <a:endParaRPr lang="en-US" sz="2800" i="1" dirty="0">
-              <a:solidFill>
-                <a:schemeClr val="bg1"/>
-              </a:solidFill>
-              <a:latin typeface="Times New Roman" pitchFamily="18" charset="0"/>
-              <a:ea typeface="ヒラギノ明朝 ProN W3" charset="-128"/>
-              <a:cs typeface="Times New Roman" pitchFamily="18" charset="0"/>
-              <a:sym typeface="American Typewriter" charset="0"/>
-            </a:endParaRPr>
-          </a:p>
-        </p:txBody>
-      </p:sp>
-      <p:sp>
-        <p:nvSpPr>
-          <p:cNvPr id="20" name="Oval 19"/>
-          <p:cNvSpPr/>
-          <p:nvPr/>
-        </p:nvSpPr>
-        <p:spPr bwMode="auto">
-          <a:xfrm>
-            <a:off x="8104178" y="1564432"/>
             <a:ext cx="819291" cy="819291"/>
           </a:xfrm>
           <a:prstGeom prst="ellipse">
@@ -6709,7 +6646,7 @@
                 <a:cs typeface="Times New Roman" pitchFamily="18" charset="0"/>
                 <a:sym typeface="American Typewriter" charset="0"/>
               </a:rPr>
-              <a:t>A</a:t>
+              <a:t>B</a:t>
             </a:r>
             <a:endParaRPr lang="en-US" sz="2800" i="1" dirty="0">
               <a:solidFill>
@@ -6725,13 +6662,13 @@
       </p:sp>
       <p:sp>
         <p:nvSpPr>
-          <p:cNvPr id="21" name="Oval 20"/>
+          <p:cNvPr id="20" name="Oval 19"/>
           <p:cNvSpPr/>
           <p:nvPr/>
         </p:nvSpPr>
         <p:spPr bwMode="auto">
           <a:xfrm>
-            <a:off x="9526736" y="1564432"/>
+            <a:off x="8104178" y="1564432"/>
             <a:ext cx="819291" cy="819291"/>
           </a:xfrm>
           <a:prstGeom prst="ellipse">
@@ -6768,6 +6705,65 @@
                 <a:cs typeface="Times New Roman" pitchFamily="18" charset="0"/>
                 <a:sym typeface="American Typewriter" charset="0"/>
               </a:rPr>
+              <a:t>A</a:t>
+            </a:r>
+            <a:endParaRPr lang="en-US" sz="2800" i="1" dirty="0">
+              <a:solidFill>
+                <a:schemeClr val="bg1"/>
+              </a:solidFill>
+              <a:latin typeface="Times New Roman" pitchFamily="18" charset="0"/>
+              <a:ea typeface="ヒラギノ明朝 ProN W3" charset="-128"/>
+              <a:cs typeface="Times New Roman" pitchFamily="18" charset="0"/>
+              <a:sym typeface="American Typewriter" charset="0"/>
+            </a:endParaRPr>
+          </a:p>
+        </p:txBody>
+      </p:sp>
+      <p:sp>
+        <p:nvSpPr>
+          <p:cNvPr id="21" name="Oval 20"/>
+          <p:cNvSpPr/>
+          <p:nvPr/>
+        </p:nvSpPr>
+        <p:spPr bwMode="auto">
+          <a:xfrm>
+            <a:off x="9526736" y="1564432"/>
+            <a:ext cx="819291" cy="819291"/>
+          </a:xfrm>
+          <a:prstGeom prst="ellipse">
+            <a:avLst/>
+          </a:prstGeom>
+          <a:noFill/>
+          <a:ln w="12700" cap="flat" cmpd="sng" algn="ctr">
+            <a:solidFill>
+              <a:schemeClr val="bg1"/>
+            </a:solidFill>
+            <a:prstDash val="solid"/>
+            <a:round/>
+            <a:headEnd type="none" w="med" len="med"/>
+            <a:tailEnd type="none" w="med" len="med"/>
+          </a:ln>
+          <a:effectLst/>
+        </p:spPr>
+        <p:txBody>
+          <a:bodyPr vert="horz" wrap="square" lIns="130032" tIns="78019" rIns="130032" bIns="65017" numCol="1" rtlCol="0" anchor="t" anchorCtr="0" compatLnSpc="1">
+            <a:prstTxWarp prst="textNoShape">
+              <a:avLst/>
+            </a:prstTxWarp>
+          </a:bodyPr>
+          <a:lstStyle/>
+          <a:p>
+            <a:pPr algn="ctr" defTabSz="1300326"/>
+            <a:r>
+              <a:rPr lang="en-US" sz="2800" i="1" dirty="0" smtClean="0">
+                <a:solidFill>
+                  <a:schemeClr val="bg1"/>
+                </a:solidFill>
+                <a:latin typeface="Times New Roman" pitchFamily="18" charset="0"/>
+                <a:ea typeface="ヒラギノ明朝 ProN W3" charset="-128"/>
+                <a:cs typeface="Times New Roman" pitchFamily="18" charset="0"/>
+                <a:sym typeface="American Typewriter" charset="0"/>
+              </a:rPr>
               <a:t>C</a:t>
             </a:r>
             <a:endParaRPr lang="en-US" sz="2800" i="1" dirty="0">
@@ -6797,7 +6793,7 @@
             <a:avLst/>
           </a:prstGeom>
           <a:blipFill dpi="0" rotWithShape="0">
-            <a:blip r:embed="rId3"/>
+            <a:blip r:embed="rId2"/>
             <a:srcRect/>
             <a:tile tx="0" ty="0" sx="100000" sy="100000" flip="none" algn="tl"/>
           </a:blipFill>
@@ -6828,7 +6824,7 @@
             <a:avLst/>
           </a:prstGeom>
           <a:blipFill dpi="0" rotWithShape="0">
-            <a:blip r:embed="rId3"/>
+            <a:blip r:embed="rId2"/>
             <a:srcRect/>
             <a:tile tx="0" ty="0" sx="100000" sy="100000" flip="none" algn="tl"/>
           </a:blipFill>
@@ -6858,9 +6854,7 @@
           <a:prstGeom prst="ellipse">
             <a:avLst/>
           </a:prstGeom>
-          <a:solidFill>
-            <a:srgbClr val="0089B9"/>
-          </a:solidFill>
+          <a:noFill/>
           <a:ln w="12700" cap="flat" cmpd="sng" algn="ctr">
             <a:solidFill>
               <a:schemeClr val="bg1"/>
@@ -7250,7 +7244,7 @@
             <a:avLst/>
           </a:prstGeom>
           <a:blipFill dpi="0" rotWithShape="0">
-            <a:blip r:embed="rId3"/>
+            <a:blip r:embed="rId2"/>
             <a:srcRect/>
             <a:tile tx="0" ty="0" sx="100000" sy="100000" flip="none" algn="tl"/>
           </a:blipFill>
@@ -7281,7 +7275,7 @@
             <a:avLst/>
           </a:prstGeom>
           <a:blipFill dpi="0" rotWithShape="0">
-            <a:blip r:embed="rId3"/>
+            <a:blip r:embed="rId2"/>
             <a:srcRect/>
             <a:tile tx="0" ty="0" sx="100000" sy="100000" flip="none" algn="tl"/>
           </a:blipFill>
@@ -7306,67 +7300,6 @@
         <p:spPr bwMode="auto">
           <a:xfrm>
             <a:off x="8806656" y="5092824"/>
-            <a:ext cx="819291" cy="819291"/>
-          </a:xfrm>
-          <a:prstGeom prst="ellipse">
-            <a:avLst/>
-          </a:prstGeom>
-          <a:solidFill>
-            <a:srgbClr val="0089B9"/>
-          </a:solidFill>
-          <a:ln w="12700" cap="flat" cmpd="sng" algn="ctr">
-            <a:solidFill>
-              <a:schemeClr val="bg1"/>
-            </a:solidFill>
-            <a:prstDash val="solid"/>
-            <a:round/>
-            <a:headEnd type="none" w="med" len="med"/>
-            <a:tailEnd type="none" w="med" len="med"/>
-          </a:ln>
-          <a:effectLst/>
-        </p:spPr>
-        <p:txBody>
-          <a:bodyPr vert="horz" wrap="square" lIns="130032" tIns="78019" rIns="130032" bIns="65017" numCol="1" rtlCol="0" anchor="t" anchorCtr="0" compatLnSpc="1">
-            <a:prstTxWarp prst="textNoShape">
-              <a:avLst/>
-            </a:prstTxWarp>
-          </a:bodyPr>
-          <a:lstStyle/>
-          <a:p>
-            <a:pPr algn="ctr" defTabSz="1300326"/>
-            <a:r>
-              <a:rPr lang="en-US" sz="2800" i="1" dirty="0" smtClean="0">
-                <a:solidFill>
-                  <a:schemeClr val="bg1"/>
-                </a:solidFill>
-                <a:latin typeface="Times New Roman" pitchFamily="18" charset="0"/>
-                <a:ea typeface="ヒラギノ明朝 ProN W3" charset="-128"/>
-                <a:cs typeface="Times New Roman" pitchFamily="18" charset="0"/>
-                <a:sym typeface="American Typewriter" charset="0"/>
-              </a:rPr>
-              <a:t>B</a:t>
-            </a:r>
-            <a:endParaRPr lang="en-US" sz="2800" i="1" dirty="0">
-              <a:solidFill>
-                <a:schemeClr val="bg1"/>
-              </a:solidFill>
-              <a:latin typeface="Times New Roman" pitchFamily="18" charset="0"/>
-              <a:ea typeface="ヒラギノ明朝 ProN W3" charset="-128"/>
-              <a:cs typeface="Times New Roman" pitchFamily="18" charset="0"/>
-              <a:sym typeface="American Typewriter" charset="0"/>
-            </a:endParaRPr>
-          </a:p>
-        </p:txBody>
-      </p:sp>
-      <p:sp>
-        <p:nvSpPr>
-          <p:cNvPr id="34" name="Oval 33"/>
-          <p:cNvSpPr/>
-          <p:nvPr/>
-        </p:nvSpPr>
-        <p:spPr bwMode="auto">
-          <a:xfrm>
-            <a:off x="8104178" y="6028928"/>
             <a:ext cx="819291" cy="819291"/>
           </a:xfrm>
           <a:prstGeom prst="ellipse">
@@ -7403,7 +7336,7 @@
                 <a:cs typeface="Times New Roman" pitchFamily="18" charset="0"/>
                 <a:sym typeface="American Typewriter" charset="0"/>
               </a:rPr>
-              <a:t>A</a:t>
+              <a:t>B</a:t>
             </a:r>
             <a:endParaRPr lang="en-US" sz="2800" i="1" dirty="0">
               <a:solidFill>
@@ -7419,13 +7352,13 @@
       </p:sp>
       <p:sp>
         <p:nvSpPr>
-          <p:cNvPr id="35" name="Oval 34"/>
+          <p:cNvPr id="34" name="Oval 33"/>
           <p:cNvSpPr/>
           <p:nvPr/>
         </p:nvSpPr>
         <p:spPr bwMode="auto">
           <a:xfrm>
-            <a:off x="9526736" y="6028928"/>
+            <a:off x="8104178" y="6028928"/>
             <a:ext cx="819291" cy="819291"/>
           </a:xfrm>
           <a:prstGeom prst="ellipse">
@@ -7462,6 +7395,65 @@
                 <a:cs typeface="Times New Roman" pitchFamily="18" charset="0"/>
                 <a:sym typeface="American Typewriter" charset="0"/>
               </a:rPr>
+              <a:t>A</a:t>
+            </a:r>
+            <a:endParaRPr lang="en-US" sz="2800" i="1" dirty="0">
+              <a:solidFill>
+                <a:schemeClr val="bg1"/>
+              </a:solidFill>
+              <a:latin typeface="Times New Roman" pitchFamily="18" charset="0"/>
+              <a:ea typeface="ヒラギノ明朝 ProN W3" charset="-128"/>
+              <a:cs typeface="Times New Roman" pitchFamily="18" charset="0"/>
+              <a:sym typeface="American Typewriter" charset="0"/>
+            </a:endParaRPr>
+          </a:p>
+        </p:txBody>
+      </p:sp>
+      <p:sp>
+        <p:nvSpPr>
+          <p:cNvPr id="35" name="Oval 34"/>
+          <p:cNvSpPr/>
+          <p:nvPr/>
+        </p:nvSpPr>
+        <p:spPr bwMode="auto">
+          <a:xfrm>
+            <a:off x="9526736" y="6028928"/>
+            <a:ext cx="819291" cy="819291"/>
+          </a:xfrm>
+          <a:prstGeom prst="ellipse">
+            <a:avLst/>
+          </a:prstGeom>
+          <a:noFill/>
+          <a:ln w="12700" cap="flat" cmpd="sng" algn="ctr">
+            <a:solidFill>
+              <a:schemeClr val="bg1"/>
+            </a:solidFill>
+            <a:prstDash val="solid"/>
+            <a:round/>
+            <a:headEnd type="none" w="med" len="med"/>
+            <a:tailEnd type="none" w="med" len="med"/>
+          </a:ln>
+          <a:effectLst/>
+        </p:spPr>
+        <p:txBody>
+          <a:bodyPr vert="horz" wrap="square" lIns="130032" tIns="78019" rIns="130032" bIns="65017" numCol="1" rtlCol="0" anchor="t" anchorCtr="0" compatLnSpc="1">
+            <a:prstTxWarp prst="textNoShape">
+              <a:avLst/>
+            </a:prstTxWarp>
+          </a:bodyPr>
+          <a:lstStyle/>
+          <a:p>
+            <a:pPr algn="ctr" defTabSz="1300326"/>
+            <a:r>
+              <a:rPr lang="en-US" sz="2800" i="1" dirty="0" smtClean="0">
+                <a:solidFill>
+                  <a:schemeClr val="bg1"/>
+                </a:solidFill>
+                <a:latin typeface="Times New Roman" pitchFamily="18" charset="0"/>
+                <a:ea typeface="ヒラギノ明朝 ProN W3" charset="-128"/>
+                <a:cs typeface="Times New Roman" pitchFamily="18" charset="0"/>
+                <a:sym typeface="American Typewriter" charset="0"/>
+              </a:rPr>
               <a:t>C</a:t>
             </a:r>
             <a:endParaRPr lang="en-US" sz="2800" i="1" dirty="0">
@@ -7491,7 +7483,7 @@
             <a:avLst/>
           </a:prstGeom>
           <a:blipFill dpi="0" rotWithShape="0">
-            <a:blip r:embed="rId3"/>
+            <a:blip r:embed="rId2"/>
             <a:srcRect/>
             <a:tile tx="0" ty="0" sx="100000" sy="100000" flip="none" algn="tl"/>
           </a:blipFill>
@@ -7522,7 +7514,7 @@
             <a:avLst/>
           </a:prstGeom>
           <a:blipFill dpi="0" rotWithShape="0">
-            <a:blip r:embed="rId3"/>
+            <a:blip r:embed="rId2"/>
             <a:srcRect/>
             <a:tile tx="0" ty="0" sx="100000" sy="100000" flip="none" algn="tl"/>
           </a:blipFill>
@@ -7552,9 +7544,7 @@
           <a:prstGeom prst="ellipse">
             <a:avLst/>
           </a:prstGeom>
-          <a:solidFill>
-            <a:srgbClr val="0089B9"/>
-          </a:solidFill>
+          <a:noFill/>
           <a:ln w="12700" cap="flat" cmpd="sng" algn="ctr">
             <a:solidFill>
               <a:schemeClr val="bg1"/>
@@ -7599,10 +7589,134 @@
           </a:p>
         </p:txBody>
       </p:sp>
+      <p:cxnSp>
+        <p:nvCxnSpPr>
+          <p:cNvPr id="28" name="Straight Connector 27"/>
+          <p:cNvCxnSpPr/>
+          <p:nvPr/>
+        </p:nvCxnSpPr>
+        <p:spPr bwMode="auto">
+          <a:xfrm>
+            <a:off x="8158584" y="1564432"/>
+            <a:ext cx="2016224" cy="1944216"/>
+          </a:xfrm>
+          <a:prstGeom prst="line">
+            <a:avLst/>
+          </a:prstGeom>
+          <a:blipFill dpi="0" rotWithShape="0">
+            <a:blip r:embed="rId2"/>
+            <a:srcRect/>
+            <a:tile tx="0" ty="0" sx="100000" sy="100000" flip="none" algn="tl"/>
+          </a:blipFill>
+          <a:ln w="44450" cap="flat" cmpd="sng" algn="ctr">
+            <a:solidFill>
+              <a:srgbClr val="FF0000"/>
+            </a:solidFill>
+            <a:prstDash val="solid"/>
+            <a:round/>
+            <a:headEnd type="none" w="med" len="med"/>
+            <a:tailEnd type="none" w="med" len="med"/>
+          </a:ln>
+          <a:effectLst/>
+        </p:spPr>
+      </p:cxnSp>
+      <p:cxnSp>
+        <p:nvCxnSpPr>
+          <p:cNvPr id="40" name="Straight Connector 39"/>
+          <p:cNvCxnSpPr/>
+          <p:nvPr/>
+        </p:nvCxnSpPr>
+        <p:spPr bwMode="auto">
+          <a:xfrm flipV="1">
+            <a:off x="8374608" y="1564432"/>
+            <a:ext cx="1872208" cy="1944216"/>
+          </a:xfrm>
+          <a:prstGeom prst="line">
+            <a:avLst/>
+          </a:prstGeom>
+          <a:blipFill dpi="0" rotWithShape="0">
+            <a:blip r:embed="rId2"/>
+            <a:srcRect/>
+            <a:tile tx="0" ty="0" sx="100000" sy="100000" flip="none" algn="tl"/>
+          </a:blipFill>
+          <a:ln w="44450" cap="flat" cmpd="sng" algn="ctr">
+            <a:solidFill>
+              <a:srgbClr val="FF0000"/>
+            </a:solidFill>
+            <a:prstDash val="solid"/>
+            <a:round/>
+            <a:headEnd type="none" w="med" len="med"/>
+            <a:tailEnd type="none" w="med" len="med"/>
+          </a:ln>
+          <a:effectLst/>
+        </p:spPr>
+      </p:cxnSp>
+      <p:cxnSp>
+        <p:nvCxnSpPr>
+          <p:cNvPr id="50" name="Straight Connector 49"/>
+          <p:cNvCxnSpPr/>
+          <p:nvPr/>
+        </p:nvCxnSpPr>
+        <p:spPr bwMode="auto">
+          <a:xfrm>
+            <a:off x="8158584" y="3868688"/>
+            <a:ext cx="2016224" cy="1944216"/>
+          </a:xfrm>
+          <a:prstGeom prst="line">
+            <a:avLst/>
+          </a:prstGeom>
+          <a:blipFill dpi="0" rotWithShape="0">
+            <a:blip r:embed="rId2"/>
+            <a:srcRect/>
+            <a:tile tx="0" ty="0" sx="100000" sy="100000" flip="none" algn="tl"/>
+          </a:blipFill>
+          <a:ln w="44450" cap="flat" cmpd="sng" algn="ctr">
+            <a:solidFill>
+              <a:srgbClr val="FF0000"/>
+            </a:solidFill>
+            <a:prstDash val="solid"/>
+            <a:round/>
+            <a:headEnd type="none" w="med" len="med"/>
+            <a:tailEnd type="none" w="med" len="med"/>
+          </a:ln>
+          <a:effectLst/>
+        </p:spPr>
+      </p:cxnSp>
+      <p:cxnSp>
+        <p:nvCxnSpPr>
+          <p:cNvPr id="51" name="Straight Connector 50"/>
+          <p:cNvCxnSpPr/>
+          <p:nvPr/>
+        </p:nvCxnSpPr>
+        <p:spPr bwMode="auto">
+          <a:xfrm flipV="1">
+            <a:off x="8374608" y="3868688"/>
+            <a:ext cx="1872208" cy="1944216"/>
+          </a:xfrm>
+          <a:prstGeom prst="line">
+            <a:avLst/>
+          </a:prstGeom>
+          <a:blipFill dpi="0" rotWithShape="0">
+            <a:blip r:embed="rId2"/>
+            <a:srcRect/>
+            <a:tile tx="0" ty="0" sx="100000" sy="100000" flip="none" algn="tl"/>
+          </a:blipFill>
+          <a:ln w="44450" cap="flat" cmpd="sng" algn="ctr">
+            <a:solidFill>
+              <a:srgbClr val="FF0000"/>
+            </a:solidFill>
+            <a:prstDash val="solid"/>
+            <a:round/>
+            <a:headEnd type="none" w="med" len="med"/>
+            <a:tailEnd type="none" w="med" len="med"/>
+          </a:ln>
+          <a:effectLst/>
+        </p:spPr>
+      </p:cxnSp>
     </p:spTree>
     <p:extLst>
       <p:ext uri="{BB962C8B-B14F-4D97-AF65-F5344CB8AC3E}">
-        <p14:creationId xmlns:p14="http://schemas.microsoft.com/office/powerpoint/2010/main" val="1847029525"/>
+        <p14:creationId xmlns:p14="http://schemas.microsoft.com/office/powerpoint/2010/main" val="1187177545"/>
       </p:ext>
     </p:extLst>
   </p:cSld>
@@ -7654,11 +7768,7 @@
           <a:p>
             <a:r>
               <a:rPr lang="en-US" dirty="0" smtClean="0"/>
-              <a:t>Causal </a:t>
-            </a:r>
-            <a:r>
-              <a:rPr lang="en-US" dirty="0" smtClean="0"/>
-              <a:t>discovery</a:t>
+              <a:t>Causal discovery</a:t>
             </a:r>
             <a:endParaRPr lang="en-US" dirty="0"/>
           </a:p>
@@ -8874,72 +8984,10 @@
           </a:p>
         </p:txBody>
       </p:sp>
-      <p:cxnSp>
-        <p:nvCxnSpPr>
-          <p:cNvPr id="27" name="Straight Connector 26"/>
-          <p:cNvCxnSpPr/>
-          <p:nvPr/>
-        </p:nvCxnSpPr>
-        <p:spPr bwMode="auto">
-          <a:xfrm>
-            <a:off x="8158584" y="6244952"/>
-            <a:ext cx="2016224" cy="1944216"/>
-          </a:xfrm>
-          <a:prstGeom prst="line">
-            <a:avLst/>
-          </a:prstGeom>
-          <a:blipFill dpi="0" rotWithShape="0">
-            <a:blip r:embed="rId3"/>
-            <a:srcRect/>
-            <a:tile tx="0" ty="0" sx="100000" sy="100000" flip="none" algn="tl"/>
-          </a:blipFill>
-          <a:ln w="44450" cap="flat" cmpd="sng" algn="ctr">
-            <a:solidFill>
-              <a:srgbClr val="FF0000"/>
-            </a:solidFill>
-            <a:prstDash val="solid"/>
-            <a:round/>
-            <a:headEnd type="none" w="med" len="med"/>
-            <a:tailEnd type="none" w="med" len="med"/>
-          </a:ln>
-          <a:effectLst/>
-        </p:spPr>
-      </p:cxnSp>
-      <p:cxnSp>
-        <p:nvCxnSpPr>
-          <p:cNvPr id="28" name="Straight Connector 27"/>
-          <p:cNvCxnSpPr/>
-          <p:nvPr/>
-        </p:nvCxnSpPr>
-        <p:spPr bwMode="auto">
-          <a:xfrm flipV="1">
-            <a:off x="8374608" y="6244952"/>
-            <a:ext cx="1872208" cy="1944216"/>
-          </a:xfrm>
-          <a:prstGeom prst="line">
-            <a:avLst/>
-          </a:prstGeom>
-          <a:blipFill dpi="0" rotWithShape="0">
-            <a:blip r:embed="rId3"/>
-            <a:srcRect/>
-            <a:tile tx="0" ty="0" sx="100000" sy="100000" flip="none" algn="tl"/>
-          </a:blipFill>
-          <a:ln w="44450" cap="flat" cmpd="sng" algn="ctr">
-            <a:solidFill>
-              <a:srgbClr val="FF0000"/>
-            </a:solidFill>
-            <a:prstDash val="solid"/>
-            <a:round/>
-            <a:headEnd type="none" w="med" len="med"/>
-            <a:tailEnd type="none" w="med" len="med"/>
-          </a:ln>
-          <a:effectLst/>
-        </p:spPr>
-      </p:cxnSp>
     </p:spTree>
     <p:extLst>
       <p:ext uri="{BB962C8B-B14F-4D97-AF65-F5344CB8AC3E}">
-        <p14:creationId xmlns:p14="http://schemas.microsoft.com/office/powerpoint/2010/main" val="3968431299"/>
+        <p14:creationId xmlns:p14="http://schemas.microsoft.com/office/powerpoint/2010/main" val="1847029525"/>
       </p:ext>
     </p:extLst>
   </p:cSld>
@@ -8991,3819 +9039,7 @@
           <a:p>
             <a:r>
               <a:rPr lang="en-US" dirty="0" smtClean="0"/>
-              <a:t>Causal </a:t>
-            </a:r>
-            <a:r>
-              <a:rPr lang="en-US" dirty="0" smtClean="0"/>
-              <a:t>sufficiency </a:t>
-            </a:r>
-            <a:r>
-              <a:rPr lang="en-US" sz="2400" dirty="0" smtClean="0">
-                <a:solidFill>
-                  <a:schemeClr val="bg1"/>
-                </a:solidFill>
-              </a:rPr>
-              <a:t>(closed world assumption)</a:t>
-            </a:r>
-            <a:endParaRPr lang="en-US" sz="2400" dirty="0">
-              <a:solidFill>
-                <a:schemeClr val="bg1"/>
-              </a:solidFill>
-            </a:endParaRPr>
-          </a:p>
-        </p:txBody>
-      </p:sp>
-      <p:sp>
-        <p:nvSpPr>
-          <p:cNvPr id="3" name="Content Placeholder 2"/>
-          <p:cNvSpPr>
-            <a:spLocks noGrp="1"/>
-          </p:cNvSpPr>
-          <p:nvPr>
-            <p:ph idx="1"/>
-          </p:nvPr>
-        </p:nvSpPr>
-        <p:spPr>
-          <a:xfrm>
-            <a:off x="900113" y="2070100"/>
-            <a:ext cx="11049000" cy="2047135"/>
-          </a:xfrm>
-        </p:spPr>
-        <p:txBody>
-          <a:bodyPr/>
-          <a:lstStyle/>
-          <a:p>
-            <a:r>
-              <a:rPr lang="en-US" dirty="0" smtClean="0"/>
-              <a:t>Latent variables</a:t>
-            </a:r>
-            <a:endParaRPr lang="en-US" dirty="0"/>
-          </a:p>
-        </p:txBody>
-      </p:sp>
-      <p:sp>
-        <p:nvSpPr>
-          <p:cNvPr id="4" name="Oval 3"/>
-          <p:cNvSpPr/>
-          <p:nvPr/>
-        </p:nvSpPr>
-        <p:spPr bwMode="auto">
-          <a:xfrm>
-            <a:off x="3622080" y="3796680"/>
-            <a:ext cx="819291" cy="819291"/>
-          </a:xfrm>
-          <a:prstGeom prst="ellipse">
-            <a:avLst/>
-          </a:prstGeom>
-          <a:noFill/>
-          <a:ln w="12700" cap="flat" cmpd="sng" algn="ctr">
-            <a:solidFill>
-              <a:schemeClr val="bg1"/>
-            </a:solidFill>
-            <a:prstDash val="dash"/>
-            <a:round/>
-            <a:headEnd type="none" w="med" len="med"/>
-            <a:tailEnd type="none" w="med" len="med"/>
-          </a:ln>
-          <a:effectLst/>
-        </p:spPr>
-        <p:txBody>
-          <a:bodyPr vert="horz" wrap="square" lIns="130032" tIns="78019" rIns="130032" bIns="65017" numCol="1" rtlCol="0" anchor="t" anchorCtr="0" compatLnSpc="1">
-            <a:prstTxWarp prst="textNoShape">
-              <a:avLst/>
-            </a:prstTxWarp>
-          </a:bodyPr>
-          <a:lstStyle/>
-          <a:p>
-            <a:pPr algn="ctr" defTabSz="1300326"/>
-            <a:r>
-              <a:rPr lang="en-US" sz="2800" i="1" dirty="0">
-                <a:solidFill>
-                  <a:schemeClr val="bg1"/>
-                </a:solidFill>
-                <a:latin typeface="Times New Roman" pitchFamily="18" charset="0"/>
-                <a:ea typeface="ヒラギノ明朝 ProN W3" charset="-128"/>
-                <a:cs typeface="Times New Roman" pitchFamily="18" charset="0"/>
-                <a:sym typeface="American Typewriter" charset="0"/>
-              </a:rPr>
-              <a:t>A</a:t>
-            </a:r>
-          </a:p>
-        </p:txBody>
-      </p:sp>
-      <p:sp>
-        <p:nvSpPr>
-          <p:cNvPr id="5" name="Oval 4"/>
-          <p:cNvSpPr/>
-          <p:nvPr/>
-        </p:nvSpPr>
-        <p:spPr bwMode="auto">
-          <a:xfrm>
-            <a:off x="2802789" y="5417376"/>
-            <a:ext cx="819291" cy="819291"/>
-          </a:xfrm>
-          <a:prstGeom prst="ellipse">
-            <a:avLst/>
-          </a:prstGeom>
-          <a:noFill/>
-          <a:ln w="12700" cap="flat" cmpd="sng" algn="ctr">
-            <a:solidFill>
-              <a:schemeClr val="bg1"/>
-            </a:solidFill>
-            <a:prstDash val="solid"/>
-            <a:round/>
-            <a:headEnd type="none" w="med" len="med"/>
-            <a:tailEnd type="none" w="med" len="med"/>
-          </a:ln>
-          <a:effectLst/>
-        </p:spPr>
-        <p:txBody>
-          <a:bodyPr vert="horz" wrap="square" lIns="130032" tIns="78019" rIns="130032" bIns="65017" numCol="1" rtlCol="0" anchor="t" anchorCtr="0" compatLnSpc="1">
-            <a:prstTxWarp prst="textNoShape">
-              <a:avLst/>
-            </a:prstTxWarp>
-          </a:bodyPr>
-          <a:lstStyle/>
-          <a:p>
-            <a:pPr algn="ctr" defTabSz="1300326"/>
-            <a:r>
-              <a:rPr lang="en-US" sz="2800" i="1" dirty="0">
-                <a:solidFill>
-                  <a:schemeClr val="bg1"/>
-                </a:solidFill>
-                <a:latin typeface="Times New Roman" pitchFamily="18" charset="0"/>
-                <a:ea typeface="ヒラギノ明朝 ProN W3" charset="-128"/>
-                <a:cs typeface="Times New Roman" pitchFamily="18" charset="0"/>
-                <a:sym typeface="American Typewriter" charset="0"/>
-              </a:rPr>
-              <a:t>B</a:t>
-            </a:r>
-          </a:p>
-        </p:txBody>
-      </p:sp>
-      <p:sp>
-        <p:nvSpPr>
-          <p:cNvPr id="6" name="Oval 5"/>
-          <p:cNvSpPr/>
-          <p:nvPr/>
-        </p:nvSpPr>
-        <p:spPr bwMode="auto">
-          <a:xfrm>
-            <a:off x="4441371" y="5417376"/>
-            <a:ext cx="819291" cy="819291"/>
-          </a:xfrm>
-          <a:prstGeom prst="ellipse">
-            <a:avLst/>
-          </a:prstGeom>
-          <a:noFill/>
-          <a:ln w="12700" cap="flat" cmpd="sng" algn="ctr">
-            <a:solidFill>
-              <a:schemeClr val="bg1"/>
-            </a:solidFill>
-            <a:prstDash val="solid"/>
-            <a:round/>
-            <a:headEnd type="none" w="med" len="med"/>
-            <a:tailEnd type="none" w="med" len="med"/>
-          </a:ln>
-          <a:effectLst/>
-        </p:spPr>
-        <p:txBody>
-          <a:bodyPr vert="horz" wrap="square" lIns="130032" tIns="78019" rIns="130032" bIns="65017" numCol="1" rtlCol="0" anchor="t" anchorCtr="0" compatLnSpc="1">
-            <a:prstTxWarp prst="textNoShape">
-              <a:avLst/>
-            </a:prstTxWarp>
-          </a:bodyPr>
-          <a:lstStyle/>
-          <a:p>
-            <a:pPr algn="ctr" defTabSz="1300326"/>
-            <a:r>
-              <a:rPr lang="en-US" sz="2800" i="1" dirty="0">
-                <a:solidFill>
-                  <a:schemeClr val="bg1"/>
-                </a:solidFill>
-                <a:latin typeface="Times New Roman" pitchFamily="18" charset="0"/>
-                <a:ea typeface="ヒラギノ明朝 ProN W3" charset="-128"/>
-                <a:cs typeface="Times New Roman" pitchFamily="18" charset="0"/>
-                <a:sym typeface="American Typewriter" charset="0"/>
-              </a:rPr>
-              <a:t>C</a:t>
-            </a:r>
-          </a:p>
-        </p:txBody>
-      </p:sp>
-      <p:cxnSp>
-        <p:nvCxnSpPr>
-          <p:cNvPr id="7" name="Straight Arrow Connector 6"/>
-          <p:cNvCxnSpPr>
-            <a:stCxn id="4" idx="3"/>
-            <a:endCxn id="5" idx="0"/>
-          </p:cNvCxnSpPr>
-          <p:nvPr/>
-        </p:nvCxnSpPr>
-        <p:spPr bwMode="auto">
-          <a:xfrm flipH="1">
-            <a:off x="3212435" y="4495990"/>
-            <a:ext cx="529628" cy="921388"/>
-          </a:xfrm>
-          <a:prstGeom prst="straightConnector1">
-            <a:avLst/>
-          </a:prstGeom>
-          <a:blipFill dpi="0" rotWithShape="0">
-            <a:blip r:embed="rId2"/>
-            <a:srcRect/>
-            <a:tile tx="0" ty="0" sx="100000" sy="100000" flip="none" algn="tl"/>
-          </a:blipFill>
-          <a:ln w="12700" cap="flat" cmpd="sng" algn="ctr">
-            <a:solidFill>
-              <a:schemeClr val="bg1"/>
-            </a:solidFill>
-            <a:prstDash val="solid"/>
-            <a:round/>
-            <a:headEnd type="none" w="med" len="med"/>
-            <a:tailEnd type="triangle" w="lg" len="lg"/>
-          </a:ln>
-          <a:effectLst/>
-        </p:spPr>
-      </p:cxnSp>
-      <p:cxnSp>
-        <p:nvCxnSpPr>
-          <p:cNvPr id="8" name="Straight Arrow Connector 7"/>
-          <p:cNvCxnSpPr>
-            <a:stCxn id="4" idx="5"/>
-            <a:endCxn id="6" idx="0"/>
-          </p:cNvCxnSpPr>
-          <p:nvPr/>
-        </p:nvCxnSpPr>
-        <p:spPr bwMode="auto">
-          <a:xfrm>
-            <a:off x="4321390" y="4495990"/>
-            <a:ext cx="529628" cy="921388"/>
-          </a:xfrm>
-          <a:prstGeom prst="straightConnector1">
-            <a:avLst/>
-          </a:prstGeom>
-          <a:blipFill dpi="0" rotWithShape="0">
-            <a:blip r:embed="rId2"/>
-            <a:srcRect/>
-            <a:tile tx="0" ty="0" sx="100000" sy="100000" flip="none" algn="tl"/>
-          </a:blipFill>
-          <a:ln w="12700" cap="flat" cmpd="sng" algn="ctr">
-            <a:solidFill>
-              <a:schemeClr val="bg1"/>
-            </a:solidFill>
-            <a:prstDash val="solid"/>
-            <a:round/>
-            <a:headEnd type="none" w="med" len="med"/>
-            <a:tailEnd type="triangle" w="lg" len="lg"/>
-          </a:ln>
-          <a:effectLst/>
-        </p:spPr>
-      </p:cxnSp>
-      <p:sp>
-        <p:nvSpPr>
-          <p:cNvPr id="9" name="Oval 8"/>
-          <p:cNvSpPr/>
-          <p:nvPr/>
-        </p:nvSpPr>
-        <p:spPr bwMode="auto">
-          <a:xfrm>
-            <a:off x="7500909" y="5452865"/>
-            <a:ext cx="819291" cy="819291"/>
-          </a:xfrm>
-          <a:prstGeom prst="ellipse">
-            <a:avLst/>
-          </a:prstGeom>
-          <a:noFill/>
-          <a:ln w="12700" cap="flat" cmpd="sng" algn="ctr">
-            <a:solidFill>
-              <a:schemeClr val="bg1"/>
-            </a:solidFill>
-            <a:prstDash val="solid"/>
-            <a:round/>
-            <a:headEnd type="none" w="med" len="med"/>
-            <a:tailEnd type="none" w="med" len="med"/>
-          </a:ln>
-          <a:effectLst/>
-        </p:spPr>
-        <p:txBody>
-          <a:bodyPr vert="horz" wrap="square" lIns="130032" tIns="78019" rIns="130032" bIns="65017" numCol="1" rtlCol="0" anchor="t" anchorCtr="0" compatLnSpc="1">
-            <a:prstTxWarp prst="textNoShape">
-              <a:avLst/>
-            </a:prstTxWarp>
-          </a:bodyPr>
-          <a:lstStyle/>
-          <a:p>
-            <a:pPr algn="ctr" defTabSz="1300326"/>
-            <a:r>
-              <a:rPr lang="en-US" sz="2800" i="1" dirty="0">
-                <a:solidFill>
-                  <a:schemeClr val="bg1"/>
-                </a:solidFill>
-                <a:latin typeface="Times New Roman" pitchFamily="18" charset="0"/>
-                <a:ea typeface="ヒラギノ明朝 ProN W3" charset="-128"/>
-                <a:cs typeface="Times New Roman" pitchFamily="18" charset="0"/>
-                <a:sym typeface="American Typewriter" charset="0"/>
-              </a:rPr>
-              <a:t>B</a:t>
-            </a:r>
-          </a:p>
-        </p:txBody>
-      </p:sp>
-      <p:sp>
-        <p:nvSpPr>
-          <p:cNvPr id="10" name="Oval 9"/>
-          <p:cNvSpPr/>
-          <p:nvPr/>
-        </p:nvSpPr>
-        <p:spPr bwMode="auto">
-          <a:xfrm>
-            <a:off x="9139491" y="5452865"/>
-            <a:ext cx="819291" cy="819291"/>
-          </a:xfrm>
-          <a:prstGeom prst="ellipse">
-            <a:avLst/>
-          </a:prstGeom>
-          <a:noFill/>
-          <a:ln w="12700" cap="flat" cmpd="sng" algn="ctr">
-            <a:solidFill>
-              <a:schemeClr val="bg1"/>
-            </a:solidFill>
-            <a:prstDash val="solid"/>
-            <a:round/>
-            <a:headEnd type="none" w="med" len="med"/>
-            <a:tailEnd type="none" w="med" len="med"/>
-          </a:ln>
-          <a:effectLst/>
-        </p:spPr>
-        <p:txBody>
-          <a:bodyPr vert="horz" wrap="square" lIns="130032" tIns="78019" rIns="130032" bIns="65017" numCol="1" rtlCol="0" anchor="t" anchorCtr="0" compatLnSpc="1">
-            <a:prstTxWarp prst="textNoShape">
-              <a:avLst/>
-            </a:prstTxWarp>
-          </a:bodyPr>
-          <a:lstStyle/>
-          <a:p>
-            <a:pPr algn="ctr" defTabSz="1300326"/>
-            <a:r>
-              <a:rPr lang="en-US" sz="2800" i="1" dirty="0">
-                <a:solidFill>
-                  <a:schemeClr val="bg1"/>
-                </a:solidFill>
-                <a:latin typeface="Times New Roman" pitchFamily="18" charset="0"/>
-                <a:ea typeface="ヒラギノ明朝 ProN W3" charset="-128"/>
-                <a:cs typeface="Times New Roman" pitchFamily="18" charset="0"/>
-                <a:sym typeface="American Typewriter" charset="0"/>
-              </a:rPr>
-              <a:t>C</a:t>
-            </a:r>
-          </a:p>
-        </p:txBody>
-      </p:sp>
-      <p:cxnSp>
-        <p:nvCxnSpPr>
-          <p:cNvPr id="12" name="Straight Connector 11"/>
-          <p:cNvCxnSpPr>
-            <a:stCxn id="9" idx="6"/>
-            <a:endCxn id="10" idx="2"/>
-          </p:cNvCxnSpPr>
-          <p:nvPr/>
-        </p:nvCxnSpPr>
-        <p:spPr bwMode="auto">
-          <a:xfrm>
-            <a:off x="8320200" y="5862511"/>
-            <a:ext cx="819291" cy="0"/>
-          </a:xfrm>
-          <a:prstGeom prst="line">
-            <a:avLst/>
-          </a:prstGeom>
-          <a:blipFill dpi="0" rotWithShape="0">
-            <a:blip r:embed="rId2"/>
-            <a:srcRect/>
-            <a:tile tx="0" ty="0" sx="100000" sy="100000" flip="none" algn="tl"/>
-          </a:blipFill>
-          <a:ln w="12700" cap="flat" cmpd="sng" algn="ctr">
-            <a:solidFill>
-              <a:schemeClr val="bg1"/>
-            </a:solidFill>
-            <a:prstDash val="solid"/>
-            <a:round/>
-            <a:headEnd type="triangle" w="lg" len="lg"/>
-            <a:tailEnd type="triangle" w="lg" len="lg"/>
-          </a:ln>
-          <a:effectLst/>
-        </p:spPr>
-      </p:cxnSp>
-      <p:sp>
-        <p:nvSpPr>
-          <p:cNvPr id="13" name="Oval 12"/>
-          <p:cNvSpPr/>
-          <p:nvPr/>
-        </p:nvSpPr>
-        <p:spPr bwMode="auto">
-          <a:xfrm>
-            <a:off x="8302600" y="3796680"/>
-            <a:ext cx="819291" cy="819291"/>
-          </a:xfrm>
-          <a:prstGeom prst="ellipse">
-            <a:avLst/>
-          </a:prstGeom>
-          <a:noFill/>
-          <a:ln w="12700" cap="flat" cmpd="sng" algn="ctr">
-            <a:solidFill>
-              <a:schemeClr val="bg1"/>
-            </a:solidFill>
-            <a:prstDash val="dash"/>
-            <a:round/>
-            <a:headEnd type="none" w="med" len="med"/>
-            <a:tailEnd type="none" w="med" len="med"/>
-          </a:ln>
-          <a:effectLst/>
-        </p:spPr>
-        <p:txBody>
-          <a:bodyPr vert="horz" wrap="square" lIns="130032" tIns="78019" rIns="130032" bIns="65017" numCol="1" rtlCol="0" anchor="t" anchorCtr="0" compatLnSpc="1">
-            <a:prstTxWarp prst="textNoShape">
-              <a:avLst/>
-            </a:prstTxWarp>
-          </a:bodyPr>
-          <a:lstStyle/>
-          <a:p>
-            <a:pPr algn="ctr" defTabSz="1300326"/>
-            <a:r>
-              <a:rPr lang="en-US" sz="2800" i="1" dirty="0">
-                <a:solidFill>
-                  <a:schemeClr val="bg1"/>
-                </a:solidFill>
-                <a:latin typeface="Times New Roman" pitchFamily="18" charset="0"/>
-                <a:ea typeface="ヒラギノ明朝 ProN W3" charset="-128"/>
-                <a:cs typeface="Times New Roman" pitchFamily="18" charset="0"/>
-                <a:sym typeface="American Typewriter" charset="0"/>
-              </a:rPr>
-              <a:t>A</a:t>
-            </a:r>
-          </a:p>
-        </p:txBody>
-      </p:sp>
-    </p:spTree>
-    <p:extLst>
-      <p:ext uri="{BB962C8B-B14F-4D97-AF65-F5344CB8AC3E}">
-        <p14:creationId xmlns:p14="http://schemas.microsoft.com/office/powerpoint/2010/main" val="1187177545"/>
-      </p:ext>
-    </p:extLst>
-  </p:cSld>
-  <p:clrMapOvr>
-    <a:masterClrMapping/>
-  </p:clrMapOvr>
-  <p:transition xmlns:p14="http://schemas.microsoft.com/office/powerpoint/2010/main"/>
-  <p:timing>
-    <p:tnLst>
-      <p:par>
-        <p:cTn xmlns:p14="http://schemas.microsoft.com/office/powerpoint/2010/main" id="1" dur="indefinite" restart="never" nodeType="tmRoot"/>
-      </p:par>
-    </p:tnLst>
-  </p:timing>
-</p:sld>
-</file>
-
-<file path=ppt/slides/slide13.xml><?xml version="1.0" encoding="utf-8"?>
-<p:sld xmlns:a="http://schemas.openxmlformats.org/drawingml/2006/main" xmlns:r="http://schemas.openxmlformats.org/officeDocument/2006/relationships" xmlns:p="http://schemas.openxmlformats.org/presentationml/2006/main">
-  <p:cSld>
-    <p:spTree>
-      <p:nvGrpSpPr>
-        <p:cNvPr id="1" name=""/>
-        <p:cNvGrpSpPr/>
-        <p:nvPr/>
-      </p:nvGrpSpPr>
-      <p:grpSpPr>
-        <a:xfrm>
-          <a:off x="0" y="0"/>
-          <a:ext cx="0" cy="0"/>
-          <a:chOff x="0" y="0"/>
-          <a:chExt cx="0" cy="0"/>
-        </a:xfrm>
-      </p:grpSpPr>
-      <p:sp>
-        <p:nvSpPr>
-          <p:cNvPr id="2" name="Title 1"/>
-          <p:cNvSpPr>
-            <a:spLocks noGrp="1"/>
-          </p:cNvSpPr>
-          <p:nvPr>
-            <p:ph type="title"/>
-          </p:nvPr>
-        </p:nvSpPr>
-        <p:spPr/>
-        <p:txBody>
-          <a:bodyPr/>
-          <a:lstStyle/>
-          <a:p>
-            <a:r>
-              <a:rPr lang="en-US" dirty="0" smtClean="0"/>
-              <a:t>Algorithm: Structure with PC</a:t>
-            </a:r>
-            <a:endParaRPr lang="en-US" dirty="0"/>
-          </a:p>
-        </p:txBody>
-      </p:sp>
-      <p:sp>
-        <p:nvSpPr>
-          <p:cNvPr id="3" name="Content Placeholder 2"/>
-          <p:cNvSpPr>
-            <a:spLocks noGrp="1"/>
-          </p:cNvSpPr>
-          <p:nvPr>
-            <p:ph idx="1"/>
-          </p:nvPr>
-        </p:nvSpPr>
-        <p:spPr>
-          <a:xfrm>
-            <a:off x="900113" y="2070100"/>
-            <a:ext cx="10786863" cy="6007100"/>
-          </a:xfrm>
-        </p:spPr>
-        <p:txBody>
-          <a:bodyPr/>
-          <a:lstStyle/>
-          <a:p>
-            <a:pPr marL="0" indent="0">
-              <a:buNone/>
-            </a:pPr>
-            <a:r>
-              <a:rPr lang="en-US" b="1" dirty="0" smtClean="0"/>
-              <a:t>STEP 1</a:t>
-            </a:r>
-          </a:p>
-          <a:p>
-            <a:pPr marL="0" indent="0">
-              <a:lnSpc>
-                <a:spcPct val="120000"/>
-              </a:lnSpc>
-              <a:buNone/>
-            </a:pPr>
-            <a:endParaRPr lang="en-US" b="1" dirty="0" smtClean="0"/>
-          </a:p>
-          <a:p>
-            <a:pPr>
-              <a:lnSpc>
-                <a:spcPct val="120000"/>
-              </a:lnSpc>
-            </a:pPr>
-            <a:r>
-              <a:rPr lang="en-US" dirty="0" smtClean="0"/>
-              <a:t>Take </a:t>
-            </a:r>
-            <a:r>
-              <a:rPr lang="en-US" dirty="0" smtClean="0"/>
-              <a:t>a two connected points X and Y</a:t>
-            </a:r>
-          </a:p>
-          <a:p>
-            <a:pPr>
-              <a:lnSpc>
-                <a:spcPct val="120000"/>
-              </a:lnSpc>
-            </a:pPr>
-            <a:r>
-              <a:rPr lang="en-US" dirty="0" smtClean="0"/>
-              <a:t>Test whether X and Y are statistically independent given any set S of other points</a:t>
-            </a:r>
-          </a:p>
-          <a:p>
-            <a:pPr>
-              <a:lnSpc>
-                <a:spcPct val="120000"/>
-              </a:lnSpc>
-            </a:pPr>
-            <a:r>
-              <a:rPr lang="en-US" dirty="0" smtClean="0"/>
-              <a:t>If so, remove the edge between X and Y. S is recorded as a separating set of {X, Y}</a:t>
-            </a:r>
-          </a:p>
-          <a:p>
-            <a:pPr lvl="1">
-              <a:lnSpc>
-                <a:spcPct val="120000"/>
-              </a:lnSpc>
-            </a:pPr>
-            <a:r>
-              <a:rPr lang="en-US" dirty="0" smtClean="0"/>
-              <a:t>“Standard” PC stops after finding one set.</a:t>
-            </a:r>
-          </a:p>
-          <a:p>
-            <a:pPr lvl="1">
-              <a:lnSpc>
-                <a:spcPct val="120000"/>
-              </a:lnSpc>
-            </a:pPr>
-            <a:r>
-              <a:rPr lang="en-US" dirty="0" smtClean="0"/>
-              <a:t>Our adjusted version tries to find multiple sets</a:t>
-            </a:r>
-          </a:p>
-          <a:p>
-            <a:pPr>
-              <a:lnSpc>
-                <a:spcPct val="120000"/>
-              </a:lnSpc>
-            </a:pPr>
-            <a:endParaRPr lang="en-US" dirty="0" smtClean="0"/>
-          </a:p>
-          <a:p>
-            <a:pPr>
-              <a:lnSpc>
-                <a:spcPct val="120000"/>
-              </a:lnSpc>
-            </a:pPr>
-            <a:r>
-              <a:rPr lang="en-US" dirty="0" smtClean="0"/>
-              <a:t>Repeat for all pairs and all sets…</a:t>
-            </a:r>
-          </a:p>
-        </p:txBody>
-      </p:sp>
-      <p:pic>
-        <p:nvPicPr>
-          <p:cNvPr id="1027" name="Picture 3"/>
-          <p:cNvPicPr>
-            <a:picLocks noChangeAspect="1" noChangeArrowheads="1"/>
-          </p:cNvPicPr>
-          <p:nvPr/>
-        </p:nvPicPr>
-        <p:blipFill>
-          <a:blip r:embed="rId2"/>
-          <a:srcRect/>
-          <a:stretch>
-            <a:fillRect/>
-          </a:stretch>
-        </p:blipFill>
-        <p:spPr bwMode="auto">
-          <a:xfrm>
-            <a:off x="8230592" y="5308848"/>
-            <a:ext cx="3384376" cy="2619545"/>
-          </a:xfrm>
-          <a:prstGeom prst="rect">
-            <a:avLst/>
-          </a:prstGeom>
-          <a:noFill/>
-          <a:ln w="9525">
-            <a:noFill/>
-            <a:miter lim="800000"/>
-            <a:headEnd/>
-            <a:tailEnd/>
-          </a:ln>
-        </p:spPr>
-      </p:pic>
-    </p:spTree>
-    <p:extLst>
-      <p:ext uri="{BB962C8B-B14F-4D97-AF65-F5344CB8AC3E}">
-        <p14:creationId xmlns:p14="http://schemas.microsoft.com/office/powerpoint/2010/main" val="2422461972"/>
-      </p:ext>
-    </p:extLst>
-  </p:cSld>
-  <p:clrMapOvr>
-    <a:masterClrMapping/>
-  </p:clrMapOvr>
-  <p:transition xmlns:p14="http://schemas.microsoft.com/office/powerpoint/2010/main"/>
-</p:sld>
-</file>
-
-<file path=ppt/slides/slide14.xml><?xml version="1.0" encoding="utf-8"?>
-<p:sld xmlns:a="http://schemas.openxmlformats.org/drawingml/2006/main" xmlns:r="http://schemas.openxmlformats.org/officeDocument/2006/relationships" xmlns:p="http://schemas.openxmlformats.org/presentationml/2006/main">
-  <p:cSld>
-    <p:spTree>
-      <p:nvGrpSpPr>
-        <p:cNvPr id="1" name=""/>
-        <p:cNvGrpSpPr/>
-        <p:nvPr/>
-      </p:nvGrpSpPr>
-      <p:grpSpPr>
-        <a:xfrm>
-          <a:off x="0" y="0"/>
-          <a:ext cx="0" cy="0"/>
-          <a:chOff x="0" y="0"/>
-          <a:chExt cx="0" cy="0"/>
-        </a:xfrm>
-      </p:grpSpPr>
-      <p:sp>
-        <p:nvSpPr>
-          <p:cNvPr id="2" name="Title 1"/>
-          <p:cNvSpPr>
-            <a:spLocks noGrp="1"/>
-          </p:cNvSpPr>
-          <p:nvPr>
-            <p:ph type="title"/>
-          </p:nvPr>
-        </p:nvSpPr>
-        <p:spPr/>
-        <p:txBody>
-          <a:bodyPr/>
-          <a:lstStyle/>
-          <a:p>
-            <a:r>
-              <a:rPr lang="en-US" dirty="0" smtClean="0"/>
-              <a:t>Algorithm: Structure with PC</a:t>
-            </a:r>
-            <a:endParaRPr lang="en-US" dirty="0"/>
-          </a:p>
-        </p:txBody>
-      </p:sp>
-      <p:sp>
-        <p:nvSpPr>
-          <p:cNvPr id="3" name="Content Placeholder 2"/>
-          <p:cNvSpPr>
-            <a:spLocks noGrp="1"/>
-          </p:cNvSpPr>
-          <p:nvPr>
-            <p:ph idx="1"/>
-          </p:nvPr>
-        </p:nvSpPr>
-        <p:spPr>
-          <a:xfrm>
-            <a:off x="900113" y="2070100"/>
-            <a:ext cx="10786863" cy="6007100"/>
-          </a:xfrm>
-        </p:spPr>
-        <p:txBody>
-          <a:bodyPr/>
-          <a:lstStyle/>
-          <a:p>
-            <a:pPr marL="0" indent="0">
-              <a:buNone/>
-            </a:pPr>
-            <a:r>
-              <a:rPr lang="en-US" b="1" dirty="0" smtClean="0"/>
-              <a:t>STEP 1</a:t>
-            </a:r>
-          </a:p>
-          <a:p>
-            <a:pPr marL="0" indent="0">
-              <a:lnSpc>
-                <a:spcPct val="120000"/>
-              </a:lnSpc>
-              <a:buNone/>
-            </a:pPr>
-            <a:endParaRPr lang="en-US" b="1" dirty="0" smtClean="0"/>
-          </a:p>
-          <a:p>
-            <a:pPr>
-              <a:lnSpc>
-                <a:spcPct val="120000"/>
-              </a:lnSpc>
-            </a:pPr>
-            <a:r>
-              <a:rPr lang="en-US" dirty="0" smtClean="0"/>
-              <a:t>Take </a:t>
-            </a:r>
-            <a:r>
-              <a:rPr lang="en-US" dirty="0" smtClean="0"/>
-              <a:t>a two connected points X and Y</a:t>
-            </a:r>
-          </a:p>
-          <a:p>
-            <a:pPr>
-              <a:lnSpc>
-                <a:spcPct val="120000"/>
-              </a:lnSpc>
-            </a:pPr>
-            <a:r>
-              <a:rPr lang="en-US" dirty="0" smtClean="0"/>
-              <a:t>Test whether X and Y are statistically independent given any set S of other points</a:t>
-            </a:r>
-          </a:p>
-          <a:p>
-            <a:pPr>
-              <a:lnSpc>
-                <a:spcPct val="120000"/>
-              </a:lnSpc>
-            </a:pPr>
-            <a:r>
-              <a:rPr lang="en-US" dirty="0" smtClean="0"/>
-              <a:t>If so, remove the edge between X and Y. S is recorded as a separating set of {X, Y}</a:t>
-            </a:r>
-          </a:p>
-          <a:p>
-            <a:pPr lvl="1">
-              <a:lnSpc>
-                <a:spcPct val="120000"/>
-              </a:lnSpc>
-            </a:pPr>
-            <a:r>
-              <a:rPr lang="en-US" dirty="0" smtClean="0"/>
-              <a:t>“Standard” PC stops after finding one set.</a:t>
-            </a:r>
-          </a:p>
-          <a:p>
-            <a:pPr lvl="1">
-              <a:lnSpc>
-                <a:spcPct val="120000"/>
-              </a:lnSpc>
-            </a:pPr>
-            <a:r>
-              <a:rPr lang="en-US" b="1" dirty="0" smtClean="0">
-                <a:solidFill>
-                  <a:srgbClr val="0089B9"/>
-                </a:solidFill>
-              </a:rPr>
-              <a:t>Our adjusted version tries to find multiple sets</a:t>
-            </a:r>
-          </a:p>
-          <a:p>
-            <a:pPr>
-              <a:lnSpc>
-                <a:spcPct val="120000"/>
-              </a:lnSpc>
-            </a:pPr>
-            <a:endParaRPr lang="en-US" dirty="0" smtClean="0"/>
-          </a:p>
-          <a:p>
-            <a:pPr>
-              <a:lnSpc>
-                <a:spcPct val="120000"/>
-              </a:lnSpc>
-            </a:pPr>
-            <a:r>
-              <a:rPr lang="en-US" dirty="0" smtClean="0"/>
-              <a:t>Repeat for all pairs and all sets…</a:t>
-            </a:r>
-          </a:p>
-        </p:txBody>
-      </p:sp>
-      <p:pic>
-        <p:nvPicPr>
-          <p:cNvPr id="1027" name="Picture 3"/>
-          <p:cNvPicPr>
-            <a:picLocks noChangeAspect="1" noChangeArrowheads="1"/>
-          </p:cNvPicPr>
-          <p:nvPr/>
-        </p:nvPicPr>
-        <p:blipFill>
-          <a:blip r:embed="rId2"/>
-          <a:srcRect/>
-          <a:stretch>
-            <a:fillRect/>
-          </a:stretch>
-        </p:blipFill>
-        <p:spPr bwMode="auto">
-          <a:xfrm>
-            <a:off x="8230592" y="5308848"/>
-            <a:ext cx="3384376" cy="2619545"/>
-          </a:xfrm>
-          <a:prstGeom prst="rect">
-            <a:avLst/>
-          </a:prstGeom>
-          <a:noFill/>
-          <a:ln w="9525">
-            <a:noFill/>
-            <a:miter lim="800000"/>
-            <a:headEnd/>
-            <a:tailEnd/>
-          </a:ln>
-        </p:spPr>
-      </p:pic>
-      <p:cxnSp>
-        <p:nvCxnSpPr>
-          <p:cNvPr id="5" name="Straight Connector 4"/>
-          <p:cNvCxnSpPr/>
-          <p:nvPr/>
-        </p:nvCxnSpPr>
-        <p:spPr bwMode="auto">
-          <a:xfrm flipH="1" flipV="1">
-            <a:off x="8734648" y="7253064"/>
-            <a:ext cx="2304256" cy="144016"/>
-          </a:xfrm>
-          <a:prstGeom prst="line">
-            <a:avLst/>
-          </a:prstGeom>
-          <a:blipFill dpi="0" rotWithShape="0">
-            <a:blip r:embed="rId3"/>
-            <a:srcRect/>
-            <a:tile tx="0" ty="0" sx="100000" sy="100000" flip="none" algn="tl"/>
-          </a:blipFill>
-          <a:ln w="50800" cap="flat" cmpd="sng" algn="ctr">
-            <a:solidFill>
-              <a:srgbClr val="FF0000"/>
-            </a:solidFill>
-            <a:prstDash val="solid"/>
-            <a:round/>
-            <a:headEnd type="none" w="med" len="med"/>
-            <a:tailEnd type="none" w="med" len="med"/>
-          </a:ln>
-          <a:effectLst/>
-        </p:spPr>
-      </p:cxnSp>
-      <p:cxnSp>
-        <p:nvCxnSpPr>
-          <p:cNvPr id="6" name="Straight Connector 5"/>
-          <p:cNvCxnSpPr/>
-          <p:nvPr/>
-        </p:nvCxnSpPr>
-        <p:spPr bwMode="auto">
-          <a:xfrm flipV="1">
-            <a:off x="9670752" y="7181056"/>
-            <a:ext cx="504056" cy="432048"/>
-          </a:xfrm>
-          <a:prstGeom prst="line">
-            <a:avLst/>
-          </a:prstGeom>
-          <a:blipFill dpi="0" rotWithShape="0">
-            <a:blip r:embed="rId3"/>
-            <a:srcRect/>
-            <a:tile tx="0" ty="0" sx="100000" sy="100000" flip="none" algn="tl"/>
-          </a:blipFill>
-          <a:ln w="50800" cap="flat" cmpd="sng" algn="ctr">
-            <a:solidFill>
-              <a:srgbClr val="FF0000"/>
-            </a:solidFill>
-            <a:prstDash val="solid"/>
-            <a:round/>
-            <a:headEnd type="none" w="med" len="med"/>
-            <a:tailEnd type="none" w="med" len="med"/>
-          </a:ln>
-          <a:effectLst/>
-        </p:spPr>
-      </p:cxnSp>
-      <p:cxnSp>
-        <p:nvCxnSpPr>
-          <p:cNvPr id="7" name="Straight Connector 6"/>
-          <p:cNvCxnSpPr/>
-          <p:nvPr/>
-        </p:nvCxnSpPr>
-        <p:spPr bwMode="auto">
-          <a:xfrm flipH="1" flipV="1">
-            <a:off x="9742760" y="7181056"/>
-            <a:ext cx="360040" cy="432048"/>
-          </a:xfrm>
-          <a:prstGeom prst="line">
-            <a:avLst/>
-          </a:prstGeom>
-          <a:blipFill dpi="0" rotWithShape="0">
-            <a:blip r:embed="rId3"/>
-            <a:srcRect/>
-            <a:tile tx="0" ty="0" sx="100000" sy="100000" flip="none" algn="tl"/>
-          </a:blipFill>
-          <a:ln w="50800" cap="flat" cmpd="sng" algn="ctr">
-            <a:solidFill>
-              <a:srgbClr val="FF0000"/>
-            </a:solidFill>
-            <a:prstDash val="solid"/>
-            <a:round/>
-            <a:headEnd type="none" w="med" len="med"/>
-            <a:tailEnd type="none" w="med" len="med"/>
-          </a:ln>
-          <a:effectLst/>
-        </p:spPr>
-      </p:cxnSp>
-    </p:spTree>
-    <p:extLst>
-      <p:ext uri="{BB962C8B-B14F-4D97-AF65-F5344CB8AC3E}">
-        <p14:creationId xmlns:p14="http://schemas.microsoft.com/office/powerpoint/2010/main" val="1201880096"/>
-      </p:ext>
-    </p:extLst>
-  </p:cSld>
-  <p:clrMapOvr>
-    <a:masterClrMapping/>
-  </p:clrMapOvr>
-  <p:transition xmlns:p14="http://schemas.microsoft.com/office/powerpoint/2010/main"/>
-</p:sld>
-</file>
-
-<file path=ppt/slides/slide15.xml><?xml version="1.0" encoding="utf-8"?>
-<p:sld xmlns:a="http://schemas.openxmlformats.org/drawingml/2006/main" xmlns:r="http://schemas.openxmlformats.org/officeDocument/2006/relationships" xmlns:p="http://schemas.openxmlformats.org/presentationml/2006/main">
-  <p:cSld>
-    <p:spTree>
-      <p:nvGrpSpPr>
-        <p:cNvPr id="1" name=""/>
-        <p:cNvGrpSpPr/>
-        <p:nvPr/>
-      </p:nvGrpSpPr>
-      <p:grpSpPr>
-        <a:xfrm>
-          <a:off x="0" y="0"/>
-          <a:ext cx="0" cy="0"/>
-          <a:chOff x="0" y="0"/>
-          <a:chExt cx="0" cy="0"/>
-        </a:xfrm>
-      </p:grpSpPr>
-      <p:sp>
-        <p:nvSpPr>
-          <p:cNvPr id="2" name="Title 1"/>
-          <p:cNvSpPr>
-            <a:spLocks noGrp="1"/>
-          </p:cNvSpPr>
-          <p:nvPr>
-            <p:ph type="title"/>
-          </p:nvPr>
-        </p:nvSpPr>
-        <p:spPr/>
-        <p:txBody>
-          <a:bodyPr/>
-          <a:lstStyle/>
-          <a:p>
-            <a:r>
-              <a:rPr lang="en-US" dirty="0" smtClean="0"/>
-              <a:t>Algorithm: direction with PC</a:t>
-            </a:r>
-            <a:endParaRPr lang="en-US" dirty="0"/>
-          </a:p>
-        </p:txBody>
-      </p:sp>
-      <p:sp>
-        <p:nvSpPr>
-          <p:cNvPr id="3" name="Content Placeholder 2"/>
-          <p:cNvSpPr>
-            <a:spLocks noGrp="1"/>
-          </p:cNvSpPr>
-          <p:nvPr>
-            <p:ph idx="1"/>
-          </p:nvPr>
-        </p:nvSpPr>
-        <p:spPr/>
-        <p:txBody>
-          <a:bodyPr/>
-          <a:lstStyle/>
-          <a:p>
-            <a:pPr marL="0" indent="0">
-              <a:lnSpc>
-                <a:spcPct val="120000"/>
-              </a:lnSpc>
-              <a:buNone/>
-            </a:pPr>
-            <a:r>
-              <a:rPr lang="en-US" b="1" dirty="0" smtClean="0"/>
-              <a:t>STEP 2</a:t>
-            </a:r>
-          </a:p>
-          <a:p>
-            <a:pPr marL="0" indent="0">
-              <a:lnSpc>
-                <a:spcPct val="120000"/>
-              </a:lnSpc>
-              <a:buNone/>
-            </a:pPr>
-            <a:endParaRPr lang="en-US" b="1" dirty="0" smtClean="0"/>
-          </a:p>
-          <a:p>
-            <a:pPr>
-              <a:lnSpc>
-                <a:spcPct val="120000"/>
-              </a:lnSpc>
-            </a:pPr>
-            <a:r>
-              <a:rPr lang="en-US" dirty="0" smtClean="0"/>
-              <a:t>Using </a:t>
-            </a:r>
-            <a:r>
-              <a:rPr lang="en-US" dirty="0" smtClean="0"/>
-              <a:t>the structure from the previous step, find V-structures</a:t>
-            </a:r>
-          </a:p>
-          <a:p>
-            <a:pPr>
-              <a:lnSpc>
-                <a:spcPct val="120000"/>
-              </a:lnSpc>
-            </a:pPr>
-            <a:r>
-              <a:rPr lang="en-US" dirty="0" smtClean="0"/>
-              <a:t>Orient V-structures depending on the separating sets</a:t>
-            </a:r>
-          </a:p>
-          <a:p>
-            <a:pPr lvl="1">
-              <a:lnSpc>
-                <a:spcPct val="120000"/>
-              </a:lnSpc>
-            </a:pPr>
-            <a:r>
-              <a:rPr lang="en-US" b="1" smtClean="0">
-                <a:solidFill>
-                  <a:srgbClr val="0089B9"/>
-                </a:solidFill>
-              </a:rPr>
-              <a:t>Our </a:t>
-            </a:r>
-            <a:r>
-              <a:rPr lang="en-US" b="1" smtClean="0">
-                <a:solidFill>
-                  <a:srgbClr val="0089B9"/>
-                </a:solidFill>
-              </a:rPr>
-              <a:t>version </a:t>
-            </a:r>
-            <a:r>
-              <a:rPr lang="en-US" b="1" dirty="0" smtClean="0">
-                <a:solidFill>
-                  <a:srgbClr val="0089B9"/>
-                </a:solidFill>
-              </a:rPr>
-              <a:t>explicitly tests for independence</a:t>
-            </a:r>
-            <a:endParaRPr lang="en-US" b="1" dirty="0" smtClean="0">
-              <a:solidFill>
-                <a:srgbClr val="0089B9"/>
-              </a:solidFill>
-            </a:endParaRPr>
-          </a:p>
-          <a:p>
-            <a:pPr lvl="1">
-              <a:lnSpc>
-                <a:spcPct val="120000"/>
-              </a:lnSpc>
-            </a:pPr>
-            <a:endParaRPr lang="en-US" dirty="0" smtClean="0"/>
-          </a:p>
-          <a:p>
-            <a:pPr>
-              <a:lnSpc>
-                <a:spcPct val="120000"/>
-              </a:lnSpc>
-            </a:pPr>
-            <a:r>
-              <a:rPr lang="en-US" dirty="0" smtClean="0"/>
-              <a:t>Some other simple rules to orient edges</a:t>
-            </a:r>
-          </a:p>
-        </p:txBody>
-      </p:sp>
-    </p:spTree>
-    <p:extLst>
-      <p:ext uri="{BB962C8B-B14F-4D97-AF65-F5344CB8AC3E}">
-        <p14:creationId xmlns:p14="http://schemas.microsoft.com/office/powerpoint/2010/main" val="1476071578"/>
-      </p:ext>
-    </p:extLst>
-  </p:cSld>
-  <p:clrMapOvr>
-    <a:masterClrMapping/>
-  </p:clrMapOvr>
-  <p:transition xmlns:p14="http://schemas.microsoft.com/office/powerpoint/2010/main"/>
-</p:sld>
-</file>
-
-<file path=ppt/slides/slide16.xml><?xml version="1.0" encoding="utf-8"?>
-<p:sld xmlns:a="http://schemas.openxmlformats.org/drawingml/2006/main" xmlns:r="http://schemas.openxmlformats.org/officeDocument/2006/relationships" xmlns:p="http://schemas.openxmlformats.org/presentationml/2006/main">
-  <p:cSld>
-    <p:spTree>
-      <p:nvGrpSpPr>
-        <p:cNvPr id="1" name=""/>
-        <p:cNvGrpSpPr/>
-        <p:nvPr/>
-      </p:nvGrpSpPr>
-      <p:grpSpPr>
-        <a:xfrm>
-          <a:off x="0" y="0"/>
-          <a:ext cx="0" cy="0"/>
-          <a:chOff x="0" y="0"/>
-          <a:chExt cx="0" cy="0"/>
-        </a:xfrm>
-      </p:grpSpPr>
-      <p:sp>
-        <p:nvSpPr>
-          <p:cNvPr id="21505" name="Titel 3"/>
-          <p:cNvSpPr>
-            <a:spLocks noGrp="1"/>
-          </p:cNvSpPr>
-          <p:nvPr>
-            <p:ph type="title"/>
-          </p:nvPr>
-        </p:nvSpPr>
-        <p:spPr/>
-        <p:txBody>
-          <a:bodyPr/>
-          <a:lstStyle/>
-          <a:p>
-            <a:r>
-              <a:rPr lang="nl-NL" dirty="0" smtClean="0">
-                <a:latin typeface="Arial" pitchFamily="34" charset="0"/>
-                <a:ea typeface="ＭＳ Ｐゴシック"/>
-                <a:cs typeface="Arial" pitchFamily="34" charset="0"/>
-              </a:rPr>
-              <a:t>What we have</a:t>
-            </a:r>
-          </a:p>
-        </p:txBody>
-      </p:sp>
-      <p:sp>
-        <p:nvSpPr>
-          <p:cNvPr id="4" name="Content Placeholder 3"/>
-          <p:cNvSpPr>
-            <a:spLocks noGrp="1"/>
-          </p:cNvSpPr>
-          <p:nvPr>
-            <p:ph idx="1"/>
-          </p:nvPr>
-        </p:nvSpPr>
-        <p:spPr/>
-        <p:txBody>
-          <a:bodyPr/>
-          <a:lstStyle/>
-          <a:p>
-            <a:pPr marL="514350" lvl="1" indent="-514350">
-              <a:buFont typeface="Arial" pitchFamily="34" charset="0"/>
-              <a:buChar char="•"/>
-            </a:pPr>
-            <a:r>
-              <a:rPr lang="en-US" dirty="0" smtClean="0"/>
-              <a:t>fMRI </a:t>
-            </a:r>
-            <a:r>
-              <a:rPr lang="en-US" dirty="0" smtClean="0"/>
-              <a:t>measurements of six subjects</a:t>
-            </a:r>
-            <a:endParaRPr lang="en-US" dirty="0" smtClean="0"/>
-          </a:p>
-          <a:p>
-            <a:pPr marL="514350" lvl="1" indent="-514350">
-              <a:buFont typeface="Arial" pitchFamily="34" charset="0"/>
-              <a:buChar char="•"/>
-            </a:pPr>
-            <a:r>
-              <a:rPr lang="en-US" dirty="0" smtClean="0"/>
-              <a:t>Activity of the brain</a:t>
-            </a:r>
-          </a:p>
-          <a:p>
-            <a:pPr marL="514350" lvl="2" indent="-514350">
-              <a:buFont typeface="Arial" pitchFamily="34" charset="0"/>
-              <a:buChar char="•"/>
-            </a:pPr>
-            <a:r>
-              <a:rPr lang="en-US" dirty="0" smtClean="0"/>
-              <a:t>For 116 brain regions and 1029 time frames</a:t>
-            </a:r>
-          </a:p>
-        </p:txBody>
-      </p:sp>
-      <p:pic>
-        <p:nvPicPr>
-          <p:cNvPr id="5" name="Picture 4" descr="fmri-brains.jpg"/>
-          <p:cNvPicPr>
-            <a:picLocks noChangeAspect="1"/>
-          </p:cNvPicPr>
-          <p:nvPr/>
-        </p:nvPicPr>
-        <p:blipFill>
-          <a:blip r:embed="rId3">
-            <a:extLst>
-              <a:ext uri="{28A0092B-C50C-407E-A947-70E740481C1C}">
-                <a14:useLocalDpi xmlns:a14="http://schemas.microsoft.com/office/drawing/2010/main" val="0"/>
-              </a:ext>
-            </a:extLst>
-          </a:blip>
-          <a:stretch>
-            <a:fillRect/>
-          </a:stretch>
-        </p:blipFill>
-        <p:spPr>
-          <a:xfrm>
-            <a:off x="3838104" y="3940696"/>
-            <a:ext cx="4951962" cy="3384376"/>
-          </a:xfrm>
-          <a:prstGeom prst="rect">
-            <a:avLst/>
-          </a:prstGeom>
-        </p:spPr>
-      </p:pic>
-    </p:spTree>
-    <p:extLst>
-      <p:ext uri="{BB962C8B-B14F-4D97-AF65-F5344CB8AC3E}">
-        <p14:creationId xmlns:p14="http://schemas.microsoft.com/office/powerpoint/2010/main" val="740688933"/>
-      </p:ext>
-    </p:extLst>
-  </p:cSld>
-  <p:clrMapOvr>
-    <a:masterClrMapping/>
-  </p:clrMapOvr>
-  <p:transition xmlns:p14="http://schemas.microsoft.com/office/powerpoint/2010/main"/>
-  <p:timing>
-    <p:tnLst>
-      <p:par>
-        <p:cTn xmlns:p14="http://schemas.microsoft.com/office/powerpoint/2010/main" id="1" dur="indefinite" restart="never" nodeType="tmRoot"/>
-      </p:par>
-    </p:tnLst>
-  </p:timing>
-</p:sld>
-</file>
-
-<file path=ppt/slides/slide17.xml><?xml version="1.0" encoding="utf-8"?>
-<p:sld xmlns:a="http://schemas.openxmlformats.org/drawingml/2006/main" xmlns:r="http://schemas.openxmlformats.org/officeDocument/2006/relationships" xmlns:p="http://schemas.openxmlformats.org/presentationml/2006/main">
-  <p:cSld>
-    <p:spTree>
-      <p:nvGrpSpPr>
-        <p:cNvPr id="1" name=""/>
-        <p:cNvGrpSpPr/>
-        <p:nvPr/>
-      </p:nvGrpSpPr>
-      <p:grpSpPr>
-        <a:xfrm>
-          <a:off x="0" y="0"/>
-          <a:ext cx="0" cy="0"/>
-          <a:chOff x="0" y="0"/>
-          <a:chExt cx="0" cy="0"/>
-        </a:xfrm>
-      </p:grpSpPr>
-      <p:sp>
-        <p:nvSpPr>
-          <p:cNvPr id="2" name="Title 1"/>
-          <p:cNvSpPr>
-            <a:spLocks noGrp="1"/>
-          </p:cNvSpPr>
-          <p:nvPr>
-            <p:ph type="title"/>
-          </p:nvPr>
-        </p:nvSpPr>
-        <p:spPr>
-          <a:xfrm>
-            <a:off x="900113" y="990600"/>
-            <a:ext cx="11049000" cy="717848"/>
-          </a:xfrm>
-        </p:spPr>
-        <p:txBody>
-          <a:bodyPr/>
-          <a:lstStyle/>
-          <a:p>
-            <a:r>
-              <a:rPr lang="en-US" dirty="0" smtClean="0"/>
-              <a:t>Structure</a:t>
-            </a:r>
-            <a:endParaRPr lang="en-US" dirty="0"/>
-          </a:p>
-        </p:txBody>
-      </p:sp>
-      <p:pic>
-        <p:nvPicPr>
-          <p:cNvPr id="1028" name="Picture 4"/>
-          <p:cNvPicPr>
-            <a:picLocks noChangeAspect="1" noChangeArrowheads="1"/>
-          </p:cNvPicPr>
-          <p:nvPr/>
-        </p:nvPicPr>
-        <p:blipFill>
-          <a:blip r:embed="rId2"/>
-          <a:srcRect/>
-          <a:stretch>
-            <a:fillRect/>
-          </a:stretch>
-        </p:blipFill>
-        <p:spPr bwMode="auto">
-          <a:xfrm>
-            <a:off x="5710312" y="2284512"/>
-            <a:ext cx="6048672" cy="5886249"/>
-          </a:xfrm>
-          <a:prstGeom prst="rect">
-            <a:avLst/>
-          </a:prstGeom>
-          <a:noFill/>
-          <a:ln w="9525">
-            <a:noFill/>
-            <a:miter lim="800000"/>
-            <a:headEnd/>
-            <a:tailEnd/>
-          </a:ln>
-        </p:spPr>
-      </p:pic>
-      <p:sp>
-        <p:nvSpPr>
-          <p:cNvPr id="31" name="Left Brace 30"/>
-          <p:cNvSpPr/>
-          <p:nvPr/>
-        </p:nvSpPr>
-        <p:spPr bwMode="auto">
-          <a:xfrm>
-            <a:off x="5206256" y="2356520"/>
-            <a:ext cx="360040" cy="2088232"/>
-          </a:xfrm>
-          <a:prstGeom prst="leftBrace">
-            <a:avLst/>
-          </a:prstGeom>
-          <a:noFill/>
-          <a:ln w="12700" cap="flat" cmpd="sng" algn="ctr">
-            <a:solidFill>
-              <a:schemeClr val="bg1"/>
-            </a:solidFill>
-            <a:prstDash val="solid"/>
-            <a:round/>
-            <a:headEnd type="none" w="med" len="med"/>
-            <a:tailEnd type="none" w="med" len="med"/>
-          </a:ln>
-          <a:effectLst/>
-        </p:spPr>
-        <p:txBody>
-          <a:bodyPr vert="horz" wrap="square" lIns="91440" tIns="45720" rIns="91440" bIns="45720" numCol="1" rtlCol="0" anchor="t" anchorCtr="0" compatLnSpc="1">
-            <a:prstTxWarp prst="textNoShape">
-              <a:avLst/>
-            </a:prstTxWarp>
-          </a:bodyPr>
-          <a:lstStyle/>
-          <a:p>
-            <a:pPr marL="0" marR="0" indent="0" algn="ctr" defTabSz="914400" rtl="0" eaLnBrk="1" fontAlgn="base" latinLnBrk="0" hangingPunct="1">
-              <a:lnSpc>
-                <a:spcPct val="100000"/>
-              </a:lnSpc>
-              <a:spcBef>
-                <a:spcPct val="0"/>
-              </a:spcBef>
-              <a:spcAft>
-                <a:spcPct val="0"/>
-              </a:spcAft>
-              <a:buClrTx/>
-              <a:buSzTx/>
-              <a:buFontTx/>
-              <a:buNone/>
-              <a:tabLst/>
-            </a:pPr>
-            <a:endParaRPr kumimoji="0" lang="en-US" sz="4000" b="0" i="0" u="none" strike="noStrike" cap="none" normalizeH="0" baseline="0">
-              <a:ln>
-                <a:noFill/>
-              </a:ln>
-              <a:solidFill>
-                <a:srgbClr val="FFFFFF"/>
-              </a:solidFill>
-              <a:effectLst/>
-              <a:latin typeface="American Typewriter" charset="0"/>
-              <a:ea typeface="ヒラギノ明朝 ProN W3" charset="-128"/>
-              <a:cs typeface="ヒラギノ明朝 ProN W3" charset="-128"/>
-              <a:sym typeface="American Typewriter" charset="0"/>
-            </a:endParaRPr>
-          </a:p>
-        </p:txBody>
-      </p:sp>
-      <p:sp>
-        <p:nvSpPr>
-          <p:cNvPr id="33" name="TextBox 32"/>
-          <p:cNvSpPr txBox="1"/>
-          <p:nvPr/>
-        </p:nvSpPr>
-        <p:spPr>
-          <a:xfrm>
-            <a:off x="3046016" y="3220616"/>
-            <a:ext cx="2021707" cy="400110"/>
-          </a:xfrm>
-          <a:prstGeom prst="rect">
-            <a:avLst/>
-          </a:prstGeom>
-          <a:noFill/>
-        </p:spPr>
-        <p:txBody>
-          <a:bodyPr wrap="none" rtlCol="0">
-            <a:spAutoFit/>
-          </a:bodyPr>
-          <a:lstStyle/>
-          <a:p>
-            <a:r>
-              <a:rPr lang="en-US" sz="2000" dirty="0" smtClean="0">
-                <a:solidFill>
-                  <a:srgbClr val="141313"/>
-                </a:solidFill>
-                <a:latin typeface="+mn-lt"/>
-                <a:ea typeface="ＭＳ Ｐゴシック" charset="-128"/>
-                <a:cs typeface="Arial"/>
-                <a:sym typeface="Kievit-Book"/>
-              </a:rPr>
-              <a:t>Left hemisphere</a:t>
-            </a:r>
-          </a:p>
-        </p:txBody>
-      </p:sp>
-      <p:pic>
-        <p:nvPicPr>
-          <p:cNvPr id="1029" name="Picture 5"/>
-          <p:cNvPicPr>
-            <a:picLocks noChangeAspect="1" noChangeArrowheads="1"/>
-          </p:cNvPicPr>
-          <p:nvPr/>
-        </p:nvPicPr>
-        <p:blipFill>
-          <a:blip r:embed="rId3"/>
-          <a:srcRect/>
-          <a:stretch>
-            <a:fillRect/>
-          </a:stretch>
-        </p:blipFill>
-        <p:spPr bwMode="auto">
-          <a:xfrm>
-            <a:off x="741760" y="4588768"/>
-            <a:ext cx="2057400" cy="1819275"/>
-          </a:xfrm>
-          <a:prstGeom prst="rect">
-            <a:avLst/>
-          </a:prstGeom>
-          <a:noFill/>
-          <a:ln w="9525">
-            <a:noFill/>
-            <a:miter lim="800000"/>
-            <a:headEnd/>
-            <a:tailEnd/>
-          </a:ln>
-        </p:spPr>
-      </p:pic>
-      <p:sp>
-        <p:nvSpPr>
-          <p:cNvPr id="35" name="Left Brace 34"/>
-          <p:cNvSpPr/>
-          <p:nvPr/>
-        </p:nvSpPr>
-        <p:spPr bwMode="auto">
-          <a:xfrm>
-            <a:off x="5206256" y="4444752"/>
-            <a:ext cx="360040" cy="2160240"/>
-          </a:xfrm>
-          <a:prstGeom prst="leftBrace">
-            <a:avLst/>
-          </a:prstGeom>
-          <a:noFill/>
-          <a:ln w="12700" cap="flat" cmpd="sng" algn="ctr">
-            <a:solidFill>
-              <a:schemeClr val="bg1"/>
-            </a:solidFill>
-            <a:prstDash val="solid"/>
-            <a:round/>
-            <a:headEnd type="none" w="med" len="med"/>
-            <a:tailEnd type="none" w="med" len="med"/>
-          </a:ln>
-          <a:effectLst/>
-        </p:spPr>
-        <p:txBody>
-          <a:bodyPr vert="horz" wrap="square" lIns="91440" tIns="45720" rIns="91440" bIns="45720" numCol="1" rtlCol="0" anchor="t" anchorCtr="0" compatLnSpc="1">
-            <a:prstTxWarp prst="textNoShape">
-              <a:avLst/>
-            </a:prstTxWarp>
-          </a:bodyPr>
-          <a:lstStyle/>
-          <a:p>
-            <a:pPr marL="0" marR="0" indent="0" algn="ctr" defTabSz="914400" rtl="0" eaLnBrk="1" fontAlgn="base" latinLnBrk="0" hangingPunct="1">
-              <a:lnSpc>
-                <a:spcPct val="100000"/>
-              </a:lnSpc>
-              <a:spcBef>
-                <a:spcPct val="0"/>
-              </a:spcBef>
-              <a:spcAft>
-                <a:spcPct val="0"/>
-              </a:spcAft>
-              <a:buClrTx/>
-              <a:buSzTx/>
-              <a:buFontTx/>
-              <a:buNone/>
-              <a:tabLst/>
-            </a:pPr>
-            <a:endParaRPr kumimoji="0" lang="en-US" sz="4000" b="0" i="0" u="none" strike="noStrike" cap="none" normalizeH="0" baseline="0">
-              <a:ln>
-                <a:noFill/>
-              </a:ln>
-              <a:solidFill>
-                <a:srgbClr val="FFFFFF"/>
-              </a:solidFill>
-              <a:effectLst/>
-              <a:latin typeface="American Typewriter" charset="0"/>
-              <a:ea typeface="ヒラギノ明朝 ProN W3" charset="-128"/>
-              <a:cs typeface="ヒラギノ明朝 ProN W3" charset="-128"/>
-              <a:sym typeface="American Typewriter" charset="0"/>
-            </a:endParaRPr>
-          </a:p>
-        </p:txBody>
-      </p:sp>
-      <p:sp>
-        <p:nvSpPr>
-          <p:cNvPr id="36" name="Left Brace 35"/>
-          <p:cNvSpPr/>
-          <p:nvPr/>
-        </p:nvSpPr>
-        <p:spPr bwMode="auto">
-          <a:xfrm>
-            <a:off x="5206256" y="6604992"/>
-            <a:ext cx="360040" cy="1296144"/>
-          </a:xfrm>
-          <a:prstGeom prst="leftBrace">
-            <a:avLst/>
-          </a:prstGeom>
-          <a:noFill/>
-          <a:ln w="12700" cap="flat" cmpd="sng" algn="ctr">
-            <a:solidFill>
-              <a:schemeClr val="bg1"/>
-            </a:solidFill>
-            <a:prstDash val="solid"/>
-            <a:round/>
-            <a:headEnd type="none" w="med" len="med"/>
-            <a:tailEnd type="none" w="med" len="med"/>
-          </a:ln>
-          <a:effectLst/>
-        </p:spPr>
-        <p:txBody>
-          <a:bodyPr vert="horz" wrap="square" lIns="91440" tIns="45720" rIns="91440" bIns="45720" numCol="1" rtlCol="0" anchor="t" anchorCtr="0" compatLnSpc="1">
-            <a:prstTxWarp prst="textNoShape">
-              <a:avLst/>
-            </a:prstTxWarp>
-          </a:bodyPr>
-          <a:lstStyle/>
-          <a:p>
-            <a:pPr marL="0" marR="0" indent="0" algn="ctr" defTabSz="914400" rtl="0" eaLnBrk="1" fontAlgn="base" latinLnBrk="0" hangingPunct="1">
-              <a:lnSpc>
-                <a:spcPct val="100000"/>
-              </a:lnSpc>
-              <a:spcBef>
-                <a:spcPct val="0"/>
-              </a:spcBef>
-              <a:spcAft>
-                <a:spcPct val="0"/>
-              </a:spcAft>
-              <a:buClrTx/>
-              <a:buSzTx/>
-              <a:buFontTx/>
-              <a:buNone/>
-              <a:tabLst/>
-            </a:pPr>
-            <a:endParaRPr kumimoji="0" lang="en-US" sz="4000" b="0" i="0" u="none" strike="noStrike" cap="none" normalizeH="0" baseline="0">
-              <a:ln>
-                <a:noFill/>
-              </a:ln>
-              <a:solidFill>
-                <a:srgbClr val="FFFFFF"/>
-              </a:solidFill>
-              <a:effectLst/>
-              <a:latin typeface="American Typewriter" charset="0"/>
-              <a:ea typeface="ヒラギノ明朝 ProN W3" charset="-128"/>
-              <a:cs typeface="ヒラギノ明朝 ProN W3" charset="-128"/>
-              <a:sym typeface="American Typewriter" charset="0"/>
-            </a:endParaRPr>
-          </a:p>
-        </p:txBody>
-      </p:sp>
-      <p:sp>
-        <p:nvSpPr>
-          <p:cNvPr id="37" name="TextBox 36"/>
-          <p:cNvSpPr txBox="1"/>
-          <p:nvPr/>
-        </p:nvSpPr>
-        <p:spPr>
-          <a:xfrm>
-            <a:off x="3046016" y="5308848"/>
-            <a:ext cx="2194832" cy="400110"/>
-          </a:xfrm>
-          <a:prstGeom prst="rect">
-            <a:avLst/>
-          </a:prstGeom>
-          <a:noFill/>
-        </p:spPr>
-        <p:txBody>
-          <a:bodyPr wrap="none" rtlCol="0">
-            <a:spAutoFit/>
-          </a:bodyPr>
-          <a:lstStyle/>
-          <a:p>
-            <a:r>
-              <a:rPr lang="en-US" sz="2000" dirty="0" smtClean="0">
-                <a:solidFill>
-                  <a:srgbClr val="141313"/>
-                </a:solidFill>
-                <a:latin typeface="+mn-lt"/>
-                <a:ea typeface="ＭＳ Ｐゴシック" charset="-128"/>
-                <a:cs typeface="Arial"/>
-                <a:sym typeface="Kievit-Book"/>
-              </a:rPr>
-              <a:t>Right hemisphere</a:t>
-            </a:r>
-          </a:p>
-        </p:txBody>
-      </p:sp>
-      <p:sp>
-        <p:nvSpPr>
-          <p:cNvPr id="38" name="TextBox 37"/>
-          <p:cNvSpPr txBox="1"/>
-          <p:nvPr/>
-        </p:nvSpPr>
-        <p:spPr>
-          <a:xfrm>
-            <a:off x="3622080" y="7037040"/>
-            <a:ext cx="1497526" cy="400110"/>
-          </a:xfrm>
-          <a:prstGeom prst="rect">
-            <a:avLst/>
-          </a:prstGeom>
-          <a:noFill/>
-        </p:spPr>
-        <p:txBody>
-          <a:bodyPr wrap="none" rtlCol="0">
-            <a:spAutoFit/>
-          </a:bodyPr>
-          <a:lstStyle/>
-          <a:p>
-            <a:r>
-              <a:rPr lang="en-US" sz="2000" dirty="0" smtClean="0">
-                <a:solidFill>
-                  <a:srgbClr val="141313"/>
-                </a:solidFill>
-                <a:latin typeface="+mn-lt"/>
-                <a:ea typeface="ＭＳ Ｐゴシック" charset="-128"/>
-                <a:cs typeface="Arial"/>
-                <a:sym typeface="Kievit-Book"/>
-              </a:rPr>
-              <a:t>Cerebellum</a:t>
-            </a:r>
-          </a:p>
-        </p:txBody>
-      </p:sp>
-      <p:cxnSp>
-        <p:nvCxnSpPr>
-          <p:cNvPr id="40" name="Straight Connector 39"/>
-          <p:cNvCxnSpPr/>
-          <p:nvPr/>
-        </p:nvCxnSpPr>
-        <p:spPr bwMode="auto">
-          <a:xfrm flipH="1" flipV="1">
-            <a:off x="2469952" y="6244952"/>
-            <a:ext cx="1152128" cy="864096"/>
-          </a:xfrm>
-          <a:prstGeom prst="line">
-            <a:avLst/>
-          </a:prstGeom>
-          <a:blipFill dpi="0" rotWithShape="0">
-            <a:blip r:embed="rId4"/>
-            <a:srcRect/>
-            <a:tile tx="0" ty="0" sx="100000" sy="100000" flip="none" algn="tl"/>
-          </a:blipFill>
-          <a:ln w="12700" cap="flat" cmpd="sng" algn="ctr">
-            <a:solidFill>
-              <a:schemeClr val="bg1"/>
-            </a:solidFill>
-            <a:prstDash val="solid"/>
-            <a:round/>
-            <a:headEnd type="none" w="med" len="med"/>
-            <a:tailEnd type="none" w="med" len="med"/>
-          </a:ln>
-          <a:effectLst/>
-        </p:spPr>
-      </p:cxnSp>
-      <p:cxnSp>
-        <p:nvCxnSpPr>
-          <p:cNvPr id="42" name="Straight Connector 41"/>
-          <p:cNvCxnSpPr/>
-          <p:nvPr/>
-        </p:nvCxnSpPr>
-        <p:spPr bwMode="auto">
-          <a:xfrm flipH="1">
-            <a:off x="2685976" y="3580656"/>
-            <a:ext cx="432048" cy="1440160"/>
-          </a:xfrm>
-          <a:prstGeom prst="line">
-            <a:avLst/>
-          </a:prstGeom>
-          <a:blipFill dpi="0" rotWithShape="0">
-            <a:blip r:embed="rId4"/>
-            <a:srcRect/>
-            <a:tile tx="0" ty="0" sx="100000" sy="100000" flip="none" algn="tl"/>
-          </a:blipFill>
-          <a:ln w="12700" cap="flat" cmpd="sng" algn="ctr">
-            <a:solidFill>
-              <a:schemeClr val="bg1"/>
-            </a:solidFill>
-            <a:prstDash val="solid"/>
-            <a:round/>
-            <a:headEnd type="none" w="med" len="med"/>
-            <a:tailEnd type="none" w="med" len="med"/>
-          </a:ln>
-          <a:effectLst/>
-        </p:spPr>
-      </p:cxnSp>
-      <p:cxnSp>
-        <p:nvCxnSpPr>
-          <p:cNvPr id="45" name="Straight Connector 44"/>
-          <p:cNvCxnSpPr>
-            <a:stCxn id="37" idx="1"/>
-          </p:cNvCxnSpPr>
-          <p:nvPr/>
-        </p:nvCxnSpPr>
-        <p:spPr bwMode="auto">
-          <a:xfrm flipH="1" flipV="1">
-            <a:off x="2685976" y="5020816"/>
-            <a:ext cx="360040" cy="488087"/>
-          </a:xfrm>
-          <a:prstGeom prst="line">
-            <a:avLst/>
-          </a:prstGeom>
-          <a:blipFill dpi="0" rotWithShape="0">
-            <a:blip r:embed="rId4"/>
-            <a:srcRect/>
-            <a:tile tx="0" ty="0" sx="100000" sy="100000" flip="none" algn="tl"/>
-          </a:blipFill>
-          <a:ln w="12700" cap="flat" cmpd="sng" algn="ctr">
-            <a:solidFill>
-              <a:schemeClr val="bg1"/>
-            </a:solidFill>
-            <a:prstDash val="solid"/>
-            <a:round/>
-            <a:headEnd type="none" w="med" len="med"/>
-            <a:tailEnd type="none" w="med" len="med"/>
-          </a:ln>
-          <a:effectLst/>
-        </p:spPr>
-      </p:cxnSp>
-      <p:sp>
-        <p:nvSpPr>
-          <p:cNvPr id="51" name="Left Brace 50"/>
-          <p:cNvSpPr/>
-          <p:nvPr/>
-        </p:nvSpPr>
-        <p:spPr bwMode="auto">
-          <a:xfrm rot="5400000">
-            <a:off x="7006456" y="916360"/>
-            <a:ext cx="360040" cy="2088232"/>
-          </a:xfrm>
-          <a:prstGeom prst="leftBrace">
-            <a:avLst/>
-          </a:prstGeom>
-          <a:noFill/>
-          <a:ln w="12700" cap="flat" cmpd="sng" algn="ctr">
-            <a:solidFill>
-              <a:schemeClr val="bg1"/>
-            </a:solidFill>
-            <a:prstDash val="solid"/>
-            <a:round/>
-            <a:headEnd type="none" w="med" len="med"/>
-            <a:tailEnd type="none" w="med" len="med"/>
-          </a:ln>
-          <a:effectLst/>
-        </p:spPr>
-        <p:txBody>
-          <a:bodyPr vert="horz" wrap="square" lIns="91440" tIns="45720" rIns="91440" bIns="45720" numCol="1" rtlCol="0" anchor="t" anchorCtr="0" compatLnSpc="1">
-            <a:prstTxWarp prst="textNoShape">
-              <a:avLst/>
-            </a:prstTxWarp>
-          </a:bodyPr>
-          <a:lstStyle/>
-          <a:p>
-            <a:pPr marL="0" marR="0" indent="0" algn="ctr" defTabSz="914400" rtl="0" eaLnBrk="1" fontAlgn="base" latinLnBrk="0" hangingPunct="1">
-              <a:lnSpc>
-                <a:spcPct val="100000"/>
-              </a:lnSpc>
-              <a:spcBef>
-                <a:spcPct val="0"/>
-              </a:spcBef>
-              <a:spcAft>
-                <a:spcPct val="0"/>
-              </a:spcAft>
-              <a:buClrTx/>
-              <a:buSzTx/>
-              <a:buFontTx/>
-              <a:buNone/>
-              <a:tabLst/>
-            </a:pPr>
-            <a:endParaRPr kumimoji="0" lang="en-US" sz="4000" b="0" i="0" u="none" strike="noStrike" cap="none" normalizeH="0" baseline="0">
-              <a:ln>
-                <a:noFill/>
-              </a:ln>
-              <a:solidFill>
-                <a:srgbClr val="FFFFFF"/>
-              </a:solidFill>
-              <a:effectLst/>
-              <a:latin typeface="American Typewriter" charset="0"/>
-              <a:ea typeface="ヒラギノ明朝 ProN W3" charset="-128"/>
-              <a:cs typeface="ヒラギノ明朝 ProN W3" charset="-128"/>
-              <a:sym typeface="American Typewriter" charset="0"/>
-            </a:endParaRPr>
-          </a:p>
-        </p:txBody>
-      </p:sp>
-      <p:sp>
-        <p:nvSpPr>
-          <p:cNvPr id="55" name="Left Brace 54"/>
-          <p:cNvSpPr/>
-          <p:nvPr/>
-        </p:nvSpPr>
-        <p:spPr bwMode="auto">
-          <a:xfrm rot="5400000">
-            <a:off x="9130692" y="880356"/>
-            <a:ext cx="360040" cy="2160240"/>
-          </a:xfrm>
-          <a:prstGeom prst="leftBrace">
-            <a:avLst/>
-          </a:prstGeom>
-          <a:noFill/>
-          <a:ln w="12700" cap="flat" cmpd="sng" algn="ctr">
-            <a:solidFill>
-              <a:schemeClr val="bg1"/>
-            </a:solidFill>
-            <a:prstDash val="solid"/>
-            <a:round/>
-            <a:headEnd type="none" w="med" len="med"/>
-            <a:tailEnd type="none" w="med" len="med"/>
-          </a:ln>
-          <a:effectLst/>
-        </p:spPr>
-        <p:txBody>
-          <a:bodyPr vert="horz" wrap="square" lIns="91440" tIns="45720" rIns="91440" bIns="45720" numCol="1" rtlCol="0" anchor="t" anchorCtr="0" compatLnSpc="1">
-            <a:prstTxWarp prst="textNoShape">
-              <a:avLst/>
-            </a:prstTxWarp>
-          </a:bodyPr>
-          <a:lstStyle/>
-          <a:p>
-            <a:pPr marL="0" marR="0" indent="0" algn="ctr" defTabSz="914400" rtl="0" eaLnBrk="1" fontAlgn="base" latinLnBrk="0" hangingPunct="1">
-              <a:lnSpc>
-                <a:spcPct val="100000"/>
-              </a:lnSpc>
-              <a:spcBef>
-                <a:spcPct val="0"/>
-              </a:spcBef>
-              <a:spcAft>
-                <a:spcPct val="0"/>
-              </a:spcAft>
-              <a:buClrTx/>
-              <a:buSzTx/>
-              <a:buFontTx/>
-              <a:buNone/>
-              <a:tabLst/>
-            </a:pPr>
-            <a:endParaRPr kumimoji="0" lang="en-US" sz="4000" b="0" i="0" u="none" strike="noStrike" cap="none" normalizeH="0" baseline="0">
-              <a:ln>
-                <a:noFill/>
-              </a:ln>
-              <a:solidFill>
-                <a:srgbClr val="FFFFFF"/>
-              </a:solidFill>
-              <a:effectLst/>
-              <a:latin typeface="American Typewriter" charset="0"/>
-              <a:ea typeface="ヒラギノ明朝 ProN W3" charset="-128"/>
-              <a:cs typeface="ヒラギノ明朝 ProN W3" charset="-128"/>
-              <a:sym typeface="American Typewriter" charset="0"/>
-            </a:endParaRPr>
-          </a:p>
-        </p:txBody>
-      </p:sp>
-      <p:sp>
-        <p:nvSpPr>
-          <p:cNvPr id="57" name="Left Brace 56"/>
-          <p:cNvSpPr/>
-          <p:nvPr/>
-        </p:nvSpPr>
-        <p:spPr bwMode="auto">
-          <a:xfrm rot="5400000">
-            <a:off x="10894888" y="1276400"/>
-            <a:ext cx="360040" cy="1368152"/>
-          </a:xfrm>
-          <a:prstGeom prst="leftBrace">
-            <a:avLst/>
-          </a:prstGeom>
-          <a:noFill/>
-          <a:ln w="12700" cap="flat" cmpd="sng" algn="ctr">
-            <a:solidFill>
-              <a:schemeClr val="bg1"/>
-            </a:solidFill>
-            <a:prstDash val="solid"/>
-            <a:round/>
-            <a:headEnd type="none" w="med" len="med"/>
-            <a:tailEnd type="none" w="med" len="med"/>
-          </a:ln>
-          <a:effectLst/>
-        </p:spPr>
-        <p:txBody>
-          <a:bodyPr vert="horz" wrap="square" lIns="91440" tIns="45720" rIns="91440" bIns="45720" numCol="1" rtlCol="0" anchor="t" anchorCtr="0" compatLnSpc="1">
-            <a:prstTxWarp prst="textNoShape">
-              <a:avLst/>
-            </a:prstTxWarp>
-          </a:bodyPr>
-          <a:lstStyle/>
-          <a:p>
-            <a:pPr marL="0" marR="0" indent="0" algn="ctr" defTabSz="914400" rtl="0" eaLnBrk="1" fontAlgn="base" latinLnBrk="0" hangingPunct="1">
-              <a:lnSpc>
-                <a:spcPct val="100000"/>
-              </a:lnSpc>
-              <a:spcBef>
-                <a:spcPct val="0"/>
-              </a:spcBef>
-              <a:spcAft>
-                <a:spcPct val="0"/>
-              </a:spcAft>
-              <a:buClrTx/>
-              <a:buSzTx/>
-              <a:buFontTx/>
-              <a:buNone/>
-              <a:tabLst/>
-            </a:pPr>
-            <a:endParaRPr kumimoji="0" lang="en-US" sz="4000" b="0" i="0" u="none" strike="noStrike" cap="none" normalizeH="0" baseline="0">
-              <a:ln>
-                <a:noFill/>
-              </a:ln>
-              <a:solidFill>
-                <a:srgbClr val="FFFFFF"/>
-              </a:solidFill>
-              <a:effectLst/>
-              <a:latin typeface="American Typewriter" charset="0"/>
-              <a:ea typeface="ヒラギノ明朝 ProN W3" charset="-128"/>
-              <a:cs typeface="ヒラギノ明朝 ProN W3" charset="-128"/>
-              <a:sym typeface="American Typewriter" charset="0"/>
-            </a:endParaRPr>
-          </a:p>
-        </p:txBody>
-      </p:sp>
-      <p:cxnSp>
-        <p:nvCxnSpPr>
-          <p:cNvPr id="58" name="Straight Connector 57"/>
-          <p:cNvCxnSpPr/>
-          <p:nvPr/>
-        </p:nvCxnSpPr>
-        <p:spPr bwMode="auto">
-          <a:xfrm>
-            <a:off x="8230592" y="2356520"/>
-            <a:ext cx="72008" cy="5544616"/>
-          </a:xfrm>
-          <a:prstGeom prst="line">
-            <a:avLst/>
-          </a:prstGeom>
-          <a:blipFill dpi="0" rotWithShape="0">
-            <a:blip r:embed="rId4"/>
-            <a:srcRect/>
-            <a:tile tx="0" ty="0" sx="100000" sy="100000" flip="none" algn="tl"/>
-          </a:blipFill>
-          <a:ln w="12700" cap="flat" cmpd="sng" algn="ctr">
-            <a:solidFill>
-              <a:schemeClr val="accent1">
-                <a:lumMod val="60000"/>
-                <a:lumOff val="40000"/>
-              </a:schemeClr>
-            </a:solidFill>
-            <a:prstDash val="solid"/>
-            <a:round/>
-            <a:headEnd type="none" w="med" len="med"/>
-            <a:tailEnd type="none" w="med" len="med"/>
-          </a:ln>
-          <a:effectLst/>
-        </p:spPr>
-      </p:cxnSp>
-      <p:cxnSp>
-        <p:nvCxnSpPr>
-          <p:cNvPr id="60" name="Straight Connector 59"/>
-          <p:cNvCxnSpPr/>
-          <p:nvPr/>
-        </p:nvCxnSpPr>
-        <p:spPr bwMode="auto">
-          <a:xfrm>
-            <a:off x="10390832" y="2284512"/>
-            <a:ext cx="72008" cy="5544616"/>
-          </a:xfrm>
-          <a:prstGeom prst="line">
-            <a:avLst/>
-          </a:prstGeom>
-          <a:blipFill dpi="0" rotWithShape="0">
-            <a:blip r:embed="rId4"/>
-            <a:srcRect/>
-            <a:tile tx="0" ty="0" sx="100000" sy="100000" flip="none" algn="tl"/>
-          </a:blipFill>
-          <a:ln w="12700" cap="flat" cmpd="sng" algn="ctr">
-            <a:solidFill>
-              <a:schemeClr val="accent1">
-                <a:lumMod val="60000"/>
-                <a:lumOff val="40000"/>
-              </a:schemeClr>
-            </a:solidFill>
-            <a:prstDash val="solid"/>
-            <a:round/>
-            <a:headEnd type="none" w="med" len="med"/>
-            <a:tailEnd type="none" w="med" len="med"/>
-          </a:ln>
-          <a:effectLst/>
-        </p:spPr>
-      </p:cxnSp>
-      <p:cxnSp>
-        <p:nvCxnSpPr>
-          <p:cNvPr id="61" name="Straight Connector 60"/>
-          <p:cNvCxnSpPr/>
-          <p:nvPr/>
-        </p:nvCxnSpPr>
-        <p:spPr bwMode="auto">
-          <a:xfrm>
-            <a:off x="6142360" y="4444752"/>
-            <a:ext cx="5616624" cy="0"/>
-          </a:xfrm>
-          <a:prstGeom prst="line">
-            <a:avLst/>
-          </a:prstGeom>
-          <a:blipFill dpi="0" rotWithShape="0">
-            <a:blip r:embed="rId4"/>
-            <a:srcRect/>
-            <a:tile tx="0" ty="0" sx="100000" sy="100000" flip="none" algn="tl"/>
-          </a:blipFill>
-          <a:ln w="12700" cap="flat" cmpd="sng" algn="ctr">
-            <a:solidFill>
-              <a:schemeClr val="accent1">
-                <a:lumMod val="60000"/>
-                <a:lumOff val="40000"/>
-              </a:schemeClr>
-            </a:solidFill>
-            <a:prstDash val="solid"/>
-            <a:round/>
-            <a:headEnd type="none" w="med" len="med"/>
-            <a:tailEnd type="none" w="med" len="med"/>
-          </a:ln>
-          <a:effectLst/>
-        </p:spPr>
-      </p:cxnSp>
-      <p:cxnSp>
-        <p:nvCxnSpPr>
-          <p:cNvPr id="71" name="Straight Connector 70"/>
-          <p:cNvCxnSpPr/>
-          <p:nvPr/>
-        </p:nvCxnSpPr>
-        <p:spPr bwMode="auto">
-          <a:xfrm>
-            <a:off x="6142360" y="6604992"/>
-            <a:ext cx="5616624" cy="0"/>
-          </a:xfrm>
-          <a:prstGeom prst="line">
-            <a:avLst/>
-          </a:prstGeom>
-          <a:blipFill dpi="0" rotWithShape="0">
-            <a:blip r:embed="rId4"/>
-            <a:srcRect/>
-            <a:tile tx="0" ty="0" sx="100000" sy="100000" flip="none" algn="tl"/>
-          </a:blipFill>
-          <a:ln w="12700" cap="flat" cmpd="sng" algn="ctr">
-            <a:solidFill>
-              <a:schemeClr val="accent1">
-                <a:lumMod val="60000"/>
-                <a:lumOff val="40000"/>
-              </a:schemeClr>
-            </a:solidFill>
-            <a:prstDash val="solid"/>
-            <a:round/>
-            <a:headEnd type="none" w="med" len="med"/>
-            <a:tailEnd type="none" w="med" len="med"/>
-          </a:ln>
-          <a:effectLst/>
-        </p:spPr>
-      </p:cxnSp>
-      <p:sp>
-        <p:nvSpPr>
-          <p:cNvPr id="73" name="TextBox 72"/>
-          <p:cNvSpPr txBox="1"/>
-          <p:nvPr/>
-        </p:nvSpPr>
-        <p:spPr>
-          <a:xfrm>
-            <a:off x="6070352" y="1276400"/>
-            <a:ext cx="2021707" cy="400110"/>
-          </a:xfrm>
-          <a:prstGeom prst="rect">
-            <a:avLst/>
-          </a:prstGeom>
-          <a:noFill/>
-        </p:spPr>
-        <p:txBody>
-          <a:bodyPr wrap="none" rtlCol="0">
-            <a:spAutoFit/>
-          </a:bodyPr>
-          <a:lstStyle/>
-          <a:p>
-            <a:r>
-              <a:rPr lang="en-US" sz="2000" dirty="0" smtClean="0">
-                <a:solidFill>
-                  <a:srgbClr val="141313"/>
-                </a:solidFill>
-                <a:latin typeface="+mn-lt"/>
-                <a:ea typeface="ＭＳ Ｐゴシック" charset="-128"/>
-                <a:cs typeface="Arial"/>
-                <a:sym typeface="Kievit-Book"/>
-              </a:rPr>
-              <a:t>Left hemisphere</a:t>
-            </a:r>
-          </a:p>
-        </p:txBody>
-      </p:sp>
-      <p:sp>
-        <p:nvSpPr>
-          <p:cNvPr id="74" name="TextBox 73"/>
-          <p:cNvSpPr txBox="1"/>
-          <p:nvPr/>
-        </p:nvSpPr>
-        <p:spPr>
-          <a:xfrm>
-            <a:off x="8230592" y="1276400"/>
-            <a:ext cx="2194832" cy="400110"/>
-          </a:xfrm>
-          <a:prstGeom prst="rect">
-            <a:avLst/>
-          </a:prstGeom>
-          <a:noFill/>
-        </p:spPr>
-        <p:txBody>
-          <a:bodyPr wrap="none" rtlCol="0">
-            <a:spAutoFit/>
-          </a:bodyPr>
-          <a:lstStyle/>
-          <a:p>
-            <a:r>
-              <a:rPr lang="en-US" sz="2000" dirty="0" smtClean="0">
-                <a:solidFill>
-                  <a:srgbClr val="141313"/>
-                </a:solidFill>
-                <a:latin typeface="+mn-lt"/>
-                <a:ea typeface="ＭＳ Ｐゴシック" charset="-128"/>
-                <a:cs typeface="Arial"/>
-                <a:sym typeface="Kievit-Book"/>
-              </a:rPr>
-              <a:t>Right hemisphere</a:t>
-            </a:r>
-          </a:p>
-        </p:txBody>
-      </p:sp>
-      <p:sp>
-        <p:nvSpPr>
-          <p:cNvPr id="75" name="TextBox 74"/>
-          <p:cNvSpPr txBox="1"/>
-          <p:nvPr/>
-        </p:nvSpPr>
-        <p:spPr>
-          <a:xfrm>
-            <a:off x="10390832" y="1276400"/>
-            <a:ext cx="1497526" cy="400110"/>
-          </a:xfrm>
-          <a:prstGeom prst="rect">
-            <a:avLst/>
-          </a:prstGeom>
-          <a:noFill/>
-        </p:spPr>
-        <p:txBody>
-          <a:bodyPr wrap="none" rtlCol="0">
-            <a:spAutoFit/>
-          </a:bodyPr>
-          <a:lstStyle/>
-          <a:p>
-            <a:r>
-              <a:rPr lang="en-US" sz="2000" dirty="0" smtClean="0">
-                <a:solidFill>
-                  <a:srgbClr val="141313"/>
-                </a:solidFill>
-                <a:latin typeface="+mn-lt"/>
-                <a:ea typeface="ＭＳ Ｐゴシック" charset="-128"/>
-                <a:cs typeface="Arial"/>
-                <a:sym typeface="Kievit-Book"/>
-              </a:rPr>
-              <a:t>Cerebellum</a:t>
-            </a:r>
-          </a:p>
-        </p:txBody>
-      </p:sp>
-    </p:spTree>
-    <p:extLst>
-      <p:ext uri="{BB962C8B-B14F-4D97-AF65-F5344CB8AC3E}">
-        <p14:creationId xmlns:p14="http://schemas.microsoft.com/office/powerpoint/2010/main" val="2224061439"/>
-      </p:ext>
-    </p:extLst>
-  </p:cSld>
-  <p:clrMapOvr>
-    <a:masterClrMapping/>
-  </p:clrMapOvr>
-  <p:transition xmlns:p14="http://schemas.microsoft.com/office/powerpoint/2010/main"/>
-  <p:timing>
-    <p:tnLst>
-      <p:par>
-        <p:cTn xmlns:p14="http://schemas.microsoft.com/office/powerpoint/2010/main" id="1" dur="indefinite" restart="never" nodeType="tmRoot"/>
-      </p:par>
-    </p:tnLst>
-  </p:timing>
-</p:sld>
-</file>
-
-<file path=ppt/slides/slide18.xml><?xml version="1.0" encoding="utf-8"?>
-<p:sld xmlns:a="http://schemas.openxmlformats.org/drawingml/2006/main" xmlns:r="http://schemas.openxmlformats.org/officeDocument/2006/relationships" xmlns:p="http://schemas.openxmlformats.org/presentationml/2006/main">
-  <p:cSld>
-    <p:spTree>
-      <p:nvGrpSpPr>
-        <p:cNvPr id="1" name=""/>
-        <p:cNvGrpSpPr/>
-        <p:nvPr/>
-      </p:nvGrpSpPr>
-      <p:grpSpPr>
-        <a:xfrm>
-          <a:off x="0" y="0"/>
-          <a:ext cx="0" cy="0"/>
-          <a:chOff x="0" y="0"/>
-          <a:chExt cx="0" cy="0"/>
-        </a:xfrm>
-      </p:grpSpPr>
-      <p:sp>
-        <p:nvSpPr>
-          <p:cNvPr id="2" name="Title 1"/>
-          <p:cNvSpPr>
-            <a:spLocks noGrp="1"/>
-          </p:cNvSpPr>
-          <p:nvPr>
-            <p:ph type="title"/>
-          </p:nvPr>
-        </p:nvSpPr>
-        <p:spPr/>
-        <p:txBody>
-          <a:bodyPr/>
-          <a:lstStyle/>
-          <a:p>
-            <a:r>
-              <a:rPr lang="en-US" dirty="0" smtClean="0"/>
-              <a:t>Structure</a:t>
-            </a:r>
-            <a:endParaRPr lang="en-US" dirty="0"/>
-          </a:p>
-        </p:txBody>
-      </p:sp>
-      <p:sp>
-        <p:nvSpPr>
-          <p:cNvPr id="25" name="Content Placeholder 24"/>
-          <p:cNvSpPr>
-            <a:spLocks noGrp="1"/>
-          </p:cNvSpPr>
-          <p:nvPr>
-            <p:ph idx="1"/>
-          </p:nvPr>
-        </p:nvSpPr>
-        <p:spPr>
-          <a:xfrm>
-            <a:off x="900113" y="2356520"/>
-            <a:ext cx="5530279" cy="792088"/>
-          </a:xfrm>
-        </p:spPr>
-        <p:txBody>
-          <a:bodyPr/>
-          <a:lstStyle/>
-          <a:p>
-            <a:pPr>
-              <a:buNone/>
-            </a:pPr>
-            <a:r>
-              <a:rPr lang="en-US" dirty="0" smtClean="0"/>
-              <a:t>Found by </a:t>
-            </a:r>
-            <a:r>
-              <a:rPr lang="en-US" dirty="0" err="1" smtClean="0"/>
-              <a:t>Hinne</a:t>
-            </a:r>
-            <a:r>
-              <a:rPr lang="en-US" dirty="0" smtClean="0"/>
-              <a:t> at al:</a:t>
-            </a:r>
-            <a:endParaRPr lang="en-US" dirty="0"/>
-          </a:p>
-        </p:txBody>
-      </p:sp>
-      <p:sp>
-        <p:nvSpPr>
-          <p:cNvPr id="27" name="Content Placeholder 24"/>
-          <p:cNvSpPr txBox="1">
-            <a:spLocks/>
-          </p:cNvSpPr>
-          <p:nvPr/>
-        </p:nvSpPr>
-        <p:spPr bwMode="auto">
-          <a:xfrm>
-            <a:off x="6430392" y="2428528"/>
-            <a:ext cx="5530279" cy="718468"/>
-          </a:xfrm>
-          <a:prstGeom prst="rect">
-            <a:avLst/>
-          </a:prstGeom>
-          <a:noFill/>
-          <a:ln w="12700">
-            <a:noFill/>
-            <a:miter lim="800000"/>
-            <a:headEnd/>
-            <a:tailEnd/>
-          </a:ln>
-        </p:spPr>
-        <p:txBody>
-          <a:bodyPr vert="horz" wrap="square" lIns="50791" tIns="50791" rIns="50791" bIns="50791" numCol="1" anchor="t" anchorCtr="0" compatLnSpc="1">
-            <a:prstTxWarp prst="textNoShape">
-              <a:avLst/>
-            </a:prstTxWarp>
-          </a:bodyPr>
-          <a:lstStyle/>
-          <a:p>
-            <a:pPr marL="342847" marR="0" lvl="0" indent="-342847" algn="l" defTabSz="914400" rtl="0" eaLnBrk="0" fontAlgn="base" latinLnBrk="0" hangingPunct="0">
-              <a:lnSpc>
-                <a:spcPct val="100000"/>
-              </a:lnSpc>
-              <a:spcBef>
-                <a:spcPct val="0"/>
-              </a:spcBef>
-              <a:spcAft>
-                <a:spcPct val="0"/>
-              </a:spcAft>
-              <a:buClrTx/>
-              <a:buSzTx/>
-              <a:buFontTx/>
-              <a:buNone/>
-              <a:tabLst/>
-              <a:defRPr/>
-            </a:pPr>
-            <a:r>
-              <a:rPr kumimoji="0" lang="en-US" sz="2600" b="0" i="0" u="none" strike="noStrike" kern="0" cap="none" spc="0" normalizeH="0" baseline="0" noProof="0" dirty="0" smtClean="0">
-                <a:ln>
-                  <a:noFill/>
-                </a:ln>
-                <a:solidFill>
-                  <a:srgbClr val="141313"/>
-                </a:solidFill>
-                <a:effectLst/>
-                <a:uLnTx/>
-                <a:uFillTx/>
-                <a:latin typeface="+mn-lt"/>
-                <a:ea typeface="ＭＳ Ｐゴシック" charset="-128"/>
-                <a:cs typeface="Arial"/>
-                <a:sym typeface="Kievit-Book"/>
-              </a:rPr>
-              <a:t>Found with</a:t>
-            </a:r>
-            <a:r>
-              <a:rPr kumimoji="0" lang="en-US" sz="2600" b="0" i="0" u="none" strike="noStrike" kern="0" cap="none" spc="0" normalizeH="0" noProof="0" dirty="0" smtClean="0">
-                <a:ln>
-                  <a:noFill/>
-                </a:ln>
-                <a:solidFill>
-                  <a:srgbClr val="141313"/>
-                </a:solidFill>
-                <a:effectLst/>
-                <a:uLnTx/>
-                <a:uFillTx/>
-                <a:latin typeface="+mn-lt"/>
-                <a:ea typeface="ＭＳ Ｐゴシック" charset="-128"/>
-                <a:cs typeface="Arial"/>
-                <a:sym typeface="Kievit-Book"/>
-              </a:rPr>
-              <a:t> PC</a:t>
-            </a:r>
-            <a:r>
-              <a:rPr kumimoji="0" lang="en-US" sz="2600" b="0" i="0" u="none" strike="noStrike" kern="0" cap="none" spc="0" normalizeH="0" baseline="0" noProof="0" dirty="0" smtClean="0">
-                <a:ln>
-                  <a:noFill/>
-                </a:ln>
-                <a:solidFill>
-                  <a:srgbClr val="141313"/>
-                </a:solidFill>
-                <a:effectLst/>
-                <a:uLnTx/>
-                <a:uFillTx/>
-                <a:latin typeface="+mn-lt"/>
-                <a:ea typeface="ＭＳ Ｐゴシック" charset="-128"/>
-                <a:cs typeface="Arial"/>
-                <a:sym typeface="Kievit-Book"/>
-              </a:rPr>
-              <a:t>:</a:t>
-            </a:r>
-            <a:endParaRPr kumimoji="0" lang="en-US" sz="2600" b="0" i="0" u="none" strike="noStrike" kern="0" cap="none" spc="0" normalizeH="0" baseline="0" noProof="0" dirty="0">
-              <a:ln>
-                <a:noFill/>
-              </a:ln>
-              <a:solidFill>
-                <a:srgbClr val="141313"/>
-              </a:solidFill>
-              <a:effectLst/>
-              <a:uLnTx/>
-              <a:uFillTx/>
-              <a:latin typeface="+mn-lt"/>
-              <a:ea typeface="ＭＳ Ｐゴシック" charset="-128"/>
-              <a:cs typeface="Arial"/>
-              <a:sym typeface="Kievit-Book"/>
-            </a:endParaRPr>
-          </a:p>
-        </p:txBody>
-      </p:sp>
-      <p:pic>
-        <p:nvPicPr>
-          <p:cNvPr id="1027" name="Picture 3"/>
-          <p:cNvPicPr>
-            <a:picLocks noChangeAspect="1" noChangeArrowheads="1"/>
-          </p:cNvPicPr>
-          <p:nvPr/>
-        </p:nvPicPr>
-        <p:blipFill>
-          <a:blip r:embed="rId2"/>
-          <a:srcRect/>
-          <a:stretch>
-            <a:fillRect/>
-          </a:stretch>
-        </p:blipFill>
-        <p:spPr bwMode="auto">
-          <a:xfrm>
-            <a:off x="885777" y="3092562"/>
-            <a:ext cx="4824536" cy="4727289"/>
-          </a:xfrm>
-          <a:prstGeom prst="rect">
-            <a:avLst/>
-          </a:prstGeom>
-          <a:noFill/>
-          <a:ln w="9525">
-            <a:noFill/>
-            <a:miter lim="800000"/>
-            <a:headEnd/>
-            <a:tailEnd/>
-          </a:ln>
-        </p:spPr>
-      </p:pic>
-      <p:pic>
-        <p:nvPicPr>
-          <p:cNvPr id="1028" name="Picture 4"/>
-          <p:cNvPicPr>
-            <a:picLocks noChangeAspect="1" noChangeArrowheads="1"/>
-          </p:cNvPicPr>
-          <p:nvPr/>
-        </p:nvPicPr>
-        <p:blipFill>
-          <a:blip r:embed="rId3"/>
-          <a:srcRect/>
-          <a:stretch>
-            <a:fillRect/>
-          </a:stretch>
-        </p:blipFill>
-        <p:spPr bwMode="auto">
-          <a:xfrm>
-            <a:off x="6214368" y="3138940"/>
-            <a:ext cx="4824536" cy="4694984"/>
-          </a:xfrm>
-          <a:prstGeom prst="rect">
-            <a:avLst/>
-          </a:prstGeom>
-          <a:noFill/>
-          <a:ln w="9525">
-            <a:noFill/>
-            <a:miter lim="800000"/>
-            <a:headEnd/>
-            <a:tailEnd/>
-          </a:ln>
-        </p:spPr>
-      </p:pic>
-    </p:spTree>
-    <p:extLst>
-      <p:ext uri="{BB962C8B-B14F-4D97-AF65-F5344CB8AC3E}">
-        <p14:creationId xmlns:p14="http://schemas.microsoft.com/office/powerpoint/2010/main" val="1897486726"/>
-      </p:ext>
-    </p:extLst>
-  </p:cSld>
-  <p:clrMapOvr>
-    <a:masterClrMapping/>
-  </p:clrMapOvr>
-  <p:transition xmlns:p14="http://schemas.microsoft.com/office/powerpoint/2010/main"/>
-  <p:timing>
-    <p:tnLst>
-      <p:par>
-        <p:cTn xmlns:p14="http://schemas.microsoft.com/office/powerpoint/2010/main" id="1" dur="indefinite" restart="never" nodeType="tmRoot"/>
-      </p:par>
-    </p:tnLst>
-  </p:timing>
-</p:sld>
-</file>
-
-<file path=ppt/slides/slide19.xml><?xml version="1.0" encoding="utf-8"?>
-<p:sld xmlns:a="http://schemas.openxmlformats.org/drawingml/2006/main" xmlns:r="http://schemas.openxmlformats.org/officeDocument/2006/relationships" xmlns:p="http://schemas.openxmlformats.org/presentationml/2006/main">
-  <p:cSld>
-    <p:spTree>
-      <p:nvGrpSpPr>
-        <p:cNvPr id="1" name=""/>
-        <p:cNvGrpSpPr/>
-        <p:nvPr/>
-      </p:nvGrpSpPr>
-      <p:grpSpPr>
-        <a:xfrm>
-          <a:off x="0" y="0"/>
-          <a:ext cx="0" cy="0"/>
-          <a:chOff x="0" y="0"/>
-          <a:chExt cx="0" cy="0"/>
-        </a:xfrm>
-      </p:grpSpPr>
-      <p:sp>
-        <p:nvSpPr>
-          <p:cNvPr id="21505" name="Titel 3"/>
-          <p:cNvSpPr>
-            <a:spLocks noGrp="1"/>
-          </p:cNvSpPr>
-          <p:nvPr>
-            <p:ph type="title"/>
-          </p:nvPr>
-        </p:nvSpPr>
-        <p:spPr/>
-        <p:txBody>
-          <a:bodyPr/>
-          <a:lstStyle/>
-          <a:p>
-            <a:r>
-              <a:rPr lang="nl-NL" dirty="0" smtClean="0">
-                <a:latin typeface="Arial" pitchFamily="34" charset="0"/>
-                <a:ea typeface="ＭＳ Ｐゴシック"/>
-                <a:cs typeface="Arial" pitchFamily="34" charset="0"/>
-              </a:rPr>
-              <a:t>Direction</a:t>
-            </a:r>
-          </a:p>
-        </p:txBody>
-      </p:sp>
-      <p:sp>
-        <p:nvSpPr>
-          <p:cNvPr id="4" name="Content Placeholder 3"/>
-          <p:cNvSpPr>
-            <a:spLocks noGrp="1"/>
-          </p:cNvSpPr>
-          <p:nvPr>
-            <p:ph idx="1"/>
-          </p:nvPr>
-        </p:nvSpPr>
-        <p:spPr/>
-        <p:txBody>
-          <a:bodyPr/>
-          <a:lstStyle/>
-          <a:p>
-            <a:pPr marL="514350" lvl="1" indent="-514350">
-              <a:buFont typeface="Arial" pitchFamily="34" charset="0"/>
-              <a:buChar char="•"/>
-            </a:pPr>
-            <a:r>
-              <a:rPr lang="en-US" dirty="0" smtClean="0"/>
-              <a:t>Many double arrows and little single-oriented arrows</a:t>
-            </a:r>
-          </a:p>
-          <a:p>
-            <a:pPr marL="514350" lvl="1" indent="-514350">
-              <a:buFont typeface="Arial" pitchFamily="34" charset="0"/>
-              <a:buChar char="•"/>
-            </a:pPr>
-            <a:r>
-              <a:rPr lang="en-US" dirty="0" smtClean="0"/>
-              <a:t>Little consistency between subjects and regions</a:t>
-            </a:r>
-          </a:p>
-        </p:txBody>
-      </p:sp>
-      <p:pic>
-        <p:nvPicPr>
-          <p:cNvPr id="6" name="Picture 2"/>
-          <p:cNvPicPr>
-            <a:picLocks noChangeAspect="1" noChangeArrowheads="1"/>
-          </p:cNvPicPr>
-          <p:nvPr/>
-        </p:nvPicPr>
-        <p:blipFill>
-          <a:blip r:embed="rId3"/>
-          <a:srcRect/>
-          <a:stretch>
-            <a:fillRect/>
-          </a:stretch>
-        </p:blipFill>
-        <p:spPr bwMode="auto">
-          <a:xfrm>
-            <a:off x="1893888" y="541424"/>
-            <a:ext cx="9433048" cy="7647744"/>
-          </a:xfrm>
-          <a:prstGeom prst="rect">
-            <a:avLst/>
-          </a:prstGeom>
-          <a:noFill/>
-          <a:ln w="9525">
-            <a:noFill/>
-            <a:miter lim="800000"/>
-            <a:headEnd/>
-            <a:tailEnd/>
-          </a:ln>
-        </p:spPr>
-      </p:pic>
-    </p:spTree>
-    <p:extLst>
-      <p:ext uri="{BB962C8B-B14F-4D97-AF65-F5344CB8AC3E}">
-        <p14:creationId xmlns:p14="http://schemas.microsoft.com/office/powerpoint/2010/main" val="981313767"/>
-      </p:ext>
-    </p:extLst>
-  </p:cSld>
-  <p:clrMapOvr>
-    <a:masterClrMapping/>
-  </p:clrMapOvr>
-  <p:transition xmlns:p14="http://schemas.microsoft.com/office/powerpoint/2010/main"/>
-  <p:timing>
-    <p:tnLst>
-      <p:par>
-        <p:cTn xmlns:p14="http://schemas.microsoft.com/office/powerpoint/2010/main" id="1" dur="indefinite" restart="never" nodeType="tmRoot"/>
-      </p:par>
-    </p:tnLst>
-  </p:timing>
-</p:sld>
-</file>
-
-<file path=ppt/slides/slide2.xml><?xml version="1.0" encoding="utf-8"?>
-<p:sld xmlns:a="http://schemas.openxmlformats.org/drawingml/2006/main" xmlns:r="http://schemas.openxmlformats.org/officeDocument/2006/relationships" xmlns:p="http://schemas.openxmlformats.org/presentationml/2006/main">
-  <p:cSld>
-    <p:spTree>
-      <p:nvGrpSpPr>
-        <p:cNvPr id="1" name=""/>
-        <p:cNvGrpSpPr/>
-        <p:nvPr/>
-      </p:nvGrpSpPr>
-      <p:grpSpPr>
-        <a:xfrm>
-          <a:off x="0" y="0"/>
-          <a:ext cx="0" cy="0"/>
-          <a:chOff x="0" y="0"/>
-          <a:chExt cx="0" cy="0"/>
-        </a:xfrm>
-      </p:grpSpPr>
-      <p:sp>
-        <p:nvSpPr>
-          <p:cNvPr id="2" name="Title 1"/>
-          <p:cNvSpPr>
-            <a:spLocks noGrp="1"/>
-          </p:cNvSpPr>
-          <p:nvPr>
-            <p:ph type="title"/>
-          </p:nvPr>
-        </p:nvSpPr>
-        <p:spPr/>
-        <p:txBody>
-          <a:bodyPr/>
-          <a:lstStyle/>
-          <a:p>
-            <a:r>
-              <a:rPr lang="en-US" dirty="0" smtClean="0"/>
-              <a:t>What is causality?</a:t>
-            </a:r>
-            <a:endParaRPr lang="en-US" dirty="0"/>
-          </a:p>
-        </p:txBody>
-      </p:sp>
-      <p:pic>
-        <p:nvPicPr>
-          <p:cNvPr id="9" name="Picture 8" descr="button.jpg"/>
-          <p:cNvPicPr>
-            <a:picLocks noChangeAspect="1"/>
-          </p:cNvPicPr>
-          <p:nvPr/>
-        </p:nvPicPr>
-        <p:blipFill>
-          <a:blip r:embed="rId2">
-            <a:extLst>
-              <a:ext uri="{28A0092B-C50C-407E-A947-70E740481C1C}">
-                <a14:useLocalDpi xmlns:a14="http://schemas.microsoft.com/office/drawing/2010/main" val="0"/>
-              </a:ext>
-            </a:extLst>
-          </a:blip>
-          <a:stretch>
-            <a:fillRect/>
-          </a:stretch>
-        </p:blipFill>
-        <p:spPr>
-          <a:xfrm>
-            <a:off x="3334048" y="3508648"/>
-            <a:ext cx="1584176" cy="1778157"/>
-          </a:xfrm>
-          <a:prstGeom prst="rect">
-            <a:avLst/>
-          </a:prstGeom>
-        </p:spPr>
-      </p:pic>
-      <p:pic>
-        <p:nvPicPr>
-          <p:cNvPr id="10" name="Picture 9" descr="lamp.jpg"/>
-          <p:cNvPicPr>
-            <a:picLocks noChangeAspect="1"/>
-          </p:cNvPicPr>
-          <p:nvPr/>
-        </p:nvPicPr>
-        <p:blipFill>
-          <a:blip r:embed="rId3">
-            <a:extLst>
-              <a:ext uri="{28A0092B-C50C-407E-A947-70E740481C1C}">
-                <a14:useLocalDpi xmlns:a14="http://schemas.microsoft.com/office/drawing/2010/main" val="0"/>
-              </a:ext>
-            </a:extLst>
-          </a:blip>
-          <a:stretch>
-            <a:fillRect/>
-          </a:stretch>
-        </p:blipFill>
-        <p:spPr>
-          <a:xfrm>
-            <a:off x="8014568" y="2932584"/>
-            <a:ext cx="2232248" cy="2639483"/>
-          </a:xfrm>
-          <a:prstGeom prst="rect">
-            <a:avLst/>
-          </a:prstGeom>
-        </p:spPr>
-      </p:pic>
-      <p:sp>
-        <p:nvSpPr>
-          <p:cNvPr id="15" name="Right Arrow 14"/>
-          <p:cNvSpPr/>
-          <p:nvPr/>
-        </p:nvSpPr>
-        <p:spPr bwMode="auto">
-          <a:xfrm>
-            <a:off x="5854328" y="4084712"/>
-            <a:ext cx="1584176" cy="576064"/>
-          </a:xfrm>
-          <a:prstGeom prst="rightArrow">
-            <a:avLst/>
-          </a:prstGeom>
-          <a:solidFill>
-            <a:schemeClr val="bg1"/>
-          </a:solidFill>
-          <a:ln w="12700" cap="flat" cmpd="sng" algn="ctr">
-            <a:noFill/>
-            <a:prstDash val="solid"/>
-            <a:round/>
-            <a:headEnd type="none" w="med" len="med"/>
-            <a:tailEnd type="none" w="med" len="med"/>
-          </a:ln>
-          <a:effectLst/>
-        </p:spPr>
-        <p:txBody>
-          <a:bodyPr vert="horz" wrap="square" lIns="91440" tIns="45720" rIns="91440" bIns="45720" numCol="1" rtlCol="0" anchor="t" anchorCtr="0" compatLnSpc="1">
-            <a:prstTxWarp prst="textNoShape">
-              <a:avLst/>
-            </a:prstTxWarp>
-          </a:bodyPr>
-          <a:lstStyle/>
-          <a:p>
-            <a:pPr marL="0" marR="0" indent="0" algn="ctr" defTabSz="914400" rtl="0" eaLnBrk="1" fontAlgn="base" latinLnBrk="0" hangingPunct="1">
-              <a:lnSpc>
-                <a:spcPct val="100000"/>
-              </a:lnSpc>
-              <a:spcBef>
-                <a:spcPct val="0"/>
-              </a:spcBef>
-              <a:spcAft>
-                <a:spcPct val="0"/>
-              </a:spcAft>
-              <a:buClrTx/>
-              <a:buSzTx/>
-              <a:buFontTx/>
-              <a:buNone/>
-              <a:tabLst/>
-            </a:pPr>
-            <a:endParaRPr kumimoji="0" lang="en-US" sz="4000" b="0" i="0" u="none" strike="noStrike" cap="none" normalizeH="0" baseline="0">
-              <a:ln>
-                <a:noFill/>
-              </a:ln>
-              <a:solidFill>
-                <a:srgbClr val="FFFFFF"/>
-              </a:solidFill>
-              <a:effectLst/>
-              <a:latin typeface="American Typewriter" charset="0"/>
-              <a:ea typeface="ヒラギノ明朝 ProN W3" charset="-128"/>
-              <a:cs typeface="ヒラギノ明朝 ProN W3" charset="-128"/>
-              <a:sym typeface="American Typewriter" charset="0"/>
-            </a:endParaRPr>
-          </a:p>
-        </p:txBody>
-      </p:sp>
-    </p:spTree>
-    <p:extLst>
-      <p:ext uri="{BB962C8B-B14F-4D97-AF65-F5344CB8AC3E}">
-        <p14:creationId xmlns:p14="http://schemas.microsoft.com/office/powerpoint/2010/main" val="3016801190"/>
-      </p:ext>
-    </p:extLst>
-  </p:cSld>
-  <p:clrMapOvr>
-    <a:masterClrMapping/>
-  </p:clrMapOvr>
-  <p:transition xmlns:p14="http://schemas.microsoft.com/office/powerpoint/2010/main"/>
-</p:sld>
-</file>
-
-<file path=ppt/slides/slide20.xml><?xml version="1.0" encoding="utf-8"?>
-<p:sld xmlns:a="http://schemas.openxmlformats.org/drawingml/2006/main" xmlns:r="http://schemas.openxmlformats.org/officeDocument/2006/relationships" xmlns:p="http://schemas.openxmlformats.org/presentationml/2006/main">
-  <p:cSld>
-    <p:spTree>
-      <p:nvGrpSpPr>
-        <p:cNvPr id="1" name=""/>
-        <p:cNvGrpSpPr/>
-        <p:nvPr/>
-      </p:nvGrpSpPr>
-      <p:grpSpPr>
-        <a:xfrm>
-          <a:off x="0" y="0"/>
-          <a:ext cx="0" cy="0"/>
-          <a:chOff x="0" y="0"/>
-          <a:chExt cx="0" cy="0"/>
-        </a:xfrm>
-      </p:grpSpPr>
-      <p:sp>
-        <p:nvSpPr>
-          <p:cNvPr id="2" name="Title 1"/>
-          <p:cNvSpPr>
-            <a:spLocks noGrp="1"/>
-          </p:cNvSpPr>
-          <p:nvPr>
-            <p:ph type="title"/>
-          </p:nvPr>
-        </p:nvSpPr>
-        <p:spPr/>
-        <p:txBody>
-          <a:bodyPr/>
-          <a:lstStyle/>
-          <a:p>
-            <a:r>
-              <a:rPr lang="en-US" dirty="0" smtClean="0"/>
-              <a:t>Discussion</a:t>
-            </a:r>
-            <a:endParaRPr lang="en-US" dirty="0"/>
-          </a:p>
-        </p:txBody>
-      </p:sp>
-      <p:sp>
-        <p:nvSpPr>
-          <p:cNvPr id="3" name="Content Placeholder 2"/>
-          <p:cNvSpPr>
-            <a:spLocks noGrp="1"/>
-          </p:cNvSpPr>
-          <p:nvPr>
-            <p:ph idx="1"/>
-          </p:nvPr>
-        </p:nvSpPr>
-        <p:spPr/>
-        <p:txBody>
-          <a:bodyPr/>
-          <a:lstStyle/>
-          <a:p>
-            <a:pPr marL="0" indent="0">
-              <a:buNone/>
-            </a:pPr>
-            <a:r>
-              <a:rPr lang="en-US" dirty="0" smtClean="0"/>
-              <a:t>Promising research, but …</a:t>
-            </a:r>
-          </a:p>
-          <a:p>
-            <a:pPr marL="0" indent="0">
-              <a:buNone/>
-            </a:pPr>
-            <a:endParaRPr lang="en-US" b="1" dirty="0" smtClean="0"/>
-          </a:p>
-          <a:p>
-            <a:pPr marL="0" indent="0">
-              <a:buNone/>
-            </a:pPr>
-            <a:r>
-              <a:rPr lang="en-US" b="1" dirty="0" smtClean="0"/>
-              <a:t>Model oriented</a:t>
-            </a:r>
-          </a:p>
-          <a:p>
-            <a:r>
-              <a:rPr lang="en-US" dirty="0" smtClean="0"/>
-              <a:t>Incorrect model assumptions</a:t>
-            </a:r>
-          </a:p>
-          <a:p>
-            <a:r>
-              <a:rPr lang="en-US" dirty="0" smtClean="0"/>
-              <a:t>Coarse data</a:t>
-            </a:r>
-          </a:p>
-          <a:p>
-            <a:r>
-              <a:rPr lang="en-US" dirty="0" smtClean="0"/>
-              <a:t>No anatomical plausibility found yet</a:t>
-            </a:r>
-          </a:p>
-          <a:p>
-            <a:endParaRPr lang="en-US" dirty="0" smtClean="0"/>
-          </a:p>
-          <a:p>
-            <a:endParaRPr lang="en-US" dirty="0"/>
-          </a:p>
-          <a:p>
-            <a:pPr marL="0" indent="0">
-              <a:buNone/>
-            </a:pPr>
-            <a:r>
-              <a:rPr lang="en-US" b="1" dirty="0" smtClean="0"/>
-              <a:t>Future research</a:t>
-            </a:r>
-          </a:p>
-          <a:p>
-            <a:r>
-              <a:rPr lang="en-US" dirty="0" smtClean="0"/>
-              <a:t>Task </a:t>
-            </a:r>
-            <a:r>
-              <a:rPr lang="en-US" dirty="0"/>
-              <a:t>oriented vs. resting-</a:t>
-            </a:r>
-            <a:r>
-              <a:rPr lang="en-US" dirty="0" smtClean="0"/>
-              <a:t>state</a:t>
-            </a:r>
-            <a:endParaRPr lang="en-US" dirty="0"/>
-          </a:p>
-          <a:p>
-            <a:r>
-              <a:rPr lang="en-US" dirty="0" smtClean="0"/>
-              <a:t>Bayesian methods</a:t>
-            </a:r>
-          </a:p>
-          <a:p>
-            <a:r>
-              <a:rPr lang="en-US" dirty="0" smtClean="0"/>
-              <a:t>Causal feedback</a:t>
-            </a:r>
-            <a:endParaRPr lang="en-US" dirty="0"/>
-          </a:p>
-        </p:txBody>
-      </p:sp>
-    </p:spTree>
-    <p:extLst>
-      <p:ext uri="{BB962C8B-B14F-4D97-AF65-F5344CB8AC3E}">
-        <p14:creationId xmlns:p14="http://schemas.microsoft.com/office/powerpoint/2010/main" val="1662352972"/>
-      </p:ext>
-    </p:extLst>
-  </p:cSld>
-  <p:clrMapOvr>
-    <a:masterClrMapping/>
-  </p:clrMapOvr>
-  <p:transition xmlns:p14="http://schemas.microsoft.com/office/powerpoint/2010/main"/>
-</p:sld>
-</file>
-
-<file path=ppt/slides/slide21.xml><?xml version="1.0" encoding="utf-8"?>
-<p:sld xmlns:a="http://schemas.openxmlformats.org/drawingml/2006/main" xmlns:r="http://schemas.openxmlformats.org/officeDocument/2006/relationships" xmlns:p="http://schemas.openxmlformats.org/presentationml/2006/main">
-  <p:cSld>
-    <p:spTree>
-      <p:nvGrpSpPr>
-        <p:cNvPr id="1" name=""/>
-        <p:cNvGrpSpPr/>
-        <p:nvPr/>
-      </p:nvGrpSpPr>
-      <p:grpSpPr>
-        <a:xfrm>
-          <a:off x="0" y="0"/>
-          <a:ext cx="0" cy="0"/>
-          <a:chOff x="0" y="0"/>
-          <a:chExt cx="0" cy="0"/>
-        </a:xfrm>
-      </p:grpSpPr>
-      <p:sp>
-        <p:nvSpPr>
-          <p:cNvPr id="2" name="Title 1"/>
-          <p:cNvSpPr>
-            <a:spLocks noGrp="1"/>
-          </p:cNvSpPr>
-          <p:nvPr>
-            <p:ph type="title"/>
-          </p:nvPr>
-        </p:nvSpPr>
-        <p:spPr>
-          <a:xfrm>
-            <a:off x="900113" y="990603"/>
-            <a:ext cx="11049000" cy="7126561"/>
-          </a:xfrm>
-        </p:spPr>
-        <p:txBody>
-          <a:bodyPr anchor="ctr"/>
-          <a:lstStyle/>
-          <a:p>
-            <a:pPr algn="ctr"/>
-            <a:r>
-              <a:rPr lang="en-US" dirty="0" smtClean="0"/>
-              <a:t>Thank you for your attention</a:t>
-            </a:r>
-            <a:endParaRPr lang="en-US" dirty="0"/>
-          </a:p>
-        </p:txBody>
-      </p:sp>
-    </p:spTree>
-    <p:extLst>
-      <p:ext uri="{BB962C8B-B14F-4D97-AF65-F5344CB8AC3E}">
-        <p14:creationId xmlns:p14="http://schemas.microsoft.com/office/powerpoint/2010/main" val="828980559"/>
-      </p:ext>
-    </p:extLst>
-  </p:cSld>
-  <p:clrMapOvr>
-    <a:masterClrMapping/>
-  </p:clrMapOvr>
-  <p:transition xmlns:p14="http://schemas.microsoft.com/office/powerpoint/2010/main"/>
-  <p:timing>
-    <p:tnLst>
-      <p:par>
-        <p:cTn xmlns:p14="http://schemas.microsoft.com/office/powerpoint/2010/main" id="1" dur="indefinite" restart="never" nodeType="tmRoot"/>
-      </p:par>
-    </p:tnLst>
-  </p:timing>
-</p:sld>
-</file>
-
-<file path=ppt/slides/slide3.xml><?xml version="1.0" encoding="utf-8"?>
-<p:sld xmlns:a="http://schemas.openxmlformats.org/drawingml/2006/main" xmlns:r="http://schemas.openxmlformats.org/officeDocument/2006/relationships" xmlns:p="http://schemas.openxmlformats.org/presentationml/2006/main">
-  <p:cSld>
-    <p:spTree>
-      <p:nvGrpSpPr>
-        <p:cNvPr id="1" name=""/>
-        <p:cNvGrpSpPr/>
-        <p:nvPr/>
-      </p:nvGrpSpPr>
-      <p:grpSpPr>
-        <a:xfrm>
-          <a:off x="0" y="0"/>
-          <a:ext cx="0" cy="0"/>
-          <a:chOff x="0" y="0"/>
-          <a:chExt cx="0" cy="0"/>
-        </a:xfrm>
-      </p:grpSpPr>
-      <p:pic>
-        <p:nvPicPr>
-          <p:cNvPr id="4" name="Picture 3" descr="brainnetwork.jpg"/>
-          <p:cNvPicPr>
-            <a:picLocks noChangeAspect="1"/>
-          </p:cNvPicPr>
-          <p:nvPr/>
-        </p:nvPicPr>
-        <p:blipFill>
-          <a:blip r:embed="rId2">
-            <a:extLst>
-              <a:ext uri="{28A0092B-C50C-407E-A947-70E740481C1C}">
-                <a14:useLocalDpi xmlns:a14="http://schemas.microsoft.com/office/drawing/2010/main" val="0"/>
-              </a:ext>
-            </a:extLst>
-          </a:blip>
-          <a:stretch>
-            <a:fillRect/>
-          </a:stretch>
-        </p:blipFill>
-        <p:spPr>
-          <a:xfrm>
-            <a:off x="2685976" y="772344"/>
-            <a:ext cx="8248228" cy="7598539"/>
-          </a:xfrm>
-          <a:prstGeom prst="rect">
-            <a:avLst/>
-          </a:prstGeom>
-        </p:spPr>
-      </p:pic>
-      <p:sp>
-        <p:nvSpPr>
-          <p:cNvPr id="2" name="Title 1"/>
-          <p:cNvSpPr>
-            <a:spLocks noGrp="1"/>
-          </p:cNvSpPr>
-          <p:nvPr>
-            <p:ph type="title"/>
-          </p:nvPr>
-        </p:nvSpPr>
-        <p:spPr/>
-        <p:txBody>
-          <a:bodyPr/>
-          <a:lstStyle/>
-          <a:p>
-            <a:r>
-              <a:rPr lang="en-US" dirty="0" smtClean="0"/>
-              <a:t>What is causality?</a:t>
-            </a:r>
-            <a:endParaRPr lang="en-US" dirty="0"/>
-          </a:p>
-        </p:txBody>
-      </p:sp>
-    </p:spTree>
-    <p:extLst>
-      <p:ext uri="{BB962C8B-B14F-4D97-AF65-F5344CB8AC3E}">
-        <p14:creationId xmlns:p14="http://schemas.microsoft.com/office/powerpoint/2010/main" val="4015349583"/>
-      </p:ext>
-    </p:extLst>
-  </p:cSld>
-  <p:clrMapOvr>
-    <a:masterClrMapping/>
-  </p:clrMapOvr>
-  <p:transition xmlns:p14="http://schemas.microsoft.com/office/powerpoint/2010/main"/>
-</p:sld>
-</file>
-
-<file path=ppt/slides/slide4.xml><?xml version="1.0" encoding="utf-8"?>
-<p:sld xmlns:a="http://schemas.openxmlformats.org/drawingml/2006/main" xmlns:r="http://schemas.openxmlformats.org/officeDocument/2006/relationships" xmlns:p="http://schemas.openxmlformats.org/presentationml/2006/main">
-  <p:cSld>
-    <p:spTree>
-      <p:nvGrpSpPr>
-        <p:cNvPr id="1" name=""/>
-        <p:cNvGrpSpPr/>
-        <p:nvPr/>
-      </p:nvGrpSpPr>
-      <p:grpSpPr>
-        <a:xfrm>
-          <a:off x="0" y="0"/>
-          <a:ext cx="0" cy="0"/>
-          <a:chOff x="0" y="0"/>
-          <a:chExt cx="0" cy="0"/>
-        </a:xfrm>
-      </p:grpSpPr>
-      <p:pic>
-        <p:nvPicPr>
-          <p:cNvPr id="8" name="Content Placeholder 7" descr="brain-connectivity.jpg"/>
-          <p:cNvPicPr>
-            <a:picLocks noGrp="1" noChangeAspect="1"/>
-          </p:cNvPicPr>
-          <p:nvPr>
-            <p:ph idx="1"/>
-          </p:nvPr>
-        </p:nvPicPr>
-        <p:blipFill rotWithShape="1">
-          <a:blip r:embed="rId3">
-            <a:extLst>
-              <a:ext uri="{28A0092B-C50C-407E-A947-70E740481C1C}">
-                <a14:useLocalDpi xmlns:a14="http://schemas.microsoft.com/office/drawing/2010/main" val="0"/>
-              </a:ext>
-            </a:extLst>
-          </a:blip>
-          <a:srcRect l="-6844" t="2289" r="-6556" b="15508"/>
-          <a:stretch/>
-        </p:blipFill>
-        <p:spPr>
-          <a:xfrm>
-            <a:off x="-122332" y="1316434"/>
-            <a:ext cx="12906375" cy="7016750"/>
-          </a:xfrm>
-        </p:spPr>
-      </p:pic>
-      <p:sp>
-        <p:nvSpPr>
-          <p:cNvPr id="21505" name="Titel 3"/>
-          <p:cNvSpPr>
-            <a:spLocks noGrp="1"/>
-          </p:cNvSpPr>
-          <p:nvPr>
-            <p:ph type="title"/>
-          </p:nvPr>
-        </p:nvSpPr>
-        <p:spPr/>
-        <p:txBody>
-          <a:bodyPr/>
-          <a:lstStyle/>
-          <a:p>
-            <a:r>
-              <a:rPr lang="nl-NL" dirty="0" smtClean="0">
-                <a:latin typeface="Arial" pitchFamily="34" charset="0"/>
-                <a:ea typeface="ＭＳ Ｐゴシック"/>
-                <a:cs typeface="Arial" pitchFamily="34" charset="0"/>
-              </a:rPr>
-              <a:t>Brain Connectivity</a:t>
-            </a:r>
-          </a:p>
-        </p:txBody>
-      </p:sp>
-    </p:spTree>
-  </p:cSld>
-  <p:clrMapOvr>
-    <a:masterClrMapping/>
-  </p:clrMapOvr>
-  <p:transition xmlns:p14="http://schemas.microsoft.com/office/powerpoint/2010/main"/>
-  <p:timing>
-    <p:tnLst>
-      <p:par>
-        <p:cTn xmlns:p14="http://schemas.microsoft.com/office/powerpoint/2010/main" id="1" dur="indefinite" restart="never" nodeType="tmRoot"/>
-      </p:par>
-    </p:tnLst>
-  </p:timing>
-</p:sld>
-</file>
-
-<file path=ppt/slides/slide5.xml><?xml version="1.0" encoding="utf-8"?>
-<p:sld xmlns:a="http://schemas.openxmlformats.org/drawingml/2006/main" xmlns:r="http://schemas.openxmlformats.org/officeDocument/2006/relationships" xmlns:p="http://schemas.openxmlformats.org/presentationml/2006/main">
-  <p:cSld>
-    <p:spTree>
-      <p:nvGrpSpPr>
-        <p:cNvPr id="1" name=""/>
-        <p:cNvGrpSpPr/>
-        <p:nvPr/>
-      </p:nvGrpSpPr>
-      <p:grpSpPr>
-        <a:xfrm>
-          <a:off x="0" y="0"/>
-          <a:ext cx="0" cy="0"/>
-          <a:chOff x="0" y="0"/>
-          <a:chExt cx="0" cy="0"/>
-        </a:xfrm>
-      </p:grpSpPr>
-      <p:sp>
-        <p:nvSpPr>
-          <p:cNvPr id="2" name="Title 1"/>
-          <p:cNvSpPr>
-            <a:spLocks noGrp="1"/>
-          </p:cNvSpPr>
-          <p:nvPr>
-            <p:ph type="title"/>
-          </p:nvPr>
-        </p:nvSpPr>
-        <p:spPr/>
-        <p:txBody>
-          <a:bodyPr/>
-          <a:lstStyle/>
-          <a:p>
-            <a:r>
-              <a:rPr lang="en-US" dirty="0" smtClean="0"/>
-              <a:t>Causal Discovery</a:t>
-            </a:r>
-            <a:endParaRPr lang="en-US" dirty="0"/>
-          </a:p>
-        </p:txBody>
-      </p:sp>
-      <p:sp>
-        <p:nvSpPr>
-          <p:cNvPr id="3" name="Content Placeholder 2"/>
-          <p:cNvSpPr>
-            <a:spLocks noGrp="1"/>
-          </p:cNvSpPr>
-          <p:nvPr>
-            <p:ph idx="1"/>
-          </p:nvPr>
-        </p:nvSpPr>
-        <p:spPr/>
-        <p:txBody>
-          <a:bodyPr/>
-          <a:lstStyle/>
-          <a:p>
-            <a:r>
-              <a:rPr lang="en-US" dirty="0" smtClean="0"/>
-              <a:t>Represent dependencies between variables as a Directed Acyclic Graph (DAG)</a:t>
-            </a:r>
-          </a:p>
-          <a:p>
-            <a:endParaRPr lang="en-US" dirty="0"/>
-          </a:p>
-          <a:p>
-            <a:endParaRPr lang="en-US" dirty="0" smtClean="0"/>
-          </a:p>
-          <a:p>
-            <a:endParaRPr lang="en-US" dirty="0"/>
-          </a:p>
-          <a:p>
-            <a:endParaRPr lang="en-US" dirty="0" smtClean="0"/>
-          </a:p>
-          <a:p>
-            <a:endParaRPr lang="en-US" dirty="0"/>
-          </a:p>
-          <a:p>
-            <a:endParaRPr lang="en-US" dirty="0" smtClean="0"/>
-          </a:p>
-          <a:p>
-            <a:endParaRPr lang="en-US" dirty="0"/>
-          </a:p>
-          <a:p>
-            <a:endParaRPr lang="en-US" dirty="0" smtClean="0"/>
-          </a:p>
-          <a:p>
-            <a:endParaRPr lang="en-US" dirty="0"/>
-          </a:p>
-          <a:p>
-            <a:endParaRPr lang="en-US" dirty="0" smtClean="0"/>
-          </a:p>
-          <a:p>
-            <a:pPr marL="0" indent="0">
-              <a:buNone/>
-            </a:pPr>
-            <a:endParaRPr lang="en-US" dirty="0" smtClean="0"/>
-          </a:p>
-          <a:p>
-            <a:r>
-              <a:rPr lang="en-US" dirty="0" smtClean="0"/>
-              <a:t>Probabilistic interpretation:</a:t>
-            </a:r>
-            <a:endParaRPr lang="en-US" dirty="0"/>
-          </a:p>
-        </p:txBody>
-      </p:sp>
-      <p:pic>
-        <p:nvPicPr>
-          <p:cNvPr id="5" name="Picture 4" descr="directed-graph.png"/>
-          <p:cNvPicPr>
-            <a:picLocks noChangeAspect="1"/>
-          </p:cNvPicPr>
-          <p:nvPr/>
-        </p:nvPicPr>
-        <p:blipFill>
-          <a:blip r:embed="rId2">
-            <a:extLst>
-              <a:ext uri="{28A0092B-C50C-407E-A947-70E740481C1C}">
-                <a14:useLocalDpi xmlns:a14="http://schemas.microsoft.com/office/drawing/2010/main" val="0"/>
-              </a:ext>
-            </a:extLst>
-          </a:blip>
-          <a:stretch>
-            <a:fillRect/>
-          </a:stretch>
-        </p:blipFill>
-        <p:spPr>
-          <a:xfrm>
-            <a:off x="3838104" y="2860576"/>
-            <a:ext cx="5060314" cy="3761944"/>
-          </a:xfrm>
-          <a:prstGeom prst="rect">
-            <a:avLst/>
-          </a:prstGeom>
-        </p:spPr>
-      </p:pic>
-      <p:pic>
-        <p:nvPicPr>
-          <p:cNvPr id="8" name="Picture 7" descr="joint_prob.png"/>
-          <p:cNvPicPr>
-            <a:picLocks noChangeAspect="1"/>
-          </p:cNvPicPr>
-          <p:nvPr/>
-        </p:nvPicPr>
-        <p:blipFill>
-          <a:blip r:embed="rId3">
-            <a:extLst>
-              <a:ext uri="{28A0092B-C50C-407E-A947-70E740481C1C}">
-                <a14:useLocalDpi xmlns:a14="http://schemas.microsoft.com/office/drawing/2010/main" val="0"/>
-              </a:ext>
-            </a:extLst>
-          </a:blip>
-          <a:stretch>
-            <a:fillRect/>
-          </a:stretch>
-        </p:blipFill>
-        <p:spPr>
-          <a:xfrm>
-            <a:off x="5710312" y="7145837"/>
-            <a:ext cx="5544616" cy="1047166"/>
-          </a:xfrm>
-          <a:prstGeom prst="rect">
-            <a:avLst/>
-          </a:prstGeom>
-        </p:spPr>
-      </p:pic>
-    </p:spTree>
-    <p:extLst>
-      <p:ext uri="{BB962C8B-B14F-4D97-AF65-F5344CB8AC3E}">
-        <p14:creationId xmlns:p14="http://schemas.microsoft.com/office/powerpoint/2010/main" val="2072543374"/>
-      </p:ext>
-    </p:extLst>
-  </p:cSld>
-  <p:clrMapOvr>
-    <a:masterClrMapping/>
-  </p:clrMapOvr>
-  <p:transition xmlns:p14="http://schemas.microsoft.com/office/powerpoint/2010/main"/>
-</p:sld>
-</file>
-
-<file path=ppt/slides/slide6.xml><?xml version="1.0" encoding="utf-8"?>
-<p:sld xmlns:a="http://schemas.openxmlformats.org/drawingml/2006/main" xmlns:r="http://schemas.openxmlformats.org/officeDocument/2006/relationships" xmlns:p="http://schemas.openxmlformats.org/presentationml/2006/main">
-  <p:cSld>
-    <p:spTree>
-      <p:nvGrpSpPr>
-        <p:cNvPr id="1" name=""/>
-        <p:cNvGrpSpPr/>
-        <p:nvPr/>
-      </p:nvGrpSpPr>
-      <p:grpSpPr>
-        <a:xfrm>
-          <a:off x="0" y="0"/>
-          <a:ext cx="0" cy="0"/>
-          <a:chOff x="0" y="0"/>
-          <a:chExt cx="0" cy="0"/>
-        </a:xfrm>
-      </p:grpSpPr>
-      <p:sp>
-        <p:nvSpPr>
-          <p:cNvPr id="2" name="Title 1"/>
-          <p:cNvSpPr>
-            <a:spLocks noGrp="1"/>
-          </p:cNvSpPr>
-          <p:nvPr>
-            <p:ph type="title"/>
-          </p:nvPr>
-        </p:nvSpPr>
-        <p:spPr/>
-        <p:txBody>
-          <a:bodyPr/>
-          <a:lstStyle/>
-          <a:p>
-            <a:r>
-              <a:rPr lang="en-US" dirty="0" smtClean="0"/>
-              <a:t>Directed Separation</a:t>
-            </a:r>
-            <a:endParaRPr lang="en-US" dirty="0"/>
-          </a:p>
-        </p:txBody>
-      </p:sp>
-      <p:sp>
-        <p:nvSpPr>
-          <p:cNvPr id="3" name="Content Placeholder 2"/>
-          <p:cNvSpPr>
-            <a:spLocks noGrp="1"/>
-          </p:cNvSpPr>
-          <p:nvPr>
-            <p:ph idx="1"/>
-          </p:nvPr>
-        </p:nvSpPr>
-        <p:spPr/>
-        <p:txBody>
-          <a:bodyPr/>
-          <a:lstStyle/>
-          <a:p>
-            <a:pPr marL="0" indent="0">
-              <a:buNone/>
-            </a:pPr>
-            <a:r>
-              <a:rPr lang="en-US" dirty="0" smtClean="0"/>
-              <a:t>Any two subsets of variables are </a:t>
-            </a:r>
-            <a:r>
-              <a:rPr lang="en-US" b="1" dirty="0" smtClean="0"/>
-              <a:t>conditionally independent </a:t>
-            </a:r>
-            <a:r>
-              <a:rPr lang="en-US" dirty="0" smtClean="0"/>
-              <a:t>given a separating subset:</a:t>
-            </a:r>
-          </a:p>
-          <a:p>
-            <a:endParaRPr lang="en-US" dirty="0"/>
-          </a:p>
-          <a:p>
-            <a:pPr marL="0" indent="0">
-              <a:buNone/>
-            </a:pPr>
-            <a:endParaRPr lang="en-US" dirty="0"/>
-          </a:p>
-          <a:p>
-            <a:pPr marL="0" indent="0">
-              <a:buNone/>
-            </a:pPr>
-            <a:r>
-              <a:rPr lang="en-US" dirty="0" smtClean="0"/>
-              <a:t>where every path from a node in A to a node in B </a:t>
-            </a:r>
-            <a:r>
-              <a:rPr lang="en-US" dirty="0" smtClean="0"/>
-              <a:t>is blocked by S</a:t>
-            </a:r>
-            <a:r>
-              <a:rPr lang="en-US" dirty="0" smtClean="0"/>
-              <a:t>.</a:t>
-            </a:r>
-          </a:p>
-          <a:p>
-            <a:pPr marL="0" indent="0">
-              <a:buNone/>
-            </a:pPr>
-            <a:endParaRPr lang="en-US" dirty="0" smtClean="0"/>
-          </a:p>
-          <a:p>
-            <a:pPr marL="0" indent="0">
-              <a:buNone/>
-            </a:pPr>
-            <a:r>
-              <a:rPr lang="en-US" dirty="0" smtClean="0"/>
-              <a:t>A and B are </a:t>
-            </a:r>
-            <a:r>
-              <a:rPr lang="en-US" b="1" dirty="0" smtClean="0"/>
-              <a:t>d-separated </a:t>
-            </a:r>
-            <a:r>
-              <a:rPr lang="en-US" dirty="0" smtClean="0"/>
-              <a:t>given S.</a:t>
-            </a:r>
-          </a:p>
-          <a:p>
-            <a:pPr marL="0" indent="0">
-              <a:buNone/>
-            </a:pPr>
-            <a:endParaRPr lang="en-US" dirty="0"/>
-          </a:p>
-          <a:p>
-            <a:pPr marL="0" indent="0">
-              <a:buNone/>
-            </a:pPr>
-            <a:endParaRPr lang="en-US" dirty="0" smtClean="0"/>
-          </a:p>
-          <a:p>
-            <a:pPr marL="0" indent="0">
-              <a:buNone/>
-            </a:pPr>
-            <a:endParaRPr lang="en-US" dirty="0"/>
-          </a:p>
-        </p:txBody>
-      </p:sp>
-      <p:pic>
-        <p:nvPicPr>
-          <p:cNvPr id="8" name="Picture 7" descr="global_markov.png"/>
-          <p:cNvPicPr>
-            <a:picLocks noChangeAspect="1"/>
-          </p:cNvPicPr>
-          <p:nvPr/>
-        </p:nvPicPr>
-        <p:blipFill>
-          <a:blip r:embed="rId2">
-            <a:extLst>
-              <a:ext uri="{28A0092B-C50C-407E-A947-70E740481C1C}">
-                <a14:useLocalDpi xmlns:a14="http://schemas.microsoft.com/office/drawing/2010/main" val="0"/>
-              </a:ext>
-            </a:extLst>
-          </a:blip>
-          <a:stretch>
-            <a:fillRect/>
-          </a:stretch>
-        </p:blipFill>
-        <p:spPr>
-          <a:xfrm>
-            <a:off x="3766097" y="3036952"/>
-            <a:ext cx="3456384" cy="517758"/>
-          </a:xfrm>
-          <a:prstGeom prst="rect">
-            <a:avLst/>
-          </a:prstGeom>
-        </p:spPr>
-      </p:pic>
-      <p:pic>
-        <p:nvPicPr>
-          <p:cNvPr id="4" name="Picture 3" descr="cond_indep.png"/>
-          <p:cNvPicPr>
-            <a:picLocks noChangeAspect="1"/>
-          </p:cNvPicPr>
-          <p:nvPr/>
-        </p:nvPicPr>
-        <p:blipFill>
-          <a:blip r:embed="rId3">
-            <a:extLst>
-              <a:ext uri="{28A0092B-C50C-407E-A947-70E740481C1C}">
-                <a14:useLocalDpi xmlns:a14="http://schemas.microsoft.com/office/drawing/2010/main" val="0"/>
-              </a:ext>
-            </a:extLst>
-          </a:blip>
-          <a:stretch>
-            <a:fillRect/>
-          </a:stretch>
-        </p:blipFill>
-        <p:spPr>
-          <a:xfrm>
-            <a:off x="1821880" y="6749008"/>
-            <a:ext cx="8950672" cy="458691"/>
-          </a:xfrm>
-          <a:prstGeom prst="rect">
-            <a:avLst/>
-          </a:prstGeom>
-        </p:spPr>
-      </p:pic>
-    </p:spTree>
-    <p:extLst>
-      <p:ext uri="{BB962C8B-B14F-4D97-AF65-F5344CB8AC3E}">
-        <p14:creationId xmlns:p14="http://schemas.microsoft.com/office/powerpoint/2010/main" val="1761700412"/>
-      </p:ext>
-    </p:extLst>
-  </p:cSld>
-  <p:clrMapOvr>
-    <a:masterClrMapping/>
-  </p:clrMapOvr>
-  <p:transition xmlns:p14="http://schemas.microsoft.com/office/powerpoint/2010/main"/>
-</p:sld>
-</file>
-
-<file path=ppt/slides/slide7.xml><?xml version="1.0" encoding="utf-8"?>
-<p:sld xmlns:a="http://schemas.openxmlformats.org/drawingml/2006/main" xmlns:r="http://schemas.openxmlformats.org/officeDocument/2006/relationships" xmlns:p="http://schemas.openxmlformats.org/presentationml/2006/main">
-  <p:cSld>
-    <p:spTree>
-      <p:nvGrpSpPr>
-        <p:cNvPr id="1" name=""/>
-        <p:cNvGrpSpPr/>
-        <p:nvPr/>
-      </p:nvGrpSpPr>
-      <p:grpSpPr>
-        <a:xfrm>
-          <a:off x="0" y="0"/>
-          <a:ext cx="0" cy="0"/>
-          <a:chOff x="0" y="0"/>
-          <a:chExt cx="0" cy="0"/>
-        </a:xfrm>
-      </p:grpSpPr>
-      <p:sp>
-        <p:nvSpPr>
-          <p:cNvPr id="2" name="Title 1"/>
-          <p:cNvSpPr>
-            <a:spLocks noGrp="1"/>
-          </p:cNvSpPr>
-          <p:nvPr>
-            <p:ph type="title"/>
-          </p:nvPr>
-        </p:nvSpPr>
-        <p:spPr/>
-        <p:txBody>
-          <a:bodyPr/>
-          <a:lstStyle/>
-          <a:p>
-            <a:r>
-              <a:rPr lang="en-US" dirty="0" smtClean="0"/>
-              <a:t>Causal interpretation</a:t>
-            </a:r>
-            <a:endParaRPr lang="en-US" dirty="0"/>
-          </a:p>
-        </p:txBody>
-      </p:sp>
-      <p:sp>
-        <p:nvSpPr>
-          <p:cNvPr id="3" name="Content Placeholder 2"/>
-          <p:cNvSpPr>
-            <a:spLocks noGrp="1"/>
-          </p:cNvSpPr>
-          <p:nvPr>
-            <p:ph idx="1"/>
-          </p:nvPr>
-        </p:nvSpPr>
-        <p:spPr/>
-        <p:txBody>
-          <a:bodyPr/>
-          <a:lstStyle/>
-          <a:p>
-            <a:pPr marL="0" indent="0">
-              <a:buNone/>
-            </a:pPr>
-            <a:r>
-              <a:rPr lang="en-US" dirty="0" smtClean="0"/>
-              <a:t>Underlying causal structure can be modeled by a DAG</a:t>
-            </a:r>
-          </a:p>
-          <a:p>
-            <a:endParaRPr lang="en-US" dirty="0" smtClean="0"/>
-          </a:p>
-          <a:p>
-            <a:pPr marL="0" indent="0">
-              <a:buNone/>
-            </a:pPr>
-            <a:r>
-              <a:rPr lang="en-US" dirty="0" smtClean="0"/>
-              <a:t>	and</a:t>
-            </a:r>
-            <a:endParaRPr lang="en-US" dirty="0"/>
-          </a:p>
-          <a:p>
-            <a:endParaRPr lang="en-US" dirty="0"/>
-          </a:p>
-          <a:p>
-            <a:pPr marL="0" indent="0">
-              <a:buNone/>
-            </a:pPr>
-            <a:r>
-              <a:rPr lang="en-US" dirty="0" smtClean="0"/>
-              <a:t>A phenomenon is independent of its non-effects given its direct causes</a:t>
-            </a:r>
-          </a:p>
-          <a:p>
-            <a:pPr marL="0" indent="0">
-              <a:buNone/>
-            </a:pPr>
-            <a:endParaRPr lang="en-US" dirty="0"/>
-          </a:p>
-          <a:p>
-            <a:pPr marL="0" indent="0">
-              <a:buNone/>
-            </a:pPr>
-            <a:r>
-              <a:rPr lang="en-US" i="1" dirty="0" smtClean="0"/>
-              <a:t>(Causal Markov Condition)</a:t>
-            </a:r>
-          </a:p>
-        </p:txBody>
-      </p:sp>
-    </p:spTree>
-    <p:extLst>
-      <p:ext uri="{BB962C8B-B14F-4D97-AF65-F5344CB8AC3E}">
-        <p14:creationId xmlns:p14="http://schemas.microsoft.com/office/powerpoint/2010/main" val="1065997628"/>
-      </p:ext>
-    </p:extLst>
-  </p:cSld>
-  <p:clrMapOvr>
-    <a:masterClrMapping/>
-  </p:clrMapOvr>
-  <p:transition xmlns:p14="http://schemas.microsoft.com/office/powerpoint/2010/main"/>
-</p:sld>
-</file>
-
-<file path=ppt/slides/slide8.xml><?xml version="1.0" encoding="utf-8"?>
-<p:sld xmlns:a="http://schemas.openxmlformats.org/drawingml/2006/main" xmlns:r="http://schemas.openxmlformats.org/officeDocument/2006/relationships" xmlns:p="http://schemas.openxmlformats.org/presentationml/2006/main">
-  <p:cSld>
-    <p:spTree>
-      <p:nvGrpSpPr>
-        <p:cNvPr id="1" name=""/>
-        <p:cNvGrpSpPr/>
-        <p:nvPr/>
-      </p:nvGrpSpPr>
-      <p:grpSpPr>
-        <a:xfrm>
-          <a:off x="0" y="0"/>
-          <a:ext cx="0" cy="0"/>
-          <a:chOff x="0" y="0"/>
-          <a:chExt cx="0" cy="0"/>
-        </a:xfrm>
-      </p:grpSpPr>
-      <p:sp>
-        <p:nvSpPr>
-          <p:cNvPr id="2" name="Title 1"/>
-          <p:cNvSpPr>
-            <a:spLocks noGrp="1"/>
-          </p:cNvSpPr>
-          <p:nvPr>
-            <p:ph type="title"/>
-          </p:nvPr>
-        </p:nvSpPr>
-        <p:spPr/>
-        <p:txBody>
-          <a:bodyPr/>
-          <a:lstStyle/>
-          <a:p>
-            <a:r>
-              <a:rPr lang="en-US" dirty="0" smtClean="0"/>
-              <a:t>Causal </a:t>
-            </a:r>
-            <a:r>
-              <a:rPr lang="en-US" dirty="0" smtClean="0"/>
-              <a:t>discovery</a:t>
+              <a:t>Causal discovery</a:t>
             </a:r>
             <a:endParaRPr lang="en-US" dirty="0"/>
           </a:p>
@@ -13037,7 +9273,9 @@
           <a:prstGeom prst="ellipse">
             <a:avLst/>
           </a:prstGeom>
-          <a:noFill/>
+          <a:solidFill>
+            <a:srgbClr val="0089B9"/>
+          </a:solidFill>
           <a:ln w="12700" cap="flat" cmpd="sng" algn="ctr">
             <a:solidFill>
               <a:schemeClr val="bg1"/>
@@ -13276,7 +9514,9 @@
           <a:prstGeom prst="ellipse">
             <a:avLst/>
           </a:prstGeom>
-          <a:noFill/>
+          <a:solidFill>
+            <a:srgbClr val="0089B9"/>
+          </a:solidFill>
           <a:ln w="12700" cap="flat" cmpd="sng" algn="ctr">
             <a:solidFill>
               <a:schemeClr val="bg1"/>
@@ -13727,7 +9967,9 @@
           <a:prstGeom prst="ellipse">
             <a:avLst/>
           </a:prstGeom>
-          <a:noFill/>
+          <a:solidFill>
+            <a:srgbClr val="0089B9"/>
+          </a:solidFill>
           <a:ln w="12700" cap="flat" cmpd="sng" algn="ctr">
             <a:solidFill>
               <a:schemeClr val="bg1"/>
@@ -13966,6 +10208,280 @@
           <a:prstGeom prst="ellipse">
             <a:avLst/>
           </a:prstGeom>
+          <a:solidFill>
+            <a:srgbClr val="0089B9"/>
+          </a:solidFill>
+          <a:ln w="12700" cap="flat" cmpd="sng" algn="ctr">
+            <a:solidFill>
+              <a:schemeClr val="bg1"/>
+            </a:solidFill>
+            <a:prstDash val="solid"/>
+            <a:round/>
+            <a:headEnd type="none" w="med" len="med"/>
+            <a:tailEnd type="none" w="med" len="med"/>
+          </a:ln>
+          <a:effectLst/>
+        </p:spPr>
+        <p:txBody>
+          <a:bodyPr vert="horz" wrap="square" lIns="130032" tIns="78019" rIns="130032" bIns="65017" numCol="1" rtlCol="0" anchor="t" anchorCtr="0" compatLnSpc="1">
+            <a:prstTxWarp prst="textNoShape">
+              <a:avLst/>
+            </a:prstTxWarp>
+          </a:bodyPr>
+          <a:lstStyle/>
+          <a:p>
+            <a:pPr algn="ctr" defTabSz="1300326"/>
+            <a:r>
+              <a:rPr lang="en-US" sz="2800" i="1" dirty="0" smtClean="0">
+                <a:solidFill>
+                  <a:schemeClr val="bg1"/>
+                </a:solidFill>
+                <a:latin typeface="Times New Roman" pitchFamily="18" charset="0"/>
+                <a:ea typeface="ヒラギノ明朝 ProN W3" charset="-128"/>
+                <a:cs typeface="Times New Roman" pitchFamily="18" charset="0"/>
+                <a:sym typeface="American Typewriter" charset="0"/>
+              </a:rPr>
+              <a:t>B</a:t>
+            </a:r>
+            <a:endParaRPr lang="en-US" sz="2800" i="1" dirty="0">
+              <a:solidFill>
+                <a:schemeClr val="bg1"/>
+              </a:solidFill>
+              <a:latin typeface="Times New Roman" pitchFamily="18" charset="0"/>
+              <a:ea typeface="ヒラギノ明朝 ProN W3" charset="-128"/>
+              <a:cs typeface="Times New Roman" pitchFamily="18" charset="0"/>
+              <a:sym typeface="American Typewriter" charset="0"/>
+            </a:endParaRPr>
+          </a:p>
+        </p:txBody>
+      </p:sp>
+      <p:cxnSp>
+        <p:nvCxnSpPr>
+          <p:cNvPr id="27" name="Straight Connector 26"/>
+          <p:cNvCxnSpPr/>
+          <p:nvPr/>
+        </p:nvCxnSpPr>
+        <p:spPr bwMode="auto">
+          <a:xfrm>
+            <a:off x="8158584" y="6244952"/>
+            <a:ext cx="2016224" cy="1944216"/>
+          </a:xfrm>
+          <a:prstGeom prst="line">
+            <a:avLst/>
+          </a:prstGeom>
+          <a:blipFill dpi="0" rotWithShape="0">
+            <a:blip r:embed="rId3"/>
+            <a:srcRect/>
+            <a:tile tx="0" ty="0" sx="100000" sy="100000" flip="none" algn="tl"/>
+          </a:blipFill>
+          <a:ln w="44450" cap="flat" cmpd="sng" algn="ctr">
+            <a:solidFill>
+              <a:srgbClr val="FF0000"/>
+            </a:solidFill>
+            <a:prstDash val="solid"/>
+            <a:round/>
+            <a:headEnd type="none" w="med" len="med"/>
+            <a:tailEnd type="none" w="med" len="med"/>
+          </a:ln>
+          <a:effectLst/>
+        </p:spPr>
+      </p:cxnSp>
+      <p:cxnSp>
+        <p:nvCxnSpPr>
+          <p:cNvPr id="28" name="Straight Connector 27"/>
+          <p:cNvCxnSpPr/>
+          <p:nvPr/>
+        </p:nvCxnSpPr>
+        <p:spPr bwMode="auto">
+          <a:xfrm flipV="1">
+            <a:off x="8374608" y="6244952"/>
+            <a:ext cx="1872208" cy="1944216"/>
+          </a:xfrm>
+          <a:prstGeom prst="line">
+            <a:avLst/>
+          </a:prstGeom>
+          <a:blipFill dpi="0" rotWithShape="0">
+            <a:blip r:embed="rId3"/>
+            <a:srcRect/>
+            <a:tile tx="0" ty="0" sx="100000" sy="100000" flip="none" algn="tl"/>
+          </a:blipFill>
+          <a:ln w="44450" cap="flat" cmpd="sng" algn="ctr">
+            <a:solidFill>
+              <a:srgbClr val="FF0000"/>
+            </a:solidFill>
+            <a:prstDash val="solid"/>
+            <a:round/>
+            <a:headEnd type="none" w="med" len="med"/>
+            <a:tailEnd type="none" w="med" len="med"/>
+          </a:ln>
+          <a:effectLst/>
+        </p:spPr>
+      </p:cxnSp>
+    </p:spTree>
+    <p:extLst>
+      <p:ext uri="{BB962C8B-B14F-4D97-AF65-F5344CB8AC3E}">
+        <p14:creationId xmlns:p14="http://schemas.microsoft.com/office/powerpoint/2010/main" val="3968431299"/>
+      </p:ext>
+    </p:extLst>
+  </p:cSld>
+  <p:clrMapOvr>
+    <a:masterClrMapping/>
+  </p:clrMapOvr>
+  <p:transition xmlns:p14="http://schemas.microsoft.com/office/powerpoint/2010/main"/>
+  <p:timing>
+    <p:tnLst>
+      <p:par>
+        <p:cTn xmlns:p14="http://schemas.microsoft.com/office/powerpoint/2010/main" id="1" dur="indefinite" restart="never" nodeType="tmRoot"/>
+      </p:par>
+    </p:tnLst>
+  </p:timing>
+</p:sld>
+</file>
+
+<file path=ppt/slides/slide13.xml><?xml version="1.0" encoding="utf-8"?>
+<p:sld xmlns:a="http://schemas.openxmlformats.org/drawingml/2006/main" xmlns:r="http://schemas.openxmlformats.org/officeDocument/2006/relationships" xmlns:p="http://schemas.openxmlformats.org/presentationml/2006/main">
+  <p:cSld>
+    <p:spTree>
+      <p:nvGrpSpPr>
+        <p:cNvPr id="1" name=""/>
+        <p:cNvGrpSpPr/>
+        <p:nvPr/>
+      </p:nvGrpSpPr>
+      <p:grpSpPr>
+        <a:xfrm>
+          <a:off x="0" y="0"/>
+          <a:ext cx="0" cy="0"/>
+          <a:chOff x="0" y="0"/>
+          <a:chExt cx="0" cy="0"/>
+        </a:xfrm>
+      </p:grpSpPr>
+      <p:sp>
+        <p:nvSpPr>
+          <p:cNvPr id="2" name="Title 1"/>
+          <p:cNvSpPr>
+            <a:spLocks noGrp="1"/>
+          </p:cNvSpPr>
+          <p:nvPr>
+            <p:ph type="title"/>
+          </p:nvPr>
+        </p:nvSpPr>
+        <p:spPr/>
+        <p:txBody>
+          <a:bodyPr/>
+          <a:lstStyle/>
+          <a:p>
+            <a:r>
+              <a:rPr lang="en-US" dirty="0" smtClean="0"/>
+              <a:t>Causal sufficiency </a:t>
+            </a:r>
+            <a:r>
+              <a:rPr lang="en-US" sz="2400" dirty="0" smtClean="0">
+                <a:solidFill>
+                  <a:schemeClr val="bg1"/>
+                </a:solidFill>
+              </a:rPr>
+              <a:t>(closed world assumption)</a:t>
+            </a:r>
+            <a:endParaRPr lang="en-US" sz="2400" dirty="0">
+              <a:solidFill>
+                <a:schemeClr val="bg1"/>
+              </a:solidFill>
+            </a:endParaRPr>
+          </a:p>
+        </p:txBody>
+      </p:sp>
+      <p:sp>
+        <p:nvSpPr>
+          <p:cNvPr id="3" name="Content Placeholder 2"/>
+          <p:cNvSpPr>
+            <a:spLocks noGrp="1"/>
+          </p:cNvSpPr>
+          <p:nvPr>
+            <p:ph idx="1"/>
+          </p:nvPr>
+        </p:nvSpPr>
+        <p:spPr>
+          <a:xfrm>
+            <a:off x="900113" y="2070100"/>
+            <a:ext cx="11049000" cy="2047135"/>
+          </a:xfrm>
+        </p:spPr>
+        <p:txBody>
+          <a:bodyPr/>
+          <a:lstStyle/>
+          <a:p>
+            <a:r>
+              <a:rPr lang="en-US" dirty="0" smtClean="0"/>
+              <a:t>Latent variables</a:t>
+            </a:r>
+            <a:endParaRPr lang="en-US" dirty="0"/>
+          </a:p>
+        </p:txBody>
+      </p:sp>
+      <p:sp>
+        <p:nvSpPr>
+          <p:cNvPr id="4" name="Oval 3"/>
+          <p:cNvSpPr/>
+          <p:nvPr/>
+        </p:nvSpPr>
+        <p:spPr bwMode="auto">
+          <a:xfrm>
+            <a:off x="3622080" y="3796680"/>
+            <a:ext cx="819291" cy="819291"/>
+          </a:xfrm>
+          <a:prstGeom prst="ellipse">
+            <a:avLst/>
+          </a:prstGeom>
+          <a:noFill/>
+          <a:ln w="12700" cap="flat" cmpd="sng" algn="ctr">
+            <a:solidFill>
+              <a:schemeClr val="bg1"/>
+            </a:solidFill>
+            <a:prstDash val="dash"/>
+            <a:round/>
+            <a:headEnd type="none" w="med" len="med"/>
+            <a:tailEnd type="none" w="med" len="med"/>
+          </a:ln>
+          <a:effectLst/>
+        </p:spPr>
+        <p:txBody>
+          <a:bodyPr vert="horz" wrap="square" lIns="130032" tIns="78019" rIns="130032" bIns="65017" numCol="1" rtlCol="0" anchor="t" anchorCtr="0" compatLnSpc="1">
+            <a:prstTxWarp prst="textNoShape">
+              <a:avLst/>
+            </a:prstTxWarp>
+          </a:bodyPr>
+          <a:lstStyle/>
+          <a:p>
+            <a:pPr algn="ctr" defTabSz="1300326"/>
+            <a:r>
+              <a:rPr lang="en-US" sz="2800" i="1" dirty="0">
+                <a:solidFill>
+                  <a:schemeClr val="bg1"/>
+                </a:solidFill>
+                <a:latin typeface="Times New Roman" pitchFamily="18" charset="0"/>
+                <a:ea typeface="ヒラギノ明朝 ProN W3" charset="-128"/>
+                <a:cs typeface="Times New Roman" pitchFamily="18" charset="0"/>
+                <a:sym typeface="American Typewriter" charset="0"/>
+              </a:rPr>
+              <a:t>A</a:t>
+            </a:r>
+          </a:p>
+        </p:txBody>
+      </p:sp>
+      <p:sp>
+        <p:nvSpPr>
+          <p:cNvPr id="5" name="Oval 4"/>
+          <p:cNvSpPr/>
+          <p:nvPr/>
+        </p:nvSpPr>
+        <p:spPr bwMode="auto">
+          <a:xfrm>
+            <a:off x="2802789" y="5417376"/>
+            <a:ext cx="819291" cy="819291"/>
+          </a:xfrm>
+          <a:prstGeom prst="ellipse">
+            <a:avLst/>
+          </a:prstGeom>
           <a:noFill/>
           <a:ln w="12700" cap="flat" cmpd="sng" algn="ctr">
             <a:solidFill>
@@ -13988,7 +10504,7 @@
           <a:p>
             <a:pPr algn="ctr" defTabSz="1300326"/>
             <a:r>
-              <a:rPr lang="en-US" sz="2800" i="1" dirty="0" smtClean="0">
+              <a:rPr lang="en-US" sz="2800" i="1" dirty="0">
                 <a:solidFill>
                   <a:schemeClr val="bg1"/>
                 </a:solidFill>
@@ -13999,15 +10515,308 @@
               </a:rPr>
               <a:t>B</a:t>
             </a:r>
-            <a:endParaRPr lang="en-US" sz="2800" i="1" dirty="0">
-              <a:solidFill>
-                <a:schemeClr val="bg1"/>
-              </a:solidFill>
-              <a:latin typeface="Times New Roman" pitchFamily="18" charset="0"/>
-              <a:ea typeface="ヒラギノ明朝 ProN W3" charset="-128"/>
-              <a:cs typeface="Times New Roman" pitchFamily="18" charset="0"/>
-              <a:sym typeface="American Typewriter" charset="0"/>
-            </a:endParaRPr>
+          </a:p>
+        </p:txBody>
+      </p:sp>
+      <p:sp>
+        <p:nvSpPr>
+          <p:cNvPr id="6" name="Oval 5"/>
+          <p:cNvSpPr/>
+          <p:nvPr/>
+        </p:nvSpPr>
+        <p:spPr bwMode="auto">
+          <a:xfrm>
+            <a:off x="4441371" y="5417376"/>
+            <a:ext cx="819291" cy="819291"/>
+          </a:xfrm>
+          <a:prstGeom prst="ellipse">
+            <a:avLst/>
+          </a:prstGeom>
+          <a:noFill/>
+          <a:ln w="12700" cap="flat" cmpd="sng" algn="ctr">
+            <a:solidFill>
+              <a:schemeClr val="bg1"/>
+            </a:solidFill>
+            <a:prstDash val="solid"/>
+            <a:round/>
+            <a:headEnd type="none" w="med" len="med"/>
+            <a:tailEnd type="none" w="med" len="med"/>
+          </a:ln>
+          <a:effectLst/>
+        </p:spPr>
+        <p:txBody>
+          <a:bodyPr vert="horz" wrap="square" lIns="130032" tIns="78019" rIns="130032" bIns="65017" numCol="1" rtlCol="0" anchor="t" anchorCtr="0" compatLnSpc="1">
+            <a:prstTxWarp prst="textNoShape">
+              <a:avLst/>
+            </a:prstTxWarp>
+          </a:bodyPr>
+          <a:lstStyle/>
+          <a:p>
+            <a:pPr algn="ctr" defTabSz="1300326"/>
+            <a:r>
+              <a:rPr lang="en-US" sz="2800" i="1" dirty="0">
+                <a:solidFill>
+                  <a:schemeClr val="bg1"/>
+                </a:solidFill>
+                <a:latin typeface="Times New Roman" pitchFamily="18" charset="0"/>
+                <a:ea typeface="ヒラギノ明朝 ProN W3" charset="-128"/>
+                <a:cs typeface="Times New Roman" pitchFamily="18" charset="0"/>
+                <a:sym typeface="American Typewriter" charset="0"/>
+              </a:rPr>
+              <a:t>C</a:t>
+            </a:r>
+          </a:p>
+        </p:txBody>
+      </p:sp>
+      <p:cxnSp>
+        <p:nvCxnSpPr>
+          <p:cNvPr id="7" name="Straight Arrow Connector 6"/>
+          <p:cNvCxnSpPr>
+            <a:stCxn id="4" idx="3"/>
+            <a:endCxn id="5" idx="0"/>
+          </p:cNvCxnSpPr>
+          <p:nvPr/>
+        </p:nvCxnSpPr>
+        <p:spPr bwMode="auto">
+          <a:xfrm flipH="1">
+            <a:off x="3212435" y="4495990"/>
+            <a:ext cx="529628" cy="921388"/>
+          </a:xfrm>
+          <a:prstGeom prst="straightConnector1">
+            <a:avLst/>
+          </a:prstGeom>
+          <a:blipFill dpi="0" rotWithShape="0">
+            <a:blip r:embed="rId2"/>
+            <a:srcRect/>
+            <a:tile tx="0" ty="0" sx="100000" sy="100000" flip="none" algn="tl"/>
+          </a:blipFill>
+          <a:ln w="12700" cap="flat" cmpd="sng" algn="ctr">
+            <a:solidFill>
+              <a:schemeClr val="bg1"/>
+            </a:solidFill>
+            <a:prstDash val="solid"/>
+            <a:round/>
+            <a:headEnd type="none" w="med" len="med"/>
+            <a:tailEnd type="triangle" w="lg" len="lg"/>
+          </a:ln>
+          <a:effectLst/>
+        </p:spPr>
+      </p:cxnSp>
+      <p:cxnSp>
+        <p:nvCxnSpPr>
+          <p:cNvPr id="8" name="Straight Arrow Connector 7"/>
+          <p:cNvCxnSpPr>
+            <a:stCxn id="4" idx="5"/>
+            <a:endCxn id="6" idx="0"/>
+          </p:cNvCxnSpPr>
+          <p:nvPr/>
+        </p:nvCxnSpPr>
+        <p:spPr bwMode="auto">
+          <a:xfrm>
+            <a:off x="4321390" y="4495990"/>
+            <a:ext cx="529628" cy="921388"/>
+          </a:xfrm>
+          <a:prstGeom prst="straightConnector1">
+            <a:avLst/>
+          </a:prstGeom>
+          <a:blipFill dpi="0" rotWithShape="0">
+            <a:blip r:embed="rId2"/>
+            <a:srcRect/>
+            <a:tile tx="0" ty="0" sx="100000" sy="100000" flip="none" algn="tl"/>
+          </a:blipFill>
+          <a:ln w="12700" cap="flat" cmpd="sng" algn="ctr">
+            <a:solidFill>
+              <a:schemeClr val="bg1"/>
+            </a:solidFill>
+            <a:prstDash val="solid"/>
+            <a:round/>
+            <a:headEnd type="none" w="med" len="med"/>
+            <a:tailEnd type="triangle" w="lg" len="lg"/>
+          </a:ln>
+          <a:effectLst/>
+        </p:spPr>
+      </p:cxnSp>
+      <p:sp>
+        <p:nvSpPr>
+          <p:cNvPr id="9" name="Oval 8"/>
+          <p:cNvSpPr/>
+          <p:nvPr/>
+        </p:nvSpPr>
+        <p:spPr bwMode="auto">
+          <a:xfrm>
+            <a:off x="7500909" y="5452865"/>
+            <a:ext cx="819291" cy="819291"/>
+          </a:xfrm>
+          <a:prstGeom prst="ellipse">
+            <a:avLst/>
+          </a:prstGeom>
+          <a:noFill/>
+          <a:ln w="12700" cap="flat" cmpd="sng" algn="ctr">
+            <a:solidFill>
+              <a:schemeClr val="bg1"/>
+            </a:solidFill>
+            <a:prstDash val="solid"/>
+            <a:round/>
+            <a:headEnd type="none" w="med" len="med"/>
+            <a:tailEnd type="none" w="med" len="med"/>
+          </a:ln>
+          <a:effectLst/>
+        </p:spPr>
+        <p:txBody>
+          <a:bodyPr vert="horz" wrap="square" lIns="130032" tIns="78019" rIns="130032" bIns="65017" numCol="1" rtlCol="0" anchor="t" anchorCtr="0" compatLnSpc="1">
+            <a:prstTxWarp prst="textNoShape">
+              <a:avLst/>
+            </a:prstTxWarp>
+          </a:bodyPr>
+          <a:lstStyle/>
+          <a:p>
+            <a:pPr algn="ctr" defTabSz="1300326"/>
+            <a:r>
+              <a:rPr lang="en-US" sz="2800" i="1" dirty="0">
+                <a:solidFill>
+                  <a:schemeClr val="bg1"/>
+                </a:solidFill>
+                <a:latin typeface="Times New Roman" pitchFamily="18" charset="0"/>
+                <a:ea typeface="ヒラギノ明朝 ProN W3" charset="-128"/>
+                <a:cs typeface="Times New Roman" pitchFamily="18" charset="0"/>
+                <a:sym typeface="American Typewriter" charset="0"/>
+              </a:rPr>
+              <a:t>B</a:t>
+            </a:r>
+          </a:p>
+        </p:txBody>
+      </p:sp>
+      <p:sp>
+        <p:nvSpPr>
+          <p:cNvPr id="10" name="Oval 9"/>
+          <p:cNvSpPr/>
+          <p:nvPr/>
+        </p:nvSpPr>
+        <p:spPr bwMode="auto">
+          <a:xfrm>
+            <a:off x="9139491" y="5452865"/>
+            <a:ext cx="819291" cy="819291"/>
+          </a:xfrm>
+          <a:prstGeom prst="ellipse">
+            <a:avLst/>
+          </a:prstGeom>
+          <a:noFill/>
+          <a:ln w="12700" cap="flat" cmpd="sng" algn="ctr">
+            <a:solidFill>
+              <a:schemeClr val="bg1"/>
+            </a:solidFill>
+            <a:prstDash val="solid"/>
+            <a:round/>
+            <a:headEnd type="none" w="med" len="med"/>
+            <a:tailEnd type="none" w="med" len="med"/>
+          </a:ln>
+          <a:effectLst/>
+        </p:spPr>
+        <p:txBody>
+          <a:bodyPr vert="horz" wrap="square" lIns="130032" tIns="78019" rIns="130032" bIns="65017" numCol="1" rtlCol="0" anchor="t" anchorCtr="0" compatLnSpc="1">
+            <a:prstTxWarp prst="textNoShape">
+              <a:avLst/>
+            </a:prstTxWarp>
+          </a:bodyPr>
+          <a:lstStyle/>
+          <a:p>
+            <a:pPr algn="ctr" defTabSz="1300326"/>
+            <a:r>
+              <a:rPr lang="en-US" sz="2800" i="1" dirty="0">
+                <a:solidFill>
+                  <a:schemeClr val="bg1"/>
+                </a:solidFill>
+                <a:latin typeface="Times New Roman" pitchFamily="18" charset="0"/>
+                <a:ea typeface="ヒラギノ明朝 ProN W3" charset="-128"/>
+                <a:cs typeface="Times New Roman" pitchFamily="18" charset="0"/>
+                <a:sym typeface="American Typewriter" charset="0"/>
+              </a:rPr>
+              <a:t>C</a:t>
+            </a:r>
+          </a:p>
+        </p:txBody>
+      </p:sp>
+      <p:cxnSp>
+        <p:nvCxnSpPr>
+          <p:cNvPr id="12" name="Straight Connector 11"/>
+          <p:cNvCxnSpPr>
+            <a:stCxn id="9" idx="6"/>
+            <a:endCxn id="10" idx="2"/>
+          </p:cNvCxnSpPr>
+          <p:nvPr/>
+        </p:nvCxnSpPr>
+        <p:spPr bwMode="auto">
+          <a:xfrm>
+            <a:off x="8320200" y="5862511"/>
+            <a:ext cx="819291" cy="0"/>
+          </a:xfrm>
+          <a:prstGeom prst="line">
+            <a:avLst/>
+          </a:prstGeom>
+          <a:blipFill dpi="0" rotWithShape="0">
+            <a:blip r:embed="rId2"/>
+            <a:srcRect/>
+            <a:tile tx="0" ty="0" sx="100000" sy="100000" flip="none" algn="tl"/>
+          </a:blipFill>
+          <a:ln w="12700" cap="flat" cmpd="sng" algn="ctr">
+            <a:solidFill>
+              <a:schemeClr val="bg1"/>
+            </a:solidFill>
+            <a:prstDash val="solid"/>
+            <a:round/>
+            <a:headEnd type="triangle" w="lg" len="lg"/>
+            <a:tailEnd type="triangle" w="lg" len="lg"/>
+          </a:ln>
+          <a:effectLst/>
+        </p:spPr>
+      </p:cxnSp>
+      <p:sp>
+        <p:nvSpPr>
+          <p:cNvPr id="13" name="Oval 12"/>
+          <p:cNvSpPr/>
+          <p:nvPr/>
+        </p:nvSpPr>
+        <p:spPr bwMode="auto">
+          <a:xfrm>
+            <a:off x="8302600" y="3796680"/>
+            <a:ext cx="819291" cy="819291"/>
+          </a:xfrm>
+          <a:prstGeom prst="ellipse">
+            <a:avLst/>
+          </a:prstGeom>
+          <a:noFill/>
+          <a:ln w="12700" cap="flat" cmpd="sng" algn="ctr">
+            <a:solidFill>
+              <a:schemeClr val="bg1"/>
+            </a:solidFill>
+            <a:prstDash val="dash"/>
+            <a:round/>
+            <a:headEnd type="none" w="med" len="med"/>
+            <a:tailEnd type="none" w="med" len="med"/>
+          </a:ln>
+          <a:effectLst/>
+        </p:spPr>
+        <p:txBody>
+          <a:bodyPr vert="horz" wrap="square" lIns="130032" tIns="78019" rIns="130032" bIns="65017" numCol="1" rtlCol="0" anchor="t" anchorCtr="0" compatLnSpc="1">
+            <a:prstTxWarp prst="textNoShape">
+              <a:avLst/>
+            </a:prstTxWarp>
+          </a:bodyPr>
+          <a:lstStyle/>
+          <a:p>
+            <a:pPr algn="ctr" defTabSz="1300326"/>
+            <a:r>
+              <a:rPr lang="en-US" sz="2800" i="1" dirty="0">
+                <a:solidFill>
+                  <a:schemeClr val="bg1"/>
+                </a:solidFill>
+                <a:latin typeface="Times New Roman" pitchFamily="18" charset="0"/>
+                <a:ea typeface="ヒラギノ明朝 ProN W3" charset="-128"/>
+                <a:cs typeface="Times New Roman" pitchFamily="18" charset="0"/>
+                <a:sym typeface="American Typewriter" charset="0"/>
+              </a:rPr>
+              <a:t>A</a:t>
+            </a:r>
           </a:p>
         </p:txBody>
       </p:sp>
@@ -14032,6 +10841,3545 @@
 </p:sld>
 </file>
 
+<file path=ppt/slides/slide14.xml><?xml version="1.0" encoding="utf-8"?>
+<p:sld xmlns:a="http://schemas.openxmlformats.org/drawingml/2006/main" xmlns:r="http://schemas.openxmlformats.org/officeDocument/2006/relationships" xmlns:p="http://schemas.openxmlformats.org/presentationml/2006/main">
+  <p:cSld>
+    <p:spTree>
+      <p:nvGrpSpPr>
+        <p:cNvPr id="1" name=""/>
+        <p:cNvGrpSpPr/>
+        <p:nvPr/>
+      </p:nvGrpSpPr>
+      <p:grpSpPr>
+        <a:xfrm>
+          <a:off x="0" y="0"/>
+          <a:ext cx="0" cy="0"/>
+          <a:chOff x="0" y="0"/>
+          <a:chExt cx="0" cy="0"/>
+        </a:xfrm>
+      </p:grpSpPr>
+      <p:sp>
+        <p:nvSpPr>
+          <p:cNvPr id="2" name="Title 1"/>
+          <p:cNvSpPr>
+            <a:spLocks noGrp="1"/>
+          </p:cNvSpPr>
+          <p:nvPr>
+            <p:ph type="title"/>
+          </p:nvPr>
+        </p:nvSpPr>
+        <p:spPr/>
+        <p:txBody>
+          <a:bodyPr/>
+          <a:lstStyle/>
+          <a:p>
+            <a:r>
+              <a:rPr lang="en-US" dirty="0" smtClean="0"/>
+              <a:t>Algorithm: Structure with PC</a:t>
+            </a:r>
+            <a:endParaRPr lang="en-US" dirty="0"/>
+          </a:p>
+        </p:txBody>
+      </p:sp>
+      <p:sp>
+        <p:nvSpPr>
+          <p:cNvPr id="3" name="Content Placeholder 2"/>
+          <p:cNvSpPr>
+            <a:spLocks noGrp="1"/>
+          </p:cNvSpPr>
+          <p:nvPr>
+            <p:ph idx="1"/>
+          </p:nvPr>
+        </p:nvSpPr>
+        <p:spPr>
+          <a:xfrm>
+            <a:off x="900113" y="2070100"/>
+            <a:ext cx="10786863" cy="6007100"/>
+          </a:xfrm>
+        </p:spPr>
+        <p:txBody>
+          <a:bodyPr/>
+          <a:lstStyle/>
+          <a:p>
+            <a:pPr marL="0" indent="0">
+              <a:buNone/>
+            </a:pPr>
+            <a:r>
+              <a:rPr lang="en-US" b="1" dirty="0" smtClean="0"/>
+              <a:t>STEP 1</a:t>
+            </a:r>
+          </a:p>
+          <a:p>
+            <a:pPr marL="0" indent="0">
+              <a:lnSpc>
+                <a:spcPct val="120000"/>
+              </a:lnSpc>
+              <a:buNone/>
+            </a:pPr>
+            <a:endParaRPr lang="en-US" b="1" dirty="0" smtClean="0"/>
+          </a:p>
+          <a:p>
+            <a:pPr>
+              <a:lnSpc>
+                <a:spcPct val="120000"/>
+              </a:lnSpc>
+            </a:pPr>
+            <a:r>
+              <a:rPr lang="en-US" dirty="0" smtClean="0"/>
+              <a:t>Take a two connected points X and Y</a:t>
+            </a:r>
+          </a:p>
+          <a:p>
+            <a:pPr>
+              <a:lnSpc>
+                <a:spcPct val="120000"/>
+              </a:lnSpc>
+            </a:pPr>
+            <a:r>
+              <a:rPr lang="en-US" dirty="0" smtClean="0"/>
+              <a:t>Test whether X and Y are statistically independent given any set S of other points</a:t>
+            </a:r>
+          </a:p>
+          <a:p>
+            <a:pPr>
+              <a:lnSpc>
+                <a:spcPct val="120000"/>
+              </a:lnSpc>
+            </a:pPr>
+            <a:r>
+              <a:rPr lang="en-US" dirty="0" smtClean="0"/>
+              <a:t>If so, remove the edge between X and Y. S is recorded as a separating set of {X, Y}</a:t>
+            </a:r>
+          </a:p>
+          <a:p>
+            <a:pPr lvl="1">
+              <a:lnSpc>
+                <a:spcPct val="120000"/>
+              </a:lnSpc>
+            </a:pPr>
+            <a:r>
+              <a:rPr lang="en-US" dirty="0" smtClean="0"/>
+              <a:t>“Standard” PC stops after finding one set.</a:t>
+            </a:r>
+          </a:p>
+          <a:p>
+            <a:pPr lvl="1">
+              <a:lnSpc>
+                <a:spcPct val="120000"/>
+              </a:lnSpc>
+            </a:pPr>
+            <a:r>
+              <a:rPr lang="en-US" dirty="0" smtClean="0"/>
+              <a:t>Our adjusted version tries to find multiple sets</a:t>
+            </a:r>
+          </a:p>
+          <a:p>
+            <a:pPr>
+              <a:lnSpc>
+                <a:spcPct val="120000"/>
+              </a:lnSpc>
+            </a:pPr>
+            <a:endParaRPr lang="en-US" dirty="0" smtClean="0"/>
+          </a:p>
+          <a:p>
+            <a:pPr>
+              <a:lnSpc>
+                <a:spcPct val="120000"/>
+              </a:lnSpc>
+            </a:pPr>
+            <a:r>
+              <a:rPr lang="en-US" dirty="0" smtClean="0"/>
+              <a:t>Repeat for all pairs and all sets…</a:t>
+            </a:r>
+          </a:p>
+        </p:txBody>
+      </p:sp>
+      <p:pic>
+        <p:nvPicPr>
+          <p:cNvPr id="1027" name="Picture 3"/>
+          <p:cNvPicPr>
+            <a:picLocks noChangeAspect="1" noChangeArrowheads="1"/>
+          </p:cNvPicPr>
+          <p:nvPr/>
+        </p:nvPicPr>
+        <p:blipFill>
+          <a:blip r:embed="rId2"/>
+          <a:srcRect/>
+          <a:stretch>
+            <a:fillRect/>
+          </a:stretch>
+        </p:blipFill>
+        <p:spPr bwMode="auto">
+          <a:xfrm>
+            <a:off x="8230592" y="5308848"/>
+            <a:ext cx="3384376" cy="2619545"/>
+          </a:xfrm>
+          <a:prstGeom prst="rect">
+            <a:avLst/>
+          </a:prstGeom>
+          <a:noFill/>
+          <a:ln w="9525">
+            <a:noFill/>
+            <a:miter lim="800000"/>
+            <a:headEnd/>
+            <a:tailEnd/>
+          </a:ln>
+        </p:spPr>
+      </p:pic>
+    </p:spTree>
+    <p:extLst>
+      <p:ext uri="{BB962C8B-B14F-4D97-AF65-F5344CB8AC3E}">
+        <p14:creationId xmlns:p14="http://schemas.microsoft.com/office/powerpoint/2010/main" val="2422461972"/>
+      </p:ext>
+    </p:extLst>
+  </p:cSld>
+  <p:clrMapOvr>
+    <a:masterClrMapping/>
+  </p:clrMapOvr>
+  <p:transition xmlns:p14="http://schemas.microsoft.com/office/powerpoint/2010/main"/>
+</p:sld>
+</file>
+
+<file path=ppt/slides/slide15.xml><?xml version="1.0" encoding="utf-8"?>
+<p:sld xmlns:a="http://schemas.openxmlformats.org/drawingml/2006/main" xmlns:r="http://schemas.openxmlformats.org/officeDocument/2006/relationships" xmlns:p="http://schemas.openxmlformats.org/presentationml/2006/main">
+  <p:cSld>
+    <p:spTree>
+      <p:nvGrpSpPr>
+        <p:cNvPr id="1" name=""/>
+        <p:cNvGrpSpPr/>
+        <p:nvPr/>
+      </p:nvGrpSpPr>
+      <p:grpSpPr>
+        <a:xfrm>
+          <a:off x="0" y="0"/>
+          <a:ext cx="0" cy="0"/>
+          <a:chOff x="0" y="0"/>
+          <a:chExt cx="0" cy="0"/>
+        </a:xfrm>
+      </p:grpSpPr>
+      <p:sp>
+        <p:nvSpPr>
+          <p:cNvPr id="2" name="Title 1"/>
+          <p:cNvSpPr>
+            <a:spLocks noGrp="1"/>
+          </p:cNvSpPr>
+          <p:nvPr>
+            <p:ph type="title"/>
+          </p:nvPr>
+        </p:nvSpPr>
+        <p:spPr/>
+        <p:txBody>
+          <a:bodyPr/>
+          <a:lstStyle/>
+          <a:p>
+            <a:r>
+              <a:rPr lang="en-US" dirty="0" smtClean="0"/>
+              <a:t>Algorithm: Structure with PC</a:t>
+            </a:r>
+            <a:endParaRPr lang="en-US" dirty="0"/>
+          </a:p>
+        </p:txBody>
+      </p:sp>
+      <p:sp>
+        <p:nvSpPr>
+          <p:cNvPr id="3" name="Content Placeholder 2"/>
+          <p:cNvSpPr>
+            <a:spLocks noGrp="1"/>
+          </p:cNvSpPr>
+          <p:nvPr>
+            <p:ph idx="1"/>
+          </p:nvPr>
+        </p:nvSpPr>
+        <p:spPr>
+          <a:xfrm>
+            <a:off x="900113" y="2070100"/>
+            <a:ext cx="10786863" cy="6007100"/>
+          </a:xfrm>
+        </p:spPr>
+        <p:txBody>
+          <a:bodyPr/>
+          <a:lstStyle/>
+          <a:p>
+            <a:pPr marL="0" indent="0">
+              <a:buNone/>
+            </a:pPr>
+            <a:r>
+              <a:rPr lang="en-US" b="1" dirty="0" smtClean="0"/>
+              <a:t>STEP 1</a:t>
+            </a:r>
+          </a:p>
+          <a:p>
+            <a:pPr marL="0" indent="0">
+              <a:lnSpc>
+                <a:spcPct val="120000"/>
+              </a:lnSpc>
+              <a:buNone/>
+            </a:pPr>
+            <a:endParaRPr lang="en-US" b="1" dirty="0" smtClean="0"/>
+          </a:p>
+          <a:p>
+            <a:pPr>
+              <a:lnSpc>
+                <a:spcPct val="120000"/>
+              </a:lnSpc>
+            </a:pPr>
+            <a:r>
+              <a:rPr lang="en-US" dirty="0" smtClean="0"/>
+              <a:t>Take a two connected points X and Y</a:t>
+            </a:r>
+          </a:p>
+          <a:p>
+            <a:pPr>
+              <a:lnSpc>
+                <a:spcPct val="120000"/>
+              </a:lnSpc>
+            </a:pPr>
+            <a:r>
+              <a:rPr lang="en-US" dirty="0" smtClean="0"/>
+              <a:t>Test whether X and Y are statistically independent given any set S of other points</a:t>
+            </a:r>
+          </a:p>
+          <a:p>
+            <a:pPr>
+              <a:lnSpc>
+                <a:spcPct val="120000"/>
+              </a:lnSpc>
+            </a:pPr>
+            <a:r>
+              <a:rPr lang="en-US" dirty="0" smtClean="0"/>
+              <a:t>If so, remove the edge between X and Y. S is recorded as a separating set of {X, Y}</a:t>
+            </a:r>
+          </a:p>
+          <a:p>
+            <a:pPr lvl="1">
+              <a:lnSpc>
+                <a:spcPct val="120000"/>
+              </a:lnSpc>
+            </a:pPr>
+            <a:r>
+              <a:rPr lang="en-US" dirty="0" smtClean="0"/>
+              <a:t>“Standard” PC stops after finding one set.</a:t>
+            </a:r>
+          </a:p>
+          <a:p>
+            <a:pPr lvl="1">
+              <a:lnSpc>
+                <a:spcPct val="120000"/>
+              </a:lnSpc>
+            </a:pPr>
+            <a:r>
+              <a:rPr lang="en-US" b="1" dirty="0" smtClean="0">
+                <a:solidFill>
+                  <a:srgbClr val="0089B9"/>
+                </a:solidFill>
+              </a:rPr>
+              <a:t>Our adjusted version tries to find multiple sets</a:t>
+            </a:r>
+          </a:p>
+          <a:p>
+            <a:pPr>
+              <a:lnSpc>
+                <a:spcPct val="120000"/>
+              </a:lnSpc>
+            </a:pPr>
+            <a:endParaRPr lang="en-US" dirty="0" smtClean="0"/>
+          </a:p>
+          <a:p>
+            <a:pPr>
+              <a:lnSpc>
+                <a:spcPct val="120000"/>
+              </a:lnSpc>
+            </a:pPr>
+            <a:r>
+              <a:rPr lang="en-US" dirty="0" smtClean="0"/>
+              <a:t>Repeat for all pairs and all sets…</a:t>
+            </a:r>
+          </a:p>
+        </p:txBody>
+      </p:sp>
+      <p:pic>
+        <p:nvPicPr>
+          <p:cNvPr id="1027" name="Picture 3"/>
+          <p:cNvPicPr>
+            <a:picLocks noChangeAspect="1" noChangeArrowheads="1"/>
+          </p:cNvPicPr>
+          <p:nvPr/>
+        </p:nvPicPr>
+        <p:blipFill>
+          <a:blip r:embed="rId2"/>
+          <a:srcRect/>
+          <a:stretch>
+            <a:fillRect/>
+          </a:stretch>
+        </p:blipFill>
+        <p:spPr bwMode="auto">
+          <a:xfrm>
+            <a:off x="8230592" y="5308848"/>
+            <a:ext cx="3384376" cy="2619545"/>
+          </a:xfrm>
+          <a:prstGeom prst="rect">
+            <a:avLst/>
+          </a:prstGeom>
+          <a:noFill/>
+          <a:ln w="9525">
+            <a:noFill/>
+            <a:miter lim="800000"/>
+            <a:headEnd/>
+            <a:tailEnd/>
+          </a:ln>
+        </p:spPr>
+      </p:pic>
+      <p:cxnSp>
+        <p:nvCxnSpPr>
+          <p:cNvPr id="5" name="Straight Connector 4"/>
+          <p:cNvCxnSpPr/>
+          <p:nvPr/>
+        </p:nvCxnSpPr>
+        <p:spPr bwMode="auto">
+          <a:xfrm flipH="1" flipV="1">
+            <a:off x="8734648" y="7253064"/>
+            <a:ext cx="2304256" cy="144016"/>
+          </a:xfrm>
+          <a:prstGeom prst="line">
+            <a:avLst/>
+          </a:prstGeom>
+          <a:blipFill dpi="0" rotWithShape="0">
+            <a:blip r:embed="rId3"/>
+            <a:srcRect/>
+            <a:tile tx="0" ty="0" sx="100000" sy="100000" flip="none" algn="tl"/>
+          </a:blipFill>
+          <a:ln w="50800" cap="flat" cmpd="sng" algn="ctr">
+            <a:solidFill>
+              <a:srgbClr val="FF0000"/>
+            </a:solidFill>
+            <a:prstDash val="solid"/>
+            <a:round/>
+            <a:headEnd type="none" w="med" len="med"/>
+            <a:tailEnd type="none" w="med" len="med"/>
+          </a:ln>
+          <a:effectLst/>
+        </p:spPr>
+      </p:cxnSp>
+      <p:cxnSp>
+        <p:nvCxnSpPr>
+          <p:cNvPr id="6" name="Straight Connector 5"/>
+          <p:cNvCxnSpPr/>
+          <p:nvPr/>
+        </p:nvCxnSpPr>
+        <p:spPr bwMode="auto">
+          <a:xfrm flipV="1">
+            <a:off x="9670752" y="7181056"/>
+            <a:ext cx="504056" cy="432048"/>
+          </a:xfrm>
+          <a:prstGeom prst="line">
+            <a:avLst/>
+          </a:prstGeom>
+          <a:blipFill dpi="0" rotWithShape="0">
+            <a:blip r:embed="rId3"/>
+            <a:srcRect/>
+            <a:tile tx="0" ty="0" sx="100000" sy="100000" flip="none" algn="tl"/>
+          </a:blipFill>
+          <a:ln w="50800" cap="flat" cmpd="sng" algn="ctr">
+            <a:solidFill>
+              <a:srgbClr val="FF0000"/>
+            </a:solidFill>
+            <a:prstDash val="solid"/>
+            <a:round/>
+            <a:headEnd type="none" w="med" len="med"/>
+            <a:tailEnd type="none" w="med" len="med"/>
+          </a:ln>
+          <a:effectLst/>
+        </p:spPr>
+      </p:cxnSp>
+      <p:cxnSp>
+        <p:nvCxnSpPr>
+          <p:cNvPr id="7" name="Straight Connector 6"/>
+          <p:cNvCxnSpPr/>
+          <p:nvPr/>
+        </p:nvCxnSpPr>
+        <p:spPr bwMode="auto">
+          <a:xfrm flipH="1" flipV="1">
+            <a:off x="9742760" y="7181056"/>
+            <a:ext cx="360040" cy="432048"/>
+          </a:xfrm>
+          <a:prstGeom prst="line">
+            <a:avLst/>
+          </a:prstGeom>
+          <a:blipFill dpi="0" rotWithShape="0">
+            <a:blip r:embed="rId3"/>
+            <a:srcRect/>
+            <a:tile tx="0" ty="0" sx="100000" sy="100000" flip="none" algn="tl"/>
+          </a:blipFill>
+          <a:ln w="50800" cap="flat" cmpd="sng" algn="ctr">
+            <a:solidFill>
+              <a:srgbClr val="FF0000"/>
+            </a:solidFill>
+            <a:prstDash val="solid"/>
+            <a:round/>
+            <a:headEnd type="none" w="med" len="med"/>
+            <a:tailEnd type="none" w="med" len="med"/>
+          </a:ln>
+          <a:effectLst/>
+        </p:spPr>
+      </p:cxnSp>
+    </p:spTree>
+    <p:extLst>
+      <p:ext uri="{BB962C8B-B14F-4D97-AF65-F5344CB8AC3E}">
+        <p14:creationId xmlns:p14="http://schemas.microsoft.com/office/powerpoint/2010/main" val="1201880096"/>
+      </p:ext>
+    </p:extLst>
+  </p:cSld>
+  <p:clrMapOvr>
+    <a:masterClrMapping/>
+  </p:clrMapOvr>
+  <p:transition xmlns:p14="http://schemas.microsoft.com/office/powerpoint/2010/main"/>
+</p:sld>
+</file>
+
+<file path=ppt/slides/slide16.xml><?xml version="1.0" encoding="utf-8"?>
+<p:sld xmlns:a="http://schemas.openxmlformats.org/drawingml/2006/main" xmlns:r="http://schemas.openxmlformats.org/officeDocument/2006/relationships" xmlns:p="http://schemas.openxmlformats.org/presentationml/2006/main">
+  <p:cSld>
+    <p:spTree>
+      <p:nvGrpSpPr>
+        <p:cNvPr id="1" name=""/>
+        <p:cNvGrpSpPr/>
+        <p:nvPr/>
+      </p:nvGrpSpPr>
+      <p:grpSpPr>
+        <a:xfrm>
+          <a:off x="0" y="0"/>
+          <a:ext cx="0" cy="0"/>
+          <a:chOff x="0" y="0"/>
+          <a:chExt cx="0" cy="0"/>
+        </a:xfrm>
+      </p:grpSpPr>
+      <p:sp>
+        <p:nvSpPr>
+          <p:cNvPr id="2" name="Title 1"/>
+          <p:cNvSpPr>
+            <a:spLocks noGrp="1"/>
+          </p:cNvSpPr>
+          <p:nvPr>
+            <p:ph type="title"/>
+          </p:nvPr>
+        </p:nvSpPr>
+        <p:spPr/>
+        <p:txBody>
+          <a:bodyPr/>
+          <a:lstStyle/>
+          <a:p>
+            <a:r>
+              <a:rPr lang="en-US" dirty="0" smtClean="0"/>
+              <a:t>Algorithm: direction with PC</a:t>
+            </a:r>
+            <a:endParaRPr lang="en-US" dirty="0"/>
+          </a:p>
+        </p:txBody>
+      </p:sp>
+      <p:sp>
+        <p:nvSpPr>
+          <p:cNvPr id="3" name="Content Placeholder 2"/>
+          <p:cNvSpPr>
+            <a:spLocks noGrp="1"/>
+          </p:cNvSpPr>
+          <p:nvPr>
+            <p:ph idx="1"/>
+          </p:nvPr>
+        </p:nvSpPr>
+        <p:spPr/>
+        <p:txBody>
+          <a:bodyPr/>
+          <a:lstStyle/>
+          <a:p>
+            <a:pPr marL="0" indent="0">
+              <a:lnSpc>
+                <a:spcPct val="120000"/>
+              </a:lnSpc>
+              <a:buNone/>
+            </a:pPr>
+            <a:r>
+              <a:rPr lang="en-US" b="1" dirty="0" smtClean="0"/>
+              <a:t>STEP 2</a:t>
+            </a:r>
+          </a:p>
+          <a:p>
+            <a:pPr marL="0" indent="0">
+              <a:lnSpc>
+                <a:spcPct val="120000"/>
+              </a:lnSpc>
+              <a:buNone/>
+            </a:pPr>
+            <a:endParaRPr lang="en-US" b="1" dirty="0" smtClean="0"/>
+          </a:p>
+          <a:p>
+            <a:pPr>
+              <a:lnSpc>
+                <a:spcPct val="120000"/>
+              </a:lnSpc>
+            </a:pPr>
+            <a:r>
+              <a:rPr lang="en-US" dirty="0" smtClean="0"/>
+              <a:t>Using the structure from the previous step, find V-structures</a:t>
+            </a:r>
+          </a:p>
+          <a:p>
+            <a:pPr>
+              <a:lnSpc>
+                <a:spcPct val="120000"/>
+              </a:lnSpc>
+            </a:pPr>
+            <a:r>
+              <a:rPr lang="en-US" dirty="0" smtClean="0"/>
+              <a:t>Orient V-structures depending on the separating sets</a:t>
+            </a:r>
+          </a:p>
+          <a:p>
+            <a:pPr lvl="1">
+              <a:lnSpc>
+                <a:spcPct val="120000"/>
+              </a:lnSpc>
+            </a:pPr>
+            <a:r>
+              <a:rPr lang="en-US" b="1" smtClean="0">
+                <a:solidFill>
+                  <a:srgbClr val="0089B9"/>
+                </a:solidFill>
+              </a:rPr>
+              <a:t>Our version </a:t>
+            </a:r>
+            <a:r>
+              <a:rPr lang="en-US" b="1" dirty="0" smtClean="0">
+                <a:solidFill>
+                  <a:srgbClr val="0089B9"/>
+                </a:solidFill>
+              </a:rPr>
+              <a:t>explicitly tests for independence</a:t>
+            </a:r>
+          </a:p>
+          <a:p>
+            <a:pPr lvl="1">
+              <a:lnSpc>
+                <a:spcPct val="120000"/>
+              </a:lnSpc>
+            </a:pPr>
+            <a:endParaRPr lang="en-US" dirty="0" smtClean="0"/>
+          </a:p>
+          <a:p>
+            <a:pPr>
+              <a:lnSpc>
+                <a:spcPct val="120000"/>
+              </a:lnSpc>
+            </a:pPr>
+            <a:r>
+              <a:rPr lang="en-US" dirty="0" smtClean="0"/>
+              <a:t>Some other simple rules to orient edges</a:t>
+            </a:r>
+          </a:p>
+        </p:txBody>
+      </p:sp>
+    </p:spTree>
+    <p:extLst>
+      <p:ext uri="{BB962C8B-B14F-4D97-AF65-F5344CB8AC3E}">
+        <p14:creationId xmlns:p14="http://schemas.microsoft.com/office/powerpoint/2010/main" val="1476071578"/>
+      </p:ext>
+    </p:extLst>
+  </p:cSld>
+  <p:clrMapOvr>
+    <a:masterClrMapping/>
+  </p:clrMapOvr>
+  <p:transition xmlns:p14="http://schemas.microsoft.com/office/powerpoint/2010/main"/>
+</p:sld>
+</file>
+
+<file path=ppt/slides/slide17.xml><?xml version="1.0" encoding="utf-8"?>
+<p:sld xmlns:a="http://schemas.openxmlformats.org/drawingml/2006/main" xmlns:r="http://schemas.openxmlformats.org/officeDocument/2006/relationships" xmlns:p="http://schemas.openxmlformats.org/presentationml/2006/main">
+  <p:cSld>
+    <p:spTree>
+      <p:nvGrpSpPr>
+        <p:cNvPr id="1" name=""/>
+        <p:cNvGrpSpPr/>
+        <p:nvPr/>
+      </p:nvGrpSpPr>
+      <p:grpSpPr>
+        <a:xfrm>
+          <a:off x="0" y="0"/>
+          <a:ext cx="0" cy="0"/>
+          <a:chOff x="0" y="0"/>
+          <a:chExt cx="0" cy="0"/>
+        </a:xfrm>
+      </p:grpSpPr>
+      <p:sp>
+        <p:nvSpPr>
+          <p:cNvPr id="21505" name="Titel 3"/>
+          <p:cNvSpPr>
+            <a:spLocks noGrp="1"/>
+          </p:cNvSpPr>
+          <p:nvPr>
+            <p:ph type="title"/>
+          </p:nvPr>
+        </p:nvSpPr>
+        <p:spPr/>
+        <p:txBody>
+          <a:bodyPr/>
+          <a:lstStyle/>
+          <a:p>
+            <a:r>
+              <a:rPr lang="nl-NL" dirty="0" err="1" smtClean="0">
+                <a:latin typeface="Arial" pitchFamily="34" charset="0"/>
+                <a:ea typeface="ＭＳ Ｐゴシック"/>
+                <a:cs typeface="Arial" pitchFamily="34" charset="0"/>
+              </a:rPr>
+              <a:t>Experimental</a:t>
+            </a:r>
+            <a:r>
+              <a:rPr lang="nl-NL" dirty="0" smtClean="0">
+                <a:latin typeface="Arial" pitchFamily="34" charset="0"/>
+                <a:ea typeface="ＭＳ Ｐゴシック"/>
+                <a:cs typeface="Arial" pitchFamily="34" charset="0"/>
+              </a:rPr>
+              <a:t> Data</a:t>
+            </a:r>
+            <a:endParaRPr lang="nl-NL" dirty="0" smtClean="0">
+              <a:latin typeface="Arial" pitchFamily="34" charset="0"/>
+              <a:ea typeface="ＭＳ Ｐゴシック"/>
+              <a:cs typeface="Arial" pitchFamily="34" charset="0"/>
+            </a:endParaRPr>
+          </a:p>
+        </p:txBody>
+      </p:sp>
+      <p:sp>
+        <p:nvSpPr>
+          <p:cNvPr id="4" name="Content Placeholder 3"/>
+          <p:cNvSpPr>
+            <a:spLocks noGrp="1"/>
+          </p:cNvSpPr>
+          <p:nvPr>
+            <p:ph idx="1"/>
+          </p:nvPr>
+        </p:nvSpPr>
+        <p:spPr/>
+        <p:txBody>
+          <a:bodyPr/>
+          <a:lstStyle/>
+          <a:p>
+            <a:pPr marL="514350" lvl="1" indent="-514350">
+              <a:buFont typeface="Arial" pitchFamily="34" charset="0"/>
+              <a:buChar char="•"/>
+            </a:pPr>
+            <a:r>
+              <a:rPr lang="en-US" dirty="0" smtClean="0"/>
+              <a:t>fMRI </a:t>
+            </a:r>
+            <a:r>
+              <a:rPr lang="en-US" dirty="0" smtClean="0"/>
+              <a:t>resting-state measurements </a:t>
+            </a:r>
+            <a:r>
+              <a:rPr lang="en-US" dirty="0" smtClean="0"/>
+              <a:t>of six subjects</a:t>
+            </a:r>
+          </a:p>
+          <a:p>
+            <a:pPr marL="514350" lvl="1" indent="-514350">
+              <a:buFont typeface="Arial" pitchFamily="34" charset="0"/>
+              <a:buChar char="•"/>
+            </a:pPr>
+            <a:r>
+              <a:rPr lang="en-US" dirty="0" smtClean="0"/>
+              <a:t>Activity of the brain</a:t>
+            </a:r>
+          </a:p>
+          <a:p>
+            <a:pPr marL="514350" lvl="2" indent="-514350">
+              <a:buFont typeface="Arial" pitchFamily="34" charset="0"/>
+              <a:buChar char="•"/>
+            </a:pPr>
+            <a:r>
+              <a:rPr lang="en-US" dirty="0" smtClean="0"/>
+              <a:t>For 116 brain regions and 1029 time frames</a:t>
+            </a:r>
+          </a:p>
+        </p:txBody>
+      </p:sp>
+      <p:pic>
+        <p:nvPicPr>
+          <p:cNvPr id="5" name="Picture 4" descr="fmri-brains.jpg"/>
+          <p:cNvPicPr>
+            <a:picLocks noChangeAspect="1"/>
+          </p:cNvPicPr>
+          <p:nvPr/>
+        </p:nvPicPr>
+        <p:blipFill>
+          <a:blip r:embed="rId3">
+            <a:extLst>
+              <a:ext uri="{28A0092B-C50C-407E-A947-70E740481C1C}">
+                <a14:useLocalDpi xmlns:a14="http://schemas.microsoft.com/office/drawing/2010/main" val="0"/>
+              </a:ext>
+            </a:extLst>
+          </a:blip>
+          <a:stretch>
+            <a:fillRect/>
+          </a:stretch>
+        </p:blipFill>
+        <p:spPr>
+          <a:xfrm>
+            <a:off x="3838104" y="3940696"/>
+            <a:ext cx="4951962" cy="3384376"/>
+          </a:xfrm>
+          <a:prstGeom prst="rect">
+            <a:avLst/>
+          </a:prstGeom>
+        </p:spPr>
+      </p:pic>
+    </p:spTree>
+    <p:extLst>
+      <p:ext uri="{BB962C8B-B14F-4D97-AF65-F5344CB8AC3E}">
+        <p14:creationId xmlns:p14="http://schemas.microsoft.com/office/powerpoint/2010/main" val="740688933"/>
+      </p:ext>
+    </p:extLst>
+  </p:cSld>
+  <p:clrMapOvr>
+    <a:masterClrMapping/>
+  </p:clrMapOvr>
+  <p:transition xmlns:p14="http://schemas.microsoft.com/office/powerpoint/2010/main"/>
+  <p:timing>
+    <p:tnLst>
+      <p:par>
+        <p:cTn xmlns:p14="http://schemas.microsoft.com/office/powerpoint/2010/main" id="1" dur="indefinite" restart="never" nodeType="tmRoot"/>
+      </p:par>
+    </p:tnLst>
+  </p:timing>
+</p:sld>
+</file>
+
+<file path=ppt/slides/slide18.xml><?xml version="1.0" encoding="utf-8"?>
+<p:sld xmlns:a="http://schemas.openxmlformats.org/drawingml/2006/main" xmlns:r="http://schemas.openxmlformats.org/officeDocument/2006/relationships" xmlns:p="http://schemas.openxmlformats.org/presentationml/2006/main">
+  <p:cSld>
+    <p:spTree>
+      <p:nvGrpSpPr>
+        <p:cNvPr id="1" name=""/>
+        <p:cNvGrpSpPr/>
+        <p:nvPr/>
+      </p:nvGrpSpPr>
+      <p:grpSpPr>
+        <a:xfrm>
+          <a:off x="0" y="0"/>
+          <a:ext cx="0" cy="0"/>
+          <a:chOff x="0" y="0"/>
+          <a:chExt cx="0" cy="0"/>
+        </a:xfrm>
+      </p:grpSpPr>
+      <p:sp>
+        <p:nvSpPr>
+          <p:cNvPr id="2" name="Title 1"/>
+          <p:cNvSpPr>
+            <a:spLocks noGrp="1"/>
+          </p:cNvSpPr>
+          <p:nvPr>
+            <p:ph type="title"/>
+          </p:nvPr>
+        </p:nvSpPr>
+        <p:spPr>
+          <a:xfrm>
+            <a:off x="900113" y="990600"/>
+            <a:ext cx="11049000" cy="717848"/>
+          </a:xfrm>
+        </p:spPr>
+        <p:txBody>
+          <a:bodyPr/>
+          <a:lstStyle/>
+          <a:p>
+            <a:r>
+              <a:rPr lang="en-US" dirty="0" smtClean="0"/>
+              <a:t>Structure</a:t>
+            </a:r>
+            <a:endParaRPr lang="en-US" dirty="0"/>
+          </a:p>
+        </p:txBody>
+      </p:sp>
+      <p:pic>
+        <p:nvPicPr>
+          <p:cNvPr id="1028" name="Picture 4"/>
+          <p:cNvPicPr>
+            <a:picLocks noChangeAspect="1" noChangeArrowheads="1"/>
+          </p:cNvPicPr>
+          <p:nvPr/>
+        </p:nvPicPr>
+        <p:blipFill>
+          <a:blip r:embed="rId2"/>
+          <a:srcRect/>
+          <a:stretch>
+            <a:fillRect/>
+          </a:stretch>
+        </p:blipFill>
+        <p:spPr bwMode="auto">
+          <a:xfrm>
+            <a:off x="5710312" y="2284512"/>
+            <a:ext cx="6048672" cy="5886249"/>
+          </a:xfrm>
+          <a:prstGeom prst="rect">
+            <a:avLst/>
+          </a:prstGeom>
+          <a:noFill/>
+          <a:ln w="9525">
+            <a:noFill/>
+            <a:miter lim="800000"/>
+            <a:headEnd/>
+            <a:tailEnd/>
+          </a:ln>
+        </p:spPr>
+      </p:pic>
+      <p:sp>
+        <p:nvSpPr>
+          <p:cNvPr id="31" name="Left Brace 30"/>
+          <p:cNvSpPr/>
+          <p:nvPr/>
+        </p:nvSpPr>
+        <p:spPr bwMode="auto">
+          <a:xfrm>
+            <a:off x="5206256" y="2356520"/>
+            <a:ext cx="360040" cy="2088232"/>
+          </a:xfrm>
+          <a:prstGeom prst="leftBrace">
+            <a:avLst/>
+          </a:prstGeom>
+          <a:noFill/>
+          <a:ln w="12700" cap="flat" cmpd="sng" algn="ctr">
+            <a:solidFill>
+              <a:schemeClr val="bg1"/>
+            </a:solidFill>
+            <a:prstDash val="solid"/>
+            <a:round/>
+            <a:headEnd type="none" w="med" len="med"/>
+            <a:tailEnd type="none" w="med" len="med"/>
+          </a:ln>
+          <a:effectLst/>
+        </p:spPr>
+        <p:txBody>
+          <a:bodyPr vert="horz" wrap="square" lIns="91440" tIns="45720" rIns="91440" bIns="45720" numCol="1" rtlCol="0" anchor="t" anchorCtr="0" compatLnSpc="1">
+            <a:prstTxWarp prst="textNoShape">
+              <a:avLst/>
+            </a:prstTxWarp>
+          </a:bodyPr>
+          <a:lstStyle/>
+          <a:p>
+            <a:pPr marL="0" marR="0" indent="0" algn="ctr" defTabSz="914400" rtl="0" eaLnBrk="1" fontAlgn="base" latinLnBrk="0" hangingPunct="1">
+              <a:lnSpc>
+                <a:spcPct val="100000"/>
+              </a:lnSpc>
+              <a:spcBef>
+                <a:spcPct val="0"/>
+              </a:spcBef>
+              <a:spcAft>
+                <a:spcPct val="0"/>
+              </a:spcAft>
+              <a:buClrTx/>
+              <a:buSzTx/>
+              <a:buFontTx/>
+              <a:buNone/>
+              <a:tabLst/>
+            </a:pPr>
+            <a:endParaRPr kumimoji="0" lang="en-US" sz="4000" b="0" i="0" u="none" strike="noStrike" cap="none" normalizeH="0" baseline="0">
+              <a:ln>
+                <a:noFill/>
+              </a:ln>
+              <a:solidFill>
+                <a:srgbClr val="FFFFFF"/>
+              </a:solidFill>
+              <a:effectLst/>
+              <a:latin typeface="American Typewriter" charset="0"/>
+              <a:ea typeface="ヒラギノ明朝 ProN W3" charset="-128"/>
+              <a:cs typeface="ヒラギノ明朝 ProN W3" charset="-128"/>
+              <a:sym typeface="American Typewriter" charset="0"/>
+            </a:endParaRPr>
+          </a:p>
+        </p:txBody>
+      </p:sp>
+      <p:sp>
+        <p:nvSpPr>
+          <p:cNvPr id="33" name="TextBox 32"/>
+          <p:cNvSpPr txBox="1"/>
+          <p:nvPr/>
+        </p:nvSpPr>
+        <p:spPr>
+          <a:xfrm>
+            <a:off x="3046016" y="3220616"/>
+            <a:ext cx="2021707" cy="400110"/>
+          </a:xfrm>
+          <a:prstGeom prst="rect">
+            <a:avLst/>
+          </a:prstGeom>
+          <a:noFill/>
+        </p:spPr>
+        <p:txBody>
+          <a:bodyPr wrap="none" rtlCol="0">
+            <a:spAutoFit/>
+          </a:bodyPr>
+          <a:lstStyle/>
+          <a:p>
+            <a:r>
+              <a:rPr lang="en-US" sz="2000" dirty="0" smtClean="0">
+                <a:solidFill>
+                  <a:srgbClr val="141313"/>
+                </a:solidFill>
+                <a:latin typeface="+mn-lt"/>
+                <a:ea typeface="ＭＳ Ｐゴシック" charset="-128"/>
+                <a:cs typeface="Arial"/>
+                <a:sym typeface="Kievit-Book"/>
+              </a:rPr>
+              <a:t>Left hemisphere</a:t>
+            </a:r>
+          </a:p>
+        </p:txBody>
+      </p:sp>
+      <p:pic>
+        <p:nvPicPr>
+          <p:cNvPr id="1029" name="Picture 5"/>
+          <p:cNvPicPr>
+            <a:picLocks noChangeAspect="1" noChangeArrowheads="1"/>
+          </p:cNvPicPr>
+          <p:nvPr/>
+        </p:nvPicPr>
+        <p:blipFill>
+          <a:blip r:embed="rId3"/>
+          <a:srcRect/>
+          <a:stretch>
+            <a:fillRect/>
+          </a:stretch>
+        </p:blipFill>
+        <p:spPr bwMode="auto">
+          <a:xfrm>
+            <a:off x="741760" y="4588768"/>
+            <a:ext cx="2057400" cy="1819275"/>
+          </a:xfrm>
+          <a:prstGeom prst="rect">
+            <a:avLst/>
+          </a:prstGeom>
+          <a:noFill/>
+          <a:ln w="9525">
+            <a:noFill/>
+            <a:miter lim="800000"/>
+            <a:headEnd/>
+            <a:tailEnd/>
+          </a:ln>
+        </p:spPr>
+      </p:pic>
+      <p:sp>
+        <p:nvSpPr>
+          <p:cNvPr id="35" name="Left Brace 34"/>
+          <p:cNvSpPr/>
+          <p:nvPr/>
+        </p:nvSpPr>
+        <p:spPr bwMode="auto">
+          <a:xfrm>
+            <a:off x="5206256" y="4444752"/>
+            <a:ext cx="360040" cy="2160240"/>
+          </a:xfrm>
+          <a:prstGeom prst="leftBrace">
+            <a:avLst/>
+          </a:prstGeom>
+          <a:noFill/>
+          <a:ln w="12700" cap="flat" cmpd="sng" algn="ctr">
+            <a:solidFill>
+              <a:schemeClr val="bg1"/>
+            </a:solidFill>
+            <a:prstDash val="solid"/>
+            <a:round/>
+            <a:headEnd type="none" w="med" len="med"/>
+            <a:tailEnd type="none" w="med" len="med"/>
+          </a:ln>
+          <a:effectLst/>
+        </p:spPr>
+        <p:txBody>
+          <a:bodyPr vert="horz" wrap="square" lIns="91440" tIns="45720" rIns="91440" bIns="45720" numCol="1" rtlCol="0" anchor="t" anchorCtr="0" compatLnSpc="1">
+            <a:prstTxWarp prst="textNoShape">
+              <a:avLst/>
+            </a:prstTxWarp>
+          </a:bodyPr>
+          <a:lstStyle/>
+          <a:p>
+            <a:pPr marL="0" marR="0" indent="0" algn="ctr" defTabSz="914400" rtl="0" eaLnBrk="1" fontAlgn="base" latinLnBrk="0" hangingPunct="1">
+              <a:lnSpc>
+                <a:spcPct val="100000"/>
+              </a:lnSpc>
+              <a:spcBef>
+                <a:spcPct val="0"/>
+              </a:spcBef>
+              <a:spcAft>
+                <a:spcPct val="0"/>
+              </a:spcAft>
+              <a:buClrTx/>
+              <a:buSzTx/>
+              <a:buFontTx/>
+              <a:buNone/>
+              <a:tabLst/>
+            </a:pPr>
+            <a:endParaRPr kumimoji="0" lang="en-US" sz="4000" b="0" i="0" u="none" strike="noStrike" cap="none" normalizeH="0" baseline="0">
+              <a:ln>
+                <a:noFill/>
+              </a:ln>
+              <a:solidFill>
+                <a:srgbClr val="FFFFFF"/>
+              </a:solidFill>
+              <a:effectLst/>
+              <a:latin typeface="American Typewriter" charset="0"/>
+              <a:ea typeface="ヒラギノ明朝 ProN W3" charset="-128"/>
+              <a:cs typeface="ヒラギノ明朝 ProN W3" charset="-128"/>
+              <a:sym typeface="American Typewriter" charset="0"/>
+            </a:endParaRPr>
+          </a:p>
+        </p:txBody>
+      </p:sp>
+      <p:sp>
+        <p:nvSpPr>
+          <p:cNvPr id="36" name="Left Brace 35"/>
+          <p:cNvSpPr/>
+          <p:nvPr/>
+        </p:nvSpPr>
+        <p:spPr bwMode="auto">
+          <a:xfrm>
+            <a:off x="5206256" y="6604992"/>
+            <a:ext cx="360040" cy="1296144"/>
+          </a:xfrm>
+          <a:prstGeom prst="leftBrace">
+            <a:avLst/>
+          </a:prstGeom>
+          <a:noFill/>
+          <a:ln w="12700" cap="flat" cmpd="sng" algn="ctr">
+            <a:solidFill>
+              <a:schemeClr val="bg1"/>
+            </a:solidFill>
+            <a:prstDash val="solid"/>
+            <a:round/>
+            <a:headEnd type="none" w="med" len="med"/>
+            <a:tailEnd type="none" w="med" len="med"/>
+          </a:ln>
+          <a:effectLst/>
+        </p:spPr>
+        <p:txBody>
+          <a:bodyPr vert="horz" wrap="square" lIns="91440" tIns="45720" rIns="91440" bIns="45720" numCol="1" rtlCol="0" anchor="t" anchorCtr="0" compatLnSpc="1">
+            <a:prstTxWarp prst="textNoShape">
+              <a:avLst/>
+            </a:prstTxWarp>
+          </a:bodyPr>
+          <a:lstStyle/>
+          <a:p>
+            <a:pPr marL="0" marR="0" indent="0" algn="ctr" defTabSz="914400" rtl="0" eaLnBrk="1" fontAlgn="base" latinLnBrk="0" hangingPunct="1">
+              <a:lnSpc>
+                <a:spcPct val="100000"/>
+              </a:lnSpc>
+              <a:spcBef>
+                <a:spcPct val="0"/>
+              </a:spcBef>
+              <a:spcAft>
+                <a:spcPct val="0"/>
+              </a:spcAft>
+              <a:buClrTx/>
+              <a:buSzTx/>
+              <a:buFontTx/>
+              <a:buNone/>
+              <a:tabLst/>
+            </a:pPr>
+            <a:endParaRPr kumimoji="0" lang="en-US" sz="4000" b="0" i="0" u="none" strike="noStrike" cap="none" normalizeH="0" baseline="0">
+              <a:ln>
+                <a:noFill/>
+              </a:ln>
+              <a:solidFill>
+                <a:srgbClr val="FFFFFF"/>
+              </a:solidFill>
+              <a:effectLst/>
+              <a:latin typeface="American Typewriter" charset="0"/>
+              <a:ea typeface="ヒラギノ明朝 ProN W3" charset="-128"/>
+              <a:cs typeface="ヒラギノ明朝 ProN W3" charset="-128"/>
+              <a:sym typeface="American Typewriter" charset="0"/>
+            </a:endParaRPr>
+          </a:p>
+        </p:txBody>
+      </p:sp>
+      <p:sp>
+        <p:nvSpPr>
+          <p:cNvPr id="37" name="TextBox 36"/>
+          <p:cNvSpPr txBox="1"/>
+          <p:nvPr/>
+        </p:nvSpPr>
+        <p:spPr>
+          <a:xfrm>
+            <a:off x="3046016" y="5308848"/>
+            <a:ext cx="2194832" cy="400110"/>
+          </a:xfrm>
+          <a:prstGeom prst="rect">
+            <a:avLst/>
+          </a:prstGeom>
+          <a:noFill/>
+        </p:spPr>
+        <p:txBody>
+          <a:bodyPr wrap="none" rtlCol="0">
+            <a:spAutoFit/>
+          </a:bodyPr>
+          <a:lstStyle/>
+          <a:p>
+            <a:r>
+              <a:rPr lang="en-US" sz="2000" dirty="0" smtClean="0">
+                <a:solidFill>
+                  <a:srgbClr val="141313"/>
+                </a:solidFill>
+                <a:latin typeface="+mn-lt"/>
+                <a:ea typeface="ＭＳ Ｐゴシック" charset="-128"/>
+                <a:cs typeface="Arial"/>
+                <a:sym typeface="Kievit-Book"/>
+              </a:rPr>
+              <a:t>Right hemisphere</a:t>
+            </a:r>
+          </a:p>
+        </p:txBody>
+      </p:sp>
+      <p:sp>
+        <p:nvSpPr>
+          <p:cNvPr id="38" name="TextBox 37"/>
+          <p:cNvSpPr txBox="1"/>
+          <p:nvPr/>
+        </p:nvSpPr>
+        <p:spPr>
+          <a:xfrm>
+            <a:off x="3622080" y="7037040"/>
+            <a:ext cx="1497526" cy="400110"/>
+          </a:xfrm>
+          <a:prstGeom prst="rect">
+            <a:avLst/>
+          </a:prstGeom>
+          <a:noFill/>
+        </p:spPr>
+        <p:txBody>
+          <a:bodyPr wrap="none" rtlCol="0">
+            <a:spAutoFit/>
+          </a:bodyPr>
+          <a:lstStyle/>
+          <a:p>
+            <a:r>
+              <a:rPr lang="en-US" sz="2000" dirty="0" smtClean="0">
+                <a:solidFill>
+                  <a:srgbClr val="141313"/>
+                </a:solidFill>
+                <a:latin typeface="+mn-lt"/>
+                <a:ea typeface="ＭＳ Ｐゴシック" charset="-128"/>
+                <a:cs typeface="Arial"/>
+                <a:sym typeface="Kievit-Book"/>
+              </a:rPr>
+              <a:t>Cerebellum</a:t>
+            </a:r>
+          </a:p>
+        </p:txBody>
+      </p:sp>
+      <p:cxnSp>
+        <p:nvCxnSpPr>
+          <p:cNvPr id="40" name="Straight Connector 39"/>
+          <p:cNvCxnSpPr/>
+          <p:nvPr/>
+        </p:nvCxnSpPr>
+        <p:spPr bwMode="auto">
+          <a:xfrm flipH="1" flipV="1">
+            <a:off x="2469952" y="6244952"/>
+            <a:ext cx="1152128" cy="864096"/>
+          </a:xfrm>
+          <a:prstGeom prst="line">
+            <a:avLst/>
+          </a:prstGeom>
+          <a:blipFill dpi="0" rotWithShape="0">
+            <a:blip r:embed="rId4"/>
+            <a:srcRect/>
+            <a:tile tx="0" ty="0" sx="100000" sy="100000" flip="none" algn="tl"/>
+          </a:blipFill>
+          <a:ln w="12700" cap="flat" cmpd="sng" algn="ctr">
+            <a:solidFill>
+              <a:schemeClr val="bg1"/>
+            </a:solidFill>
+            <a:prstDash val="solid"/>
+            <a:round/>
+            <a:headEnd type="none" w="med" len="med"/>
+            <a:tailEnd type="none" w="med" len="med"/>
+          </a:ln>
+          <a:effectLst/>
+        </p:spPr>
+      </p:cxnSp>
+      <p:cxnSp>
+        <p:nvCxnSpPr>
+          <p:cNvPr id="42" name="Straight Connector 41"/>
+          <p:cNvCxnSpPr/>
+          <p:nvPr/>
+        </p:nvCxnSpPr>
+        <p:spPr bwMode="auto">
+          <a:xfrm flipH="1">
+            <a:off x="2685976" y="3580656"/>
+            <a:ext cx="432048" cy="1440160"/>
+          </a:xfrm>
+          <a:prstGeom prst="line">
+            <a:avLst/>
+          </a:prstGeom>
+          <a:blipFill dpi="0" rotWithShape="0">
+            <a:blip r:embed="rId4"/>
+            <a:srcRect/>
+            <a:tile tx="0" ty="0" sx="100000" sy="100000" flip="none" algn="tl"/>
+          </a:blipFill>
+          <a:ln w="12700" cap="flat" cmpd="sng" algn="ctr">
+            <a:solidFill>
+              <a:schemeClr val="bg1"/>
+            </a:solidFill>
+            <a:prstDash val="solid"/>
+            <a:round/>
+            <a:headEnd type="none" w="med" len="med"/>
+            <a:tailEnd type="none" w="med" len="med"/>
+          </a:ln>
+          <a:effectLst/>
+        </p:spPr>
+      </p:cxnSp>
+      <p:cxnSp>
+        <p:nvCxnSpPr>
+          <p:cNvPr id="45" name="Straight Connector 44"/>
+          <p:cNvCxnSpPr>
+            <a:stCxn id="37" idx="1"/>
+          </p:cNvCxnSpPr>
+          <p:nvPr/>
+        </p:nvCxnSpPr>
+        <p:spPr bwMode="auto">
+          <a:xfrm flipH="1" flipV="1">
+            <a:off x="2685976" y="5020816"/>
+            <a:ext cx="360040" cy="488087"/>
+          </a:xfrm>
+          <a:prstGeom prst="line">
+            <a:avLst/>
+          </a:prstGeom>
+          <a:blipFill dpi="0" rotWithShape="0">
+            <a:blip r:embed="rId4"/>
+            <a:srcRect/>
+            <a:tile tx="0" ty="0" sx="100000" sy="100000" flip="none" algn="tl"/>
+          </a:blipFill>
+          <a:ln w="12700" cap="flat" cmpd="sng" algn="ctr">
+            <a:solidFill>
+              <a:schemeClr val="bg1"/>
+            </a:solidFill>
+            <a:prstDash val="solid"/>
+            <a:round/>
+            <a:headEnd type="none" w="med" len="med"/>
+            <a:tailEnd type="none" w="med" len="med"/>
+          </a:ln>
+          <a:effectLst/>
+        </p:spPr>
+      </p:cxnSp>
+      <p:sp>
+        <p:nvSpPr>
+          <p:cNvPr id="51" name="Left Brace 50"/>
+          <p:cNvSpPr/>
+          <p:nvPr/>
+        </p:nvSpPr>
+        <p:spPr bwMode="auto">
+          <a:xfrm rot="5400000">
+            <a:off x="7006456" y="916360"/>
+            <a:ext cx="360040" cy="2088232"/>
+          </a:xfrm>
+          <a:prstGeom prst="leftBrace">
+            <a:avLst/>
+          </a:prstGeom>
+          <a:noFill/>
+          <a:ln w="12700" cap="flat" cmpd="sng" algn="ctr">
+            <a:solidFill>
+              <a:schemeClr val="bg1"/>
+            </a:solidFill>
+            <a:prstDash val="solid"/>
+            <a:round/>
+            <a:headEnd type="none" w="med" len="med"/>
+            <a:tailEnd type="none" w="med" len="med"/>
+          </a:ln>
+          <a:effectLst/>
+        </p:spPr>
+        <p:txBody>
+          <a:bodyPr vert="horz" wrap="square" lIns="91440" tIns="45720" rIns="91440" bIns="45720" numCol="1" rtlCol="0" anchor="t" anchorCtr="0" compatLnSpc="1">
+            <a:prstTxWarp prst="textNoShape">
+              <a:avLst/>
+            </a:prstTxWarp>
+          </a:bodyPr>
+          <a:lstStyle/>
+          <a:p>
+            <a:pPr marL="0" marR="0" indent="0" algn="ctr" defTabSz="914400" rtl="0" eaLnBrk="1" fontAlgn="base" latinLnBrk="0" hangingPunct="1">
+              <a:lnSpc>
+                <a:spcPct val="100000"/>
+              </a:lnSpc>
+              <a:spcBef>
+                <a:spcPct val="0"/>
+              </a:spcBef>
+              <a:spcAft>
+                <a:spcPct val="0"/>
+              </a:spcAft>
+              <a:buClrTx/>
+              <a:buSzTx/>
+              <a:buFontTx/>
+              <a:buNone/>
+              <a:tabLst/>
+            </a:pPr>
+            <a:endParaRPr kumimoji="0" lang="en-US" sz="4000" b="0" i="0" u="none" strike="noStrike" cap="none" normalizeH="0" baseline="0">
+              <a:ln>
+                <a:noFill/>
+              </a:ln>
+              <a:solidFill>
+                <a:srgbClr val="FFFFFF"/>
+              </a:solidFill>
+              <a:effectLst/>
+              <a:latin typeface="American Typewriter" charset="0"/>
+              <a:ea typeface="ヒラギノ明朝 ProN W3" charset="-128"/>
+              <a:cs typeface="ヒラギノ明朝 ProN W3" charset="-128"/>
+              <a:sym typeface="American Typewriter" charset="0"/>
+            </a:endParaRPr>
+          </a:p>
+        </p:txBody>
+      </p:sp>
+      <p:sp>
+        <p:nvSpPr>
+          <p:cNvPr id="55" name="Left Brace 54"/>
+          <p:cNvSpPr/>
+          <p:nvPr/>
+        </p:nvSpPr>
+        <p:spPr bwMode="auto">
+          <a:xfrm rot="5400000">
+            <a:off x="9130692" y="880356"/>
+            <a:ext cx="360040" cy="2160240"/>
+          </a:xfrm>
+          <a:prstGeom prst="leftBrace">
+            <a:avLst/>
+          </a:prstGeom>
+          <a:noFill/>
+          <a:ln w="12700" cap="flat" cmpd="sng" algn="ctr">
+            <a:solidFill>
+              <a:schemeClr val="bg1"/>
+            </a:solidFill>
+            <a:prstDash val="solid"/>
+            <a:round/>
+            <a:headEnd type="none" w="med" len="med"/>
+            <a:tailEnd type="none" w="med" len="med"/>
+          </a:ln>
+          <a:effectLst/>
+        </p:spPr>
+        <p:txBody>
+          <a:bodyPr vert="horz" wrap="square" lIns="91440" tIns="45720" rIns="91440" bIns="45720" numCol="1" rtlCol="0" anchor="t" anchorCtr="0" compatLnSpc="1">
+            <a:prstTxWarp prst="textNoShape">
+              <a:avLst/>
+            </a:prstTxWarp>
+          </a:bodyPr>
+          <a:lstStyle/>
+          <a:p>
+            <a:pPr marL="0" marR="0" indent="0" algn="ctr" defTabSz="914400" rtl="0" eaLnBrk="1" fontAlgn="base" latinLnBrk="0" hangingPunct="1">
+              <a:lnSpc>
+                <a:spcPct val="100000"/>
+              </a:lnSpc>
+              <a:spcBef>
+                <a:spcPct val="0"/>
+              </a:spcBef>
+              <a:spcAft>
+                <a:spcPct val="0"/>
+              </a:spcAft>
+              <a:buClrTx/>
+              <a:buSzTx/>
+              <a:buFontTx/>
+              <a:buNone/>
+              <a:tabLst/>
+            </a:pPr>
+            <a:endParaRPr kumimoji="0" lang="en-US" sz="4000" b="0" i="0" u="none" strike="noStrike" cap="none" normalizeH="0" baseline="0">
+              <a:ln>
+                <a:noFill/>
+              </a:ln>
+              <a:solidFill>
+                <a:srgbClr val="FFFFFF"/>
+              </a:solidFill>
+              <a:effectLst/>
+              <a:latin typeface="American Typewriter" charset="0"/>
+              <a:ea typeface="ヒラギノ明朝 ProN W3" charset="-128"/>
+              <a:cs typeface="ヒラギノ明朝 ProN W3" charset="-128"/>
+              <a:sym typeface="American Typewriter" charset="0"/>
+            </a:endParaRPr>
+          </a:p>
+        </p:txBody>
+      </p:sp>
+      <p:sp>
+        <p:nvSpPr>
+          <p:cNvPr id="57" name="Left Brace 56"/>
+          <p:cNvSpPr/>
+          <p:nvPr/>
+        </p:nvSpPr>
+        <p:spPr bwMode="auto">
+          <a:xfrm rot="5400000">
+            <a:off x="10894888" y="1276400"/>
+            <a:ext cx="360040" cy="1368152"/>
+          </a:xfrm>
+          <a:prstGeom prst="leftBrace">
+            <a:avLst/>
+          </a:prstGeom>
+          <a:noFill/>
+          <a:ln w="12700" cap="flat" cmpd="sng" algn="ctr">
+            <a:solidFill>
+              <a:schemeClr val="bg1"/>
+            </a:solidFill>
+            <a:prstDash val="solid"/>
+            <a:round/>
+            <a:headEnd type="none" w="med" len="med"/>
+            <a:tailEnd type="none" w="med" len="med"/>
+          </a:ln>
+          <a:effectLst/>
+        </p:spPr>
+        <p:txBody>
+          <a:bodyPr vert="horz" wrap="square" lIns="91440" tIns="45720" rIns="91440" bIns="45720" numCol="1" rtlCol="0" anchor="t" anchorCtr="0" compatLnSpc="1">
+            <a:prstTxWarp prst="textNoShape">
+              <a:avLst/>
+            </a:prstTxWarp>
+          </a:bodyPr>
+          <a:lstStyle/>
+          <a:p>
+            <a:pPr marL="0" marR="0" indent="0" algn="ctr" defTabSz="914400" rtl="0" eaLnBrk="1" fontAlgn="base" latinLnBrk="0" hangingPunct="1">
+              <a:lnSpc>
+                <a:spcPct val="100000"/>
+              </a:lnSpc>
+              <a:spcBef>
+                <a:spcPct val="0"/>
+              </a:spcBef>
+              <a:spcAft>
+                <a:spcPct val="0"/>
+              </a:spcAft>
+              <a:buClrTx/>
+              <a:buSzTx/>
+              <a:buFontTx/>
+              <a:buNone/>
+              <a:tabLst/>
+            </a:pPr>
+            <a:endParaRPr kumimoji="0" lang="en-US" sz="4000" b="0" i="0" u="none" strike="noStrike" cap="none" normalizeH="0" baseline="0">
+              <a:ln>
+                <a:noFill/>
+              </a:ln>
+              <a:solidFill>
+                <a:srgbClr val="FFFFFF"/>
+              </a:solidFill>
+              <a:effectLst/>
+              <a:latin typeface="American Typewriter" charset="0"/>
+              <a:ea typeface="ヒラギノ明朝 ProN W3" charset="-128"/>
+              <a:cs typeface="ヒラギノ明朝 ProN W3" charset="-128"/>
+              <a:sym typeface="American Typewriter" charset="0"/>
+            </a:endParaRPr>
+          </a:p>
+        </p:txBody>
+      </p:sp>
+      <p:cxnSp>
+        <p:nvCxnSpPr>
+          <p:cNvPr id="58" name="Straight Connector 57"/>
+          <p:cNvCxnSpPr/>
+          <p:nvPr/>
+        </p:nvCxnSpPr>
+        <p:spPr bwMode="auto">
+          <a:xfrm>
+            <a:off x="8230592" y="2356520"/>
+            <a:ext cx="72008" cy="5544616"/>
+          </a:xfrm>
+          <a:prstGeom prst="line">
+            <a:avLst/>
+          </a:prstGeom>
+          <a:blipFill dpi="0" rotWithShape="0">
+            <a:blip r:embed="rId4"/>
+            <a:srcRect/>
+            <a:tile tx="0" ty="0" sx="100000" sy="100000" flip="none" algn="tl"/>
+          </a:blipFill>
+          <a:ln w="12700" cap="flat" cmpd="sng" algn="ctr">
+            <a:solidFill>
+              <a:schemeClr val="accent1">
+                <a:lumMod val="60000"/>
+                <a:lumOff val="40000"/>
+              </a:schemeClr>
+            </a:solidFill>
+            <a:prstDash val="solid"/>
+            <a:round/>
+            <a:headEnd type="none" w="med" len="med"/>
+            <a:tailEnd type="none" w="med" len="med"/>
+          </a:ln>
+          <a:effectLst/>
+        </p:spPr>
+      </p:cxnSp>
+      <p:cxnSp>
+        <p:nvCxnSpPr>
+          <p:cNvPr id="60" name="Straight Connector 59"/>
+          <p:cNvCxnSpPr/>
+          <p:nvPr/>
+        </p:nvCxnSpPr>
+        <p:spPr bwMode="auto">
+          <a:xfrm>
+            <a:off x="10390832" y="2284512"/>
+            <a:ext cx="72008" cy="5544616"/>
+          </a:xfrm>
+          <a:prstGeom prst="line">
+            <a:avLst/>
+          </a:prstGeom>
+          <a:blipFill dpi="0" rotWithShape="0">
+            <a:blip r:embed="rId4"/>
+            <a:srcRect/>
+            <a:tile tx="0" ty="0" sx="100000" sy="100000" flip="none" algn="tl"/>
+          </a:blipFill>
+          <a:ln w="12700" cap="flat" cmpd="sng" algn="ctr">
+            <a:solidFill>
+              <a:schemeClr val="accent1">
+                <a:lumMod val="60000"/>
+                <a:lumOff val="40000"/>
+              </a:schemeClr>
+            </a:solidFill>
+            <a:prstDash val="solid"/>
+            <a:round/>
+            <a:headEnd type="none" w="med" len="med"/>
+            <a:tailEnd type="none" w="med" len="med"/>
+          </a:ln>
+          <a:effectLst/>
+        </p:spPr>
+      </p:cxnSp>
+      <p:cxnSp>
+        <p:nvCxnSpPr>
+          <p:cNvPr id="61" name="Straight Connector 60"/>
+          <p:cNvCxnSpPr/>
+          <p:nvPr/>
+        </p:nvCxnSpPr>
+        <p:spPr bwMode="auto">
+          <a:xfrm>
+            <a:off x="6142360" y="4444752"/>
+            <a:ext cx="5616624" cy="0"/>
+          </a:xfrm>
+          <a:prstGeom prst="line">
+            <a:avLst/>
+          </a:prstGeom>
+          <a:blipFill dpi="0" rotWithShape="0">
+            <a:blip r:embed="rId4"/>
+            <a:srcRect/>
+            <a:tile tx="0" ty="0" sx="100000" sy="100000" flip="none" algn="tl"/>
+          </a:blipFill>
+          <a:ln w="12700" cap="flat" cmpd="sng" algn="ctr">
+            <a:solidFill>
+              <a:schemeClr val="accent1">
+                <a:lumMod val="60000"/>
+                <a:lumOff val="40000"/>
+              </a:schemeClr>
+            </a:solidFill>
+            <a:prstDash val="solid"/>
+            <a:round/>
+            <a:headEnd type="none" w="med" len="med"/>
+            <a:tailEnd type="none" w="med" len="med"/>
+          </a:ln>
+          <a:effectLst/>
+        </p:spPr>
+      </p:cxnSp>
+      <p:cxnSp>
+        <p:nvCxnSpPr>
+          <p:cNvPr id="71" name="Straight Connector 70"/>
+          <p:cNvCxnSpPr/>
+          <p:nvPr/>
+        </p:nvCxnSpPr>
+        <p:spPr bwMode="auto">
+          <a:xfrm>
+            <a:off x="6142360" y="6604992"/>
+            <a:ext cx="5616624" cy="0"/>
+          </a:xfrm>
+          <a:prstGeom prst="line">
+            <a:avLst/>
+          </a:prstGeom>
+          <a:blipFill dpi="0" rotWithShape="0">
+            <a:blip r:embed="rId4"/>
+            <a:srcRect/>
+            <a:tile tx="0" ty="0" sx="100000" sy="100000" flip="none" algn="tl"/>
+          </a:blipFill>
+          <a:ln w="12700" cap="flat" cmpd="sng" algn="ctr">
+            <a:solidFill>
+              <a:schemeClr val="accent1">
+                <a:lumMod val="60000"/>
+                <a:lumOff val="40000"/>
+              </a:schemeClr>
+            </a:solidFill>
+            <a:prstDash val="solid"/>
+            <a:round/>
+            <a:headEnd type="none" w="med" len="med"/>
+            <a:tailEnd type="none" w="med" len="med"/>
+          </a:ln>
+          <a:effectLst/>
+        </p:spPr>
+      </p:cxnSp>
+      <p:sp>
+        <p:nvSpPr>
+          <p:cNvPr id="73" name="TextBox 72"/>
+          <p:cNvSpPr txBox="1"/>
+          <p:nvPr/>
+        </p:nvSpPr>
+        <p:spPr>
+          <a:xfrm>
+            <a:off x="6070352" y="1276400"/>
+            <a:ext cx="2021707" cy="400110"/>
+          </a:xfrm>
+          <a:prstGeom prst="rect">
+            <a:avLst/>
+          </a:prstGeom>
+          <a:noFill/>
+        </p:spPr>
+        <p:txBody>
+          <a:bodyPr wrap="none" rtlCol="0">
+            <a:spAutoFit/>
+          </a:bodyPr>
+          <a:lstStyle/>
+          <a:p>
+            <a:r>
+              <a:rPr lang="en-US" sz="2000" dirty="0" smtClean="0">
+                <a:solidFill>
+                  <a:srgbClr val="141313"/>
+                </a:solidFill>
+                <a:latin typeface="+mn-lt"/>
+                <a:ea typeface="ＭＳ Ｐゴシック" charset="-128"/>
+                <a:cs typeface="Arial"/>
+                <a:sym typeface="Kievit-Book"/>
+              </a:rPr>
+              <a:t>Left hemisphere</a:t>
+            </a:r>
+          </a:p>
+        </p:txBody>
+      </p:sp>
+      <p:sp>
+        <p:nvSpPr>
+          <p:cNvPr id="74" name="TextBox 73"/>
+          <p:cNvSpPr txBox="1"/>
+          <p:nvPr/>
+        </p:nvSpPr>
+        <p:spPr>
+          <a:xfrm>
+            <a:off x="8230592" y="1276400"/>
+            <a:ext cx="2194832" cy="400110"/>
+          </a:xfrm>
+          <a:prstGeom prst="rect">
+            <a:avLst/>
+          </a:prstGeom>
+          <a:noFill/>
+        </p:spPr>
+        <p:txBody>
+          <a:bodyPr wrap="none" rtlCol="0">
+            <a:spAutoFit/>
+          </a:bodyPr>
+          <a:lstStyle/>
+          <a:p>
+            <a:r>
+              <a:rPr lang="en-US" sz="2000" dirty="0" smtClean="0">
+                <a:solidFill>
+                  <a:srgbClr val="141313"/>
+                </a:solidFill>
+                <a:latin typeface="+mn-lt"/>
+                <a:ea typeface="ＭＳ Ｐゴシック" charset="-128"/>
+                <a:cs typeface="Arial"/>
+                <a:sym typeface="Kievit-Book"/>
+              </a:rPr>
+              <a:t>Right hemisphere</a:t>
+            </a:r>
+          </a:p>
+        </p:txBody>
+      </p:sp>
+      <p:sp>
+        <p:nvSpPr>
+          <p:cNvPr id="75" name="TextBox 74"/>
+          <p:cNvSpPr txBox="1"/>
+          <p:nvPr/>
+        </p:nvSpPr>
+        <p:spPr>
+          <a:xfrm>
+            <a:off x="10390832" y="1276400"/>
+            <a:ext cx="1497526" cy="400110"/>
+          </a:xfrm>
+          <a:prstGeom prst="rect">
+            <a:avLst/>
+          </a:prstGeom>
+          <a:noFill/>
+        </p:spPr>
+        <p:txBody>
+          <a:bodyPr wrap="none" rtlCol="0">
+            <a:spAutoFit/>
+          </a:bodyPr>
+          <a:lstStyle/>
+          <a:p>
+            <a:r>
+              <a:rPr lang="en-US" sz="2000" dirty="0" smtClean="0">
+                <a:solidFill>
+                  <a:srgbClr val="141313"/>
+                </a:solidFill>
+                <a:latin typeface="+mn-lt"/>
+                <a:ea typeface="ＭＳ Ｐゴシック" charset="-128"/>
+                <a:cs typeface="Arial"/>
+                <a:sym typeface="Kievit-Book"/>
+              </a:rPr>
+              <a:t>Cerebellum</a:t>
+            </a:r>
+          </a:p>
+        </p:txBody>
+      </p:sp>
+    </p:spTree>
+    <p:extLst>
+      <p:ext uri="{BB962C8B-B14F-4D97-AF65-F5344CB8AC3E}">
+        <p14:creationId xmlns:p14="http://schemas.microsoft.com/office/powerpoint/2010/main" val="2224061439"/>
+      </p:ext>
+    </p:extLst>
+  </p:cSld>
+  <p:clrMapOvr>
+    <a:masterClrMapping/>
+  </p:clrMapOvr>
+  <p:transition xmlns:p14="http://schemas.microsoft.com/office/powerpoint/2010/main"/>
+  <p:timing>
+    <p:tnLst>
+      <p:par>
+        <p:cTn xmlns:p14="http://schemas.microsoft.com/office/powerpoint/2010/main" id="1" dur="indefinite" restart="never" nodeType="tmRoot"/>
+      </p:par>
+    </p:tnLst>
+  </p:timing>
+</p:sld>
+</file>
+
+<file path=ppt/slides/slide19.xml><?xml version="1.0" encoding="utf-8"?>
+<p:sld xmlns:a="http://schemas.openxmlformats.org/drawingml/2006/main" xmlns:r="http://schemas.openxmlformats.org/officeDocument/2006/relationships" xmlns:p="http://schemas.openxmlformats.org/presentationml/2006/main">
+  <p:cSld>
+    <p:spTree>
+      <p:nvGrpSpPr>
+        <p:cNvPr id="1" name=""/>
+        <p:cNvGrpSpPr/>
+        <p:nvPr/>
+      </p:nvGrpSpPr>
+      <p:grpSpPr>
+        <a:xfrm>
+          <a:off x="0" y="0"/>
+          <a:ext cx="0" cy="0"/>
+          <a:chOff x="0" y="0"/>
+          <a:chExt cx="0" cy="0"/>
+        </a:xfrm>
+      </p:grpSpPr>
+      <p:sp>
+        <p:nvSpPr>
+          <p:cNvPr id="2" name="Title 1"/>
+          <p:cNvSpPr>
+            <a:spLocks noGrp="1"/>
+          </p:cNvSpPr>
+          <p:nvPr>
+            <p:ph type="title"/>
+          </p:nvPr>
+        </p:nvSpPr>
+        <p:spPr/>
+        <p:txBody>
+          <a:bodyPr/>
+          <a:lstStyle/>
+          <a:p>
+            <a:r>
+              <a:rPr lang="en-US" dirty="0" smtClean="0"/>
+              <a:t>Structure</a:t>
+            </a:r>
+            <a:endParaRPr lang="en-US" dirty="0"/>
+          </a:p>
+        </p:txBody>
+      </p:sp>
+      <p:sp>
+        <p:nvSpPr>
+          <p:cNvPr id="25" name="Content Placeholder 24"/>
+          <p:cNvSpPr>
+            <a:spLocks noGrp="1"/>
+          </p:cNvSpPr>
+          <p:nvPr>
+            <p:ph idx="1"/>
+          </p:nvPr>
+        </p:nvSpPr>
+        <p:spPr>
+          <a:xfrm>
+            <a:off x="900113" y="2356520"/>
+            <a:ext cx="5530279" cy="792088"/>
+          </a:xfrm>
+        </p:spPr>
+        <p:txBody>
+          <a:bodyPr/>
+          <a:lstStyle/>
+          <a:p>
+            <a:pPr>
+              <a:buNone/>
+            </a:pPr>
+            <a:r>
+              <a:rPr lang="en-US" dirty="0" smtClean="0"/>
+              <a:t>Found by </a:t>
+            </a:r>
+            <a:r>
+              <a:rPr lang="en-US" dirty="0" err="1" smtClean="0"/>
+              <a:t>Hinne</a:t>
+            </a:r>
+            <a:r>
+              <a:rPr lang="en-US" dirty="0" smtClean="0"/>
+              <a:t> at al:</a:t>
+            </a:r>
+            <a:endParaRPr lang="en-US" dirty="0"/>
+          </a:p>
+        </p:txBody>
+      </p:sp>
+      <p:sp>
+        <p:nvSpPr>
+          <p:cNvPr id="27" name="Content Placeholder 24"/>
+          <p:cNvSpPr txBox="1">
+            <a:spLocks/>
+          </p:cNvSpPr>
+          <p:nvPr/>
+        </p:nvSpPr>
+        <p:spPr bwMode="auto">
+          <a:xfrm>
+            <a:off x="6430392" y="2428528"/>
+            <a:ext cx="5530279" cy="718468"/>
+          </a:xfrm>
+          <a:prstGeom prst="rect">
+            <a:avLst/>
+          </a:prstGeom>
+          <a:noFill/>
+          <a:ln w="12700">
+            <a:noFill/>
+            <a:miter lim="800000"/>
+            <a:headEnd/>
+            <a:tailEnd/>
+          </a:ln>
+        </p:spPr>
+        <p:txBody>
+          <a:bodyPr vert="horz" wrap="square" lIns="50791" tIns="50791" rIns="50791" bIns="50791" numCol="1" anchor="t" anchorCtr="0" compatLnSpc="1">
+            <a:prstTxWarp prst="textNoShape">
+              <a:avLst/>
+            </a:prstTxWarp>
+          </a:bodyPr>
+          <a:lstStyle/>
+          <a:p>
+            <a:pPr marL="342847" marR="0" lvl="0" indent="-342847" algn="l" defTabSz="914400" rtl="0" eaLnBrk="0" fontAlgn="base" latinLnBrk="0" hangingPunct="0">
+              <a:lnSpc>
+                <a:spcPct val="100000"/>
+              </a:lnSpc>
+              <a:spcBef>
+                <a:spcPct val="0"/>
+              </a:spcBef>
+              <a:spcAft>
+                <a:spcPct val="0"/>
+              </a:spcAft>
+              <a:buClrTx/>
+              <a:buSzTx/>
+              <a:buFontTx/>
+              <a:buNone/>
+              <a:tabLst/>
+              <a:defRPr/>
+            </a:pPr>
+            <a:r>
+              <a:rPr kumimoji="0" lang="en-US" sz="2600" b="0" i="0" u="none" strike="noStrike" kern="0" cap="none" spc="0" normalizeH="0" baseline="0" noProof="0" dirty="0" smtClean="0">
+                <a:ln>
+                  <a:noFill/>
+                </a:ln>
+                <a:solidFill>
+                  <a:srgbClr val="141313"/>
+                </a:solidFill>
+                <a:effectLst/>
+                <a:uLnTx/>
+                <a:uFillTx/>
+                <a:latin typeface="+mn-lt"/>
+                <a:ea typeface="ＭＳ Ｐゴシック" charset="-128"/>
+                <a:cs typeface="Arial"/>
+                <a:sym typeface="Kievit-Book"/>
+              </a:rPr>
+              <a:t>Found with</a:t>
+            </a:r>
+            <a:r>
+              <a:rPr kumimoji="0" lang="en-US" sz="2600" b="0" i="0" u="none" strike="noStrike" kern="0" cap="none" spc="0" normalizeH="0" noProof="0" dirty="0" smtClean="0">
+                <a:ln>
+                  <a:noFill/>
+                </a:ln>
+                <a:solidFill>
+                  <a:srgbClr val="141313"/>
+                </a:solidFill>
+                <a:effectLst/>
+                <a:uLnTx/>
+                <a:uFillTx/>
+                <a:latin typeface="+mn-lt"/>
+                <a:ea typeface="ＭＳ Ｐゴシック" charset="-128"/>
+                <a:cs typeface="Arial"/>
+                <a:sym typeface="Kievit-Book"/>
+              </a:rPr>
+              <a:t> PC</a:t>
+            </a:r>
+            <a:r>
+              <a:rPr kumimoji="0" lang="en-US" sz="2600" b="0" i="0" u="none" strike="noStrike" kern="0" cap="none" spc="0" normalizeH="0" baseline="0" noProof="0" dirty="0" smtClean="0">
+                <a:ln>
+                  <a:noFill/>
+                </a:ln>
+                <a:solidFill>
+                  <a:srgbClr val="141313"/>
+                </a:solidFill>
+                <a:effectLst/>
+                <a:uLnTx/>
+                <a:uFillTx/>
+                <a:latin typeface="+mn-lt"/>
+                <a:ea typeface="ＭＳ Ｐゴシック" charset="-128"/>
+                <a:cs typeface="Arial"/>
+                <a:sym typeface="Kievit-Book"/>
+              </a:rPr>
+              <a:t>:</a:t>
+            </a:r>
+            <a:endParaRPr kumimoji="0" lang="en-US" sz="2600" b="0" i="0" u="none" strike="noStrike" kern="0" cap="none" spc="0" normalizeH="0" baseline="0" noProof="0" dirty="0">
+              <a:ln>
+                <a:noFill/>
+              </a:ln>
+              <a:solidFill>
+                <a:srgbClr val="141313"/>
+              </a:solidFill>
+              <a:effectLst/>
+              <a:uLnTx/>
+              <a:uFillTx/>
+              <a:latin typeface="+mn-lt"/>
+              <a:ea typeface="ＭＳ Ｐゴシック" charset="-128"/>
+              <a:cs typeface="Arial"/>
+              <a:sym typeface="Kievit-Book"/>
+            </a:endParaRPr>
+          </a:p>
+        </p:txBody>
+      </p:sp>
+      <p:pic>
+        <p:nvPicPr>
+          <p:cNvPr id="1027" name="Picture 3"/>
+          <p:cNvPicPr>
+            <a:picLocks noChangeAspect="1" noChangeArrowheads="1"/>
+          </p:cNvPicPr>
+          <p:nvPr/>
+        </p:nvPicPr>
+        <p:blipFill>
+          <a:blip r:embed="rId2"/>
+          <a:srcRect/>
+          <a:stretch>
+            <a:fillRect/>
+          </a:stretch>
+        </p:blipFill>
+        <p:spPr bwMode="auto">
+          <a:xfrm>
+            <a:off x="885777" y="3092562"/>
+            <a:ext cx="4824536" cy="4727289"/>
+          </a:xfrm>
+          <a:prstGeom prst="rect">
+            <a:avLst/>
+          </a:prstGeom>
+          <a:noFill/>
+          <a:ln w="9525">
+            <a:noFill/>
+            <a:miter lim="800000"/>
+            <a:headEnd/>
+            <a:tailEnd/>
+          </a:ln>
+        </p:spPr>
+      </p:pic>
+      <p:pic>
+        <p:nvPicPr>
+          <p:cNvPr id="1028" name="Picture 4"/>
+          <p:cNvPicPr>
+            <a:picLocks noChangeAspect="1" noChangeArrowheads="1"/>
+          </p:cNvPicPr>
+          <p:nvPr/>
+        </p:nvPicPr>
+        <p:blipFill>
+          <a:blip r:embed="rId3"/>
+          <a:srcRect/>
+          <a:stretch>
+            <a:fillRect/>
+          </a:stretch>
+        </p:blipFill>
+        <p:spPr bwMode="auto">
+          <a:xfrm>
+            <a:off x="6214368" y="3138940"/>
+            <a:ext cx="4824536" cy="4694984"/>
+          </a:xfrm>
+          <a:prstGeom prst="rect">
+            <a:avLst/>
+          </a:prstGeom>
+          <a:noFill/>
+          <a:ln w="9525">
+            <a:noFill/>
+            <a:miter lim="800000"/>
+            <a:headEnd/>
+            <a:tailEnd/>
+          </a:ln>
+        </p:spPr>
+      </p:pic>
+    </p:spTree>
+    <p:extLst>
+      <p:ext uri="{BB962C8B-B14F-4D97-AF65-F5344CB8AC3E}">
+        <p14:creationId xmlns:p14="http://schemas.microsoft.com/office/powerpoint/2010/main" val="1897486726"/>
+      </p:ext>
+    </p:extLst>
+  </p:cSld>
+  <p:clrMapOvr>
+    <a:masterClrMapping/>
+  </p:clrMapOvr>
+  <p:transition xmlns:p14="http://schemas.microsoft.com/office/powerpoint/2010/main"/>
+  <p:timing>
+    <p:tnLst>
+      <p:par>
+        <p:cTn xmlns:p14="http://schemas.microsoft.com/office/powerpoint/2010/main" id="1" dur="indefinite" restart="never" nodeType="tmRoot"/>
+      </p:par>
+    </p:tnLst>
+  </p:timing>
+</p:sld>
+</file>
+
+<file path=ppt/slides/slide2.xml><?xml version="1.0" encoding="utf-8"?>
+<p:sld xmlns:a="http://schemas.openxmlformats.org/drawingml/2006/main" xmlns:r="http://schemas.openxmlformats.org/officeDocument/2006/relationships" xmlns:p="http://schemas.openxmlformats.org/presentationml/2006/main">
+  <p:cSld>
+    <p:spTree>
+      <p:nvGrpSpPr>
+        <p:cNvPr id="1" name=""/>
+        <p:cNvGrpSpPr/>
+        <p:nvPr/>
+      </p:nvGrpSpPr>
+      <p:grpSpPr>
+        <a:xfrm>
+          <a:off x="0" y="0"/>
+          <a:ext cx="0" cy="0"/>
+          <a:chOff x="0" y="0"/>
+          <a:chExt cx="0" cy="0"/>
+        </a:xfrm>
+      </p:grpSpPr>
+      <p:sp>
+        <p:nvSpPr>
+          <p:cNvPr id="2" name="Title 1"/>
+          <p:cNvSpPr>
+            <a:spLocks noGrp="1"/>
+          </p:cNvSpPr>
+          <p:nvPr>
+            <p:ph type="title"/>
+          </p:nvPr>
+        </p:nvSpPr>
+        <p:spPr/>
+        <p:txBody>
+          <a:bodyPr/>
+          <a:lstStyle/>
+          <a:p>
+            <a:r>
+              <a:rPr lang="en-US" dirty="0" smtClean="0"/>
+              <a:t>What is causality?</a:t>
+            </a:r>
+            <a:endParaRPr lang="en-US" dirty="0"/>
+          </a:p>
+        </p:txBody>
+      </p:sp>
+      <p:pic>
+        <p:nvPicPr>
+          <p:cNvPr id="9" name="Picture 8" descr="button.jpg"/>
+          <p:cNvPicPr>
+            <a:picLocks noChangeAspect="1"/>
+          </p:cNvPicPr>
+          <p:nvPr/>
+        </p:nvPicPr>
+        <p:blipFill>
+          <a:blip r:embed="rId2">
+            <a:extLst>
+              <a:ext uri="{28A0092B-C50C-407E-A947-70E740481C1C}">
+                <a14:useLocalDpi xmlns:a14="http://schemas.microsoft.com/office/drawing/2010/main" val="0"/>
+              </a:ext>
+            </a:extLst>
+          </a:blip>
+          <a:stretch>
+            <a:fillRect/>
+          </a:stretch>
+        </p:blipFill>
+        <p:spPr>
+          <a:xfrm>
+            <a:off x="3334048" y="3508648"/>
+            <a:ext cx="1584176" cy="1778157"/>
+          </a:xfrm>
+          <a:prstGeom prst="rect">
+            <a:avLst/>
+          </a:prstGeom>
+        </p:spPr>
+      </p:pic>
+      <p:pic>
+        <p:nvPicPr>
+          <p:cNvPr id="10" name="Picture 9" descr="lamp.jpg"/>
+          <p:cNvPicPr>
+            <a:picLocks noChangeAspect="1"/>
+          </p:cNvPicPr>
+          <p:nvPr/>
+        </p:nvPicPr>
+        <p:blipFill>
+          <a:blip r:embed="rId3">
+            <a:extLst>
+              <a:ext uri="{28A0092B-C50C-407E-A947-70E740481C1C}">
+                <a14:useLocalDpi xmlns:a14="http://schemas.microsoft.com/office/drawing/2010/main" val="0"/>
+              </a:ext>
+            </a:extLst>
+          </a:blip>
+          <a:stretch>
+            <a:fillRect/>
+          </a:stretch>
+        </p:blipFill>
+        <p:spPr>
+          <a:xfrm>
+            <a:off x="8014568" y="2932584"/>
+            <a:ext cx="2232248" cy="2639483"/>
+          </a:xfrm>
+          <a:prstGeom prst="rect">
+            <a:avLst/>
+          </a:prstGeom>
+        </p:spPr>
+      </p:pic>
+      <p:sp>
+        <p:nvSpPr>
+          <p:cNvPr id="15" name="Right Arrow 14"/>
+          <p:cNvSpPr/>
+          <p:nvPr/>
+        </p:nvSpPr>
+        <p:spPr bwMode="auto">
+          <a:xfrm>
+            <a:off x="5854328" y="4084712"/>
+            <a:ext cx="1584176" cy="576064"/>
+          </a:xfrm>
+          <a:prstGeom prst="rightArrow">
+            <a:avLst/>
+          </a:prstGeom>
+          <a:solidFill>
+            <a:schemeClr val="bg1"/>
+          </a:solidFill>
+          <a:ln w="12700" cap="flat" cmpd="sng" algn="ctr">
+            <a:noFill/>
+            <a:prstDash val="solid"/>
+            <a:round/>
+            <a:headEnd type="none" w="med" len="med"/>
+            <a:tailEnd type="none" w="med" len="med"/>
+          </a:ln>
+          <a:effectLst/>
+        </p:spPr>
+        <p:txBody>
+          <a:bodyPr vert="horz" wrap="square" lIns="91440" tIns="45720" rIns="91440" bIns="45720" numCol="1" rtlCol="0" anchor="t" anchorCtr="0" compatLnSpc="1">
+            <a:prstTxWarp prst="textNoShape">
+              <a:avLst/>
+            </a:prstTxWarp>
+          </a:bodyPr>
+          <a:lstStyle/>
+          <a:p>
+            <a:pPr marL="0" marR="0" indent="0" algn="ctr" defTabSz="914400" rtl="0" eaLnBrk="1" fontAlgn="base" latinLnBrk="0" hangingPunct="1">
+              <a:lnSpc>
+                <a:spcPct val="100000"/>
+              </a:lnSpc>
+              <a:spcBef>
+                <a:spcPct val="0"/>
+              </a:spcBef>
+              <a:spcAft>
+                <a:spcPct val="0"/>
+              </a:spcAft>
+              <a:buClrTx/>
+              <a:buSzTx/>
+              <a:buFontTx/>
+              <a:buNone/>
+              <a:tabLst/>
+            </a:pPr>
+            <a:endParaRPr kumimoji="0" lang="en-US" sz="4000" b="0" i="0" u="none" strike="noStrike" cap="none" normalizeH="0" baseline="0">
+              <a:ln>
+                <a:noFill/>
+              </a:ln>
+              <a:solidFill>
+                <a:srgbClr val="FFFFFF"/>
+              </a:solidFill>
+              <a:effectLst/>
+              <a:latin typeface="American Typewriter" charset="0"/>
+              <a:ea typeface="ヒラギノ明朝 ProN W3" charset="-128"/>
+              <a:cs typeface="ヒラギノ明朝 ProN W3" charset="-128"/>
+              <a:sym typeface="American Typewriter" charset="0"/>
+            </a:endParaRPr>
+          </a:p>
+        </p:txBody>
+      </p:sp>
+    </p:spTree>
+    <p:extLst>
+      <p:ext uri="{BB962C8B-B14F-4D97-AF65-F5344CB8AC3E}">
+        <p14:creationId xmlns:p14="http://schemas.microsoft.com/office/powerpoint/2010/main" val="3016801190"/>
+      </p:ext>
+    </p:extLst>
+  </p:cSld>
+  <p:clrMapOvr>
+    <a:masterClrMapping/>
+  </p:clrMapOvr>
+  <p:transition xmlns:p14="http://schemas.microsoft.com/office/powerpoint/2010/main"/>
+</p:sld>
+</file>
+
+<file path=ppt/slides/slide20.xml><?xml version="1.0" encoding="utf-8"?>
+<p:sld xmlns:a="http://schemas.openxmlformats.org/drawingml/2006/main" xmlns:r="http://schemas.openxmlformats.org/officeDocument/2006/relationships" xmlns:p="http://schemas.openxmlformats.org/presentationml/2006/main">
+  <p:cSld>
+    <p:spTree>
+      <p:nvGrpSpPr>
+        <p:cNvPr id="1" name=""/>
+        <p:cNvGrpSpPr/>
+        <p:nvPr/>
+      </p:nvGrpSpPr>
+      <p:grpSpPr>
+        <a:xfrm>
+          <a:off x="0" y="0"/>
+          <a:ext cx="0" cy="0"/>
+          <a:chOff x="0" y="0"/>
+          <a:chExt cx="0" cy="0"/>
+        </a:xfrm>
+      </p:grpSpPr>
+      <p:sp>
+        <p:nvSpPr>
+          <p:cNvPr id="21505" name="Titel 3"/>
+          <p:cNvSpPr>
+            <a:spLocks noGrp="1"/>
+          </p:cNvSpPr>
+          <p:nvPr>
+            <p:ph type="title"/>
+          </p:nvPr>
+        </p:nvSpPr>
+        <p:spPr/>
+        <p:txBody>
+          <a:bodyPr/>
+          <a:lstStyle/>
+          <a:p>
+            <a:r>
+              <a:rPr lang="nl-NL" dirty="0" smtClean="0">
+                <a:latin typeface="Arial" pitchFamily="34" charset="0"/>
+                <a:ea typeface="ＭＳ Ｐゴシック"/>
+                <a:cs typeface="Arial" pitchFamily="34" charset="0"/>
+              </a:rPr>
+              <a:t>Direction</a:t>
+            </a:r>
+          </a:p>
+        </p:txBody>
+      </p:sp>
+      <p:sp>
+        <p:nvSpPr>
+          <p:cNvPr id="4" name="Content Placeholder 3"/>
+          <p:cNvSpPr>
+            <a:spLocks noGrp="1"/>
+          </p:cNvSpPr>
+          <p:nvPr>
+            <p:ph idx="1"/>
+          </p:nvPr>
+        </p:nvSpPr>
+        <p:spPr/>
+        <p:txBody>
+          <a:bodyPr/>
+          <a:lstStyle/>
+          <a:p>
+            <a:pPr marL="514350" lvl="1" indent="-514350">
+              <a:buFont typeface="Arial" pitchFamily="34" charset="0"/>
+              <a:buChar char="•"/>
+            </a:pPr>
+            <a:r>
+              <a:rPr lang="en-US" dirty="0" smtClean="0"/>
+              <a:t>Many double arrows and little single-oriented arrows</a:t>
+            </a:r>
+          </a:p>
+          <a:p>
+            <a:pPr marL="514350" lvl="1" indent="-514350">
+              <a:buFont typeface="Arial" pitchFamily="34" charset="0"/>
+              <a:buChar char="•"/>
+            </a:pPr>
+            <a:r>
+              <a:rPr lang="en-US" dirty="0" smtClean="0"/>
+              <a:t>Little consistency between subjects and regions</a:t>
+            </a:r>
+          </a:p>
+        </p:txBody>
+      </p:sp>
+      <p:pic>
+        <p:nvPicPr>
+          <p:cNvPr id="6" name="Picture 2"/>
+          <p:cNvPicPr>
+            <a:picLocks noChangeAspect="1" noChangeArrowheads="1"/>
+          </p:cNvPicPr>
+          <p:nvPr/>
+        </p:nvPicPr>
+        <p:blipFill>
+          <a:blip r:embed="rId3"/>
+          <a:srcRect/>
+          <a:stretch>
+            <a:fillRect/>
+          </a:stretch>
+        </p:blipFill>
+        <p:spPr bwMode="auto">
+          <a:xfrm>
+            <a:off x="1893888" y="541424"/>
+            <a:ext cx="9433048" cy="7647744"/>
+          </a:xfrm>
+          <a:prstGeom prst="rect">
+            <a:avLst/>
+          </a:prstGeom>
+          <a:noFill/>
+          <a:ln w="9525">
+            <a:noFill/>
+            <a:miter lim="800000"/>
+            <a:headEnd/>
+            <a:tailEnd/>
+          </a:ln>
+        </p:spPr>
+      </p:pic>
+    </p:spTree>
+    <p:extLst>
+      <p:ext uri="{BB962C8B-B14F-4D97-AF65-F5344CB8AC3E}">
+        <p14:creationId xmlns:p14="http://schemas.microsoft.com/office/powerpoint/2010/main" val="981313767"/>
+      </p:ext>
+    </p:extLst>
+  </p:cSld>
+  <p:clrMapOvr>
+    <a:masterClrMapping/>
+  </p:clrMapOvr>
+  <p:transition xmlns:p14="http://schemas.microsoft.com/office/powerpoint/2010/main"/>
+  <p:timing>
+    <p:tnLst>
+      <p:par>
+        <p:cTn xmlns:p14="http://schemas.microsoft.com/office/powerpoint/2010/main" id="1" dur="indefinite" restart="never" nodeType="tmRoot"/>
+      </p:par>
+    </p:tnLst>
+  </p:timing>
+</p:sld>
+</file>
+
+<file path=ppt/slides/slide21.xml><?xml version="1.0" encoding="utf-8"?>
+<p:sld xmlns:a="http://schemas.openxmlformats.org/drawingml/2006/main" xmlns:r="http://schemas.openxmlformats.org/officeDocument/2006/relationships" xmlns:p="http://schemas.openxmlformats.org/presentationml/2006/main">
+  <p:cSld>
+    <p:spTree>
+      <p:nvGrpSpPr>
+        <p:cNvPr id="1" name=""/>
+        <p:cNvGrpSpPr/>
+        <p:nvPr/>
+      </p:nvGrpSpPr>
+      <p:grpSpPr>
+        <a:xfrm>
+          <a:off x="0" y="0"/>
+          <a:ext cx="0" cy="0"/>
+          <a:chOff x="0" y="0"/>
+          <a:chExt cx="0" cy="0"/>
+        </a:xfrm>
+      </p:grpSpPr>
+      <p:sp>
+        <p:nvSpPr>
+          <p:cNvPr id="2" name="Title 1"/>
+          <p:cNvSpPr>
+            <a:spLocks noGrp="1"/>
+          </p:cNvSpPr>
+          <p:nvPr>
+            <p:ph type="title"/>
+          </p:nvPr>
+        </p:nvSpPr>
+        <p:spPr/>
+        <p:txBody>
+          <a:bodyPr/>
+          <a:lstStyle/>
+          <a:p>
+            <a:r>
+              <a:rPr lang="en-US" dirty="0" smtClean="0"/>
+              <a:t>Results</a:t>
+            </a:r>
+            <a:endParaRPr lang="en-US" dirty="0"/>
+          </a:p>
+        </p:txBody>
+      </p:sp>
+      <p:sp>
+        <p:nvSpPr>
+          <p:cNvPr id="3" name="Content Placeholder 2"/>
+          <p:cNvSpPr>
+            <a:spLocks noGrp="1"/>
+          </p:cNvSpPr>
+          <p:nvPr>
+            <p:ph idx="1"/>
+          </p:nvPr>
+        </p:nvSpPr>
+        <p:spPr/>
+        <p:txBody>
+          <a:bodyPr/>
+          <a:lstStyle/>
+          <a:p>
+            <a:r>
+              <a:rPr lang="en-US" dirty="0" smtClean="0"/>
+              <a:t>Very clear structure</a:t>
+            </a:r>
+          </a:p>
+          <a:p>
+            <a:r>
+              <a:rPr lang="en-US" dirty="0" smtClean="0"/>
+              <a:t>Homological areas accurately measured</a:t>
+            </a:r>
+          </a:p>
+          <a:p>
+            <a:r>
+              <a:rPr lang="en-US" dirty="0" smtClean="0"/>
+              <a:t>Directionality also present</a:t>
+            </a:r>
+          </a:p>
+          <a:p>
+            <a:endParaRPr lang="en-US" dirty="0"/>
+          </a:p>
+          <a:p>
+            <a:r>
+              <a:rPr lang="en-US" dirty="0" smtClean="0"/>
+              <a:t>High inter-subject differences</a:t>
+            </a:r>
+          </a:p>
+          <a:p>
+            <a:endParaRPr lang="en-US" dirty="0" smtClean="0"/>
+          </a:p>
+          <a:p>
+            <a:r>
+              <a:rPr lang="en-US" dirty="0" smtClean="0"/>
+              <a:t>High intra-subject consistency</a:t>
+            </a:r>
+          </a:p>
+          <a:p>
+            <a:endParaRPr lang="en-US" dirty="0"/>
+          </a:p>
+          <a:p>
+            <a:endParaRPr lang="en-US" dirty="0"/>
+          </a:p>
+        </p:txBody>
+      </p:sp>
+    </p:spTree>
+    <p:extLst>
+      <p:ext uri="{BB962C8B-B14F-4D97-AF65-F5344CB8AC3E}">
+        <p14:creationId xmlns:p14="http://schemas.microsoft.com/office/powerpoint/2010/main" val="2930317871"/>
+      </p:ext>
+    </p:extLst>
+  </p:cSld>
+  <p:clrMapOvr>
+    <a:masterClrMapping/>
+  </p:clrMapOvr>
+  <p:transition xmlns:p14="http://schemas.microsoft.com/office/powerpoint/2010/main"/>
+</p:sld>
+</file>
+
+<file path=ppt/slides/slide22.xml><?xml version="1.0" encoding="utf-8"?>
+<p:sld xmlns:a="http://schemas.openxmlformats.org/drawingml/2006/main" xmlns:r="http://schemas.openxmlformats.org/officeDocument/2006/relationships" xmlns:p="http://schemas.openxmlformats.org/presentationml/2006/main">
+  <p:cSld>
+    <p:spTree>
+      <p:nvGrpSpPr>
+        <p:cNvPr id="1" name=""/>
+        <p:cNvGrpSpPr/>
+        <p:nvPr/>
+      </p:nvGrpSpPr>
+      <p:grpSpPr>
+        <a:xfrm>
+          <a:off x="0" y="0"/>
+          <a:ext cx="0" cy="0"/>
+          <a:chOff x="0" y="0"/>
+          <a:chExt cx="0" cy="0"/>
+        </a:xfrm>
+      </p:grpSpPr>
+      <p:sp>
+        <p:nvSpPr>
+          <p:cNvPr id="2" name="Title 1"/>
+          <p:cNvSpPr>
+            <a:spLocks noGrp="1"/>
+          </p:cNvSpPr>
+          <p:nvPr>
+            <p:ph type="title"/>
+          </p:nvPr>
+        </p:nvSpPr>
+        <p:spPr/>
+        <p:txBody>
+          <a:bodyPr/>
+          <a:lstStyle/>
+          <a:p>
+            <a:r>
+              <a:rPr lang="en-US" dirty="0" smtClean="0"/>
+              <a:t>Discussion</a:t>
+            </a:r>
+            <a:endParaRPr lang="en-US" dirty="0"/>
+          </a:p>
+        </p:txBody>
+      </p:sp>
+      <p:sp>
+        <p:nvSpPr>
+          <p:cNvPr id="3" name="Content Placeholder 2"/>
+          <p:cNvSpPr>
+            <a:spLocks noGrp="1"/>
+          </p:cNvSpPr>
+          <p:nvPr>
+            <p:ph idx="1"/>
+          </p:nvPr>
+        </p:nvSpPr>
+        <p:spPr/>
+        <p:txBody>
+          <a:bodyPr/>
+          <a:lstStyle/>
+          <a:p>
+            <a:pPr marL="0" indent="0">
+              <a:buNone/>
+            </a:pPr>
+            <a:r>
+              <a:rPr lang="en-US" dirty="0" smtClean="0"/>
+              <a:t>Promising research, but …</a:t>
+            </a:r>
+          </a:p>
+          <a:p>
+            <a:pPr marL="0" indent="0">
+              <a:buNone/>
+            </a:pPr>
+            <a:endParaRPr lang="en-US" b="1" dirty="0" smtClean="0"/>
+          </a:p>
+          <a:p>
+            <a:pPr marL="0" indent="0">
+              <a:buNone/>
+            </a:pPr>
+            <a:r>
+              <a:rPr lang="en-US" b="1" dirty="0" smtClean="0"/>
+              <a:t>Model oriented</a:t>
+            </a:r>
+          </a:p>
+          <a:p>
+            <a:r>
+              <a:rPr lang="en-US" dirty="0" smtClean="0"/>
+              <a:t>Incorrect model assumptions</a:t>
+            </a:r>
+          </a:p>
+          <a:p>
+            <a:r>
+              <a:rPr lang="en-US" dirty="0" smtClean="0"/>
+              <a:t>Coarse data</a:t>
+            </a:r>
+          </a:p>
+          <a:p>
+            <a:r>
+              <a:rPr lang="en-US" dirty="0" smtClean="0"/>
+              <a:t>No anatomical plausibility found yet</a:t>
+            </a:r>
+          </a:p>
+          <a:p>
+            <a:endParaRPr lang="en-US" dirty="0" smtClean="0"/>
+          </a:p>
+          <a:p>
+            <a:endParaRPr lang="en-US" dirty="0"/>
+          </a:p>
+          <a:p>
+            <a:pPr marL="0" indent="0">
+              <a:buNone/>
+            </a:pPr>
+            <a:r>
+              <a:rPr lang="en-US" b="1" dirty="0" smtClean="0"/>
+              <a:t>Future research</a:t>
+            </a:r>
+          </a:p>
+          <a:p>
+            <a:r>
+              <a:rPr lang="en-US" dirty="0" smtClean="0"/>
+              <a:t>Task </a:t>
+            </a:r>
+            <a:r>
+              <a:rPr lang="en-US" dirty="0"/>
+              <a:t>oriented vs. resting-</a:t>
+            </a:r>
+            <a:r>
+              <a:rPr lang="en-US" dirty="0" smtClean="0"/>
+              <a:t>state</a:t>
+            </a:r>
+            <a:endParaRPr lang="en-US" dirty="0"/>
+          </a:p>
+          <a:p>
+            <a:r>
+              <a:rPr lang="en-US" dirty="0" smtClean="0"/>
+              <a:t>Bayesian methods</a:t>
+            </a:r>
+          </a:p>
+          <a:p>
+            <a:r>
+              <a:rPr lang="en-US" dirty="0" smtClean="0"/>
+              <a:t>Causal feedback</a:t>
+            </a:r>
+            <a:endParaRPr lang="en-US" dirty="0"/>
+          </a:p>
+        </p:txBody>
+      </p:sp>
+    </p:spTree>
+    <p:extLst>
+      <p:ext uri="{BB962C8B-B14F-4D97-AF65-F5344CB8AC3E}">
+        <p14:creationId xmlns:p14="http://schemas.microsoft.com/office/powerpoint/2010/main" val="1662352972"/>
+      </p:ext>
+    </p:extLst>
+  </p:cSld>
+  <p:clrMapOvr>
+    <a:masterClrMapping/>
+  </p:clrMapOvr>
+  <p:transition xmlns:p14="http://schemas.microsoft.com/office/powerpoint/2010/main"/>
+</p:sld>
+</file>
+
+<file path=ppt/slides/slide23.xml><?xml version="1.0" encoding="utf-8"?>
+<p:sld xmlns:a="http://schemas.openxmlformats.org/drawingml/2006/main" xmlns:r="http://schemas.openxmlformats.org/officeDocument/2006/relationships" xmlns:p="http://schemas.openxmlformats.org/presentationml/2006/main">
+  <p:cSld>
+    <p:spTree>
+      <p:nvGrpSpPr>
+        <p:cNvPr id="1" name=""/>
+        <p:cNvGrpSpPr/>
+        <p:nvPr/>
+      </p:nvGrpSpPr>
+      <p:grpSpPr>
+        <a:xfrm>
+          <a:off x="0" y="0"/>
+          <a:ext cx="0" cy="0"/>
+          <a:chOff x="0" y="0"/>
+          <a:chExt cx="0" cy="0"/>
+        </a:xfrm>
+      </p:grpSpPr>
+      <p:sp>
+        <p:nvSpPr>
+          <p:cNvPr id="2" name="Title 1"/>
+          <p:cNvSpPr>
+            <a:spLocks noGrp="1"/>
+          </p:cNvSpPr>
+          <p:nvPr>
+            <p:ph type="title"/>
+          </p:nvPr>
+        </p:nvSpPr>
+        <p:spPr>
+          <a:xfrm>
+            <a:off x="900113" y="990603"/>
+            <a:ext cx="11049000" cy="7126561"/>
+          </a:xfrm>
+        </p:spPr>
+        <p:txBody>
+          <a:bodyPr anchor="ctr"/>
+          <a:lstStyle/>
+          <a:p>
+            <a:pPr algn="ctr"/>
+            <a:r>
+              <a:rPr lang="en-US" dirty="0" smtClean="0"/>
+              <a:t>Thank you for your attention</a:t>
+            </a:r>
+            <a:endParaRPr lang="en-US" dirty="0"/>
+          </a:p>
+        </p:txBody>
+      </p:sp>
+    </p:spTree>
+    <p:extLst>
+      <p:ext uri="{BB962C8B-B14F-4D97-AF65-F5344CB8AC3E}">
+        <p14:creationId xmlns:p14="http://schemas.microsoft.com/office/powerpoint/2010/main" val="828980559"/>
+      </p:ext>
+    </p:extLst>
+  </p:cSld>
+  <p:clrMapOvr>
+    <a:masterClrMapping/>
+  </p:clrMapOvr>
+  <p:transition xmlns:p14="http://schemas.microsoft.com/office/powerpoint/2010/main"/>
+  <p:timing>
+    <p:tnLst>
+      <p:par>
+        <p:cTn xmlns:p14="http://schemas.microsoft.com/office/powerpoint/2010/main" id="1" dur="indefinite" restart="never" nodeType="tmRoot"/>
+      </p:par>
+    </p:tnLst>
+  </p:timing>
+</p:sld>
+</file>
+
+<file path=ppt/slides/slide3.xml><?xml version="1.0" encoding="utf-8"?>
+<p:sld xmlns:a="http://schemas.openxmlformats.org/drawingml/2006/main" xmlns:r="http://schemas.openxmlformats.org/officeDocument/2006/relationships" xmlns:p="http://schemas.openxmlformats.org/presentationml/2006/main">
+  <p:cSld>
+    <p:spTree>
+      <p:nvGrpSpPr>
+        <p:cNvPr id="1" name=""/>
+        <p:cNvGrpSpPr/>
+        <p:nvPr/>
+      </p:nvGrpSpPr>
+      <p:grpSpPr>
+        <a:xfrm>
+          <a:off x="0" y="0"/>
+          <a:ext cx="0" cy="0"/>
+          <a:chOff x="0" y="0"/>
+          <a:chExt cx="0" cy="0"/>
+        </a:xfrm>
+      </p:grpSpPr>
+      <p:pic>
+        <p:nvPicPr>
+          <p:cNvPr id="4" name="Picture 3" descr="brainnetwork.jpg"/>
+          <p:cNvPicPr>
+            <a:picLocks noChangeAspect="1"/>
+          </p:cNvPicPr>
+          <p:nvPr/>
+        </p:nvPicPr>
+        <p:blipFill>
+          <a:blip r:embed="rId2">
+            <a:extLst>
+              <a:ext uri="{28A0092B-C50C-407E-A947-70E740481C1C}">
+                <a14:useLocalDpi xmlns:a14="http://schemas.microsoft.com/office/drawing/2010/main" val="0"/>
+              </a:ext>
+            </a:extLst>
+          </a:blip>
+          <a:stretch>
+            <a:fillRect/>
+          </a:stretch>
+        </p:blipFill>
+        <p:spPr>
+          <a:xfrm>
+            <a:off x="2685976" y="772344"/>
+            <a:ext cx="8248228" cy="7598539"/>
+          </a:xfrm>
+          <a:prstGeom prst="rect">
+            <a:avLst/>
+          </a:prstGeom>
+        </p:spPr>
+      </p:pic>
+      <p:sp>
+        <p:nvSpPr>
+          <p:cNvPr id="2" name="Title 1"/>
+          <p:cNvSpPr>
+            <a:spLocks noGrp="1"/>
+          </p:cNvSpPr>
+          <p:nvPr>
+            <p:ph type="title"/>
+          </p:nvPr>
+        </p:nvSpPr>
+        <p:spPr/>
+        <p:txBody>
+          <a:bodyPr/>
+          <a:lstStyle/>
+          <a:p>
+            <a:r>
+              <a:rPr lang="en-US" dirty="0" smtClean="0"/>
+              <a:t>What is causality?</a:t>
+            </a:r>
+            <a:endParaRPr lang="en-US" dirty="0"/>
+          </a:p>
+        </p:txBody>
+      </p:sp>
+    </p:spTree>
+    <p:extLst>
+      <p:ext uri="{BB962C8B-B14F-4D97-AF65-F5344CB8AC3E}">
+        <p14:creationId xmlns:p14="http://schemas.microsoft.com/office/powerpoint/2010/main" val="4015349583"/>
+      </p:ext>
+    </p:extLst>
+  </p:cSld>
+  <p:clrMapOvr>
+    <a:masterClrMapping/>
+  </p:clrMapOvr>
+  <p:transition xmlns:p14="http://schemas.microsoft.com/office/powerpoint/2010/main"/>
+</p:sld>
+</file>
+
+<file path=ppt/slides/slide4.xml><?xml version="1.0" encoding="utf-8"?>
+<p:sld xmlns:a="http://schemas.openxmlformats.org/drawingml/2006/main" xmlns:r="http://schemas.openxmlformats.org/officeDocument/2006/relationships" xmlns:p="http://schemas.openxmlformats.org/presentationml/2006/main">
+  <p:cSld>
+    <p:spTree>
+      <p:nvGrpSpPr>
+        <p:cNvPr id="1" name=""/>
+        <p:cNvGrpSpPr/>
+        <p:nvPr/>
+      </p:nvGrpSpPr>
+      <p:grpSpPr>
+        <a:xfrm>
+          <a:off x="0" y="0"/>
+          <a:ext cx="0" cy="0"/>
+          <a:chOff x="0" y="0"/>
+          <a:chExt cx="0" cy="0"/>
+        </a:xfrm>
+      </p:grpSpPr>
+      <p:pic>
+        <p:nvPicPr>
+          <p:cNvPr id="8" name="Content Placeholder 7" descr="brain-connectivity.jpg"/>
+          <p:cNvPicPr>
+            <a:picLocks noGrp="1" noChangeAspect="1"/>
+          </p:cNvPicPr>
+          <p:nvPr>
+            <p:ph idx="1"/>
+          </p:nvPr>
+        </p:nvPicPr>
+        <p:blipFill rotWithShape="1">
+          <a:blip r:embed="rId3">
+            <a:extLst>
+              <a:ext uri="{28A0092B-C50C-407E-A947-70E740481C1C}">
+                <a14:useLocalDpi xmlns:a14="http://schemas.microsoft.com/office/drawing/2010/main" val="0"/>
+              </a:ext>
+            </a:extLst>
+          </a:blip>
+          <a:srcRect l="-6844" t="2289" r="-6556" b="15508"/>
+          <a:stretch/>
+        </p:blipFill>
+        <p:spPr>
+          <a:xfrm>
+            <a:off x="-122332" y="1316434"/>
+            <a:ext cx="12906375" cy="7016750"/>
+          </a:xfrm>
+        </p:spPr>
+      </p:pic>
+      <p:sp>
+        <p:nvSpPr>
+          <p:cNvPr id="21505" name="Titel 3"/>
+          <p:cNvSpPr>
+            <a:spLocks noGrp="1"/>
+          </p:cNvSpPr>
+          <p:nvPr>
+            <p:ph type="title"/>
+          </p:nvPr>
+        </p:nvSpPr>
+        <p:spPr/>
+        <p:txBody>
+          <a:bodyPr/>
+          <a:lstStyle/>
+          <a:p>
+            <a:r>
+              <a:rPr lang="nl-NL" dirty="0" smtClean="0">
+                <a:latin typeface="Arial" pitchFamily="34" charset="0"/>
+                <a:ea typeface="ＭＳ Ｐゴシック"/>
+                <a:cs typeface="Arial" pitchFamily="34" charset="0"/>
+              </a:rPr>
+              <a:t>Brain Connectivity</a:t>
+            </a:r>
+          </a:p>
+        </p:txBody>
+      </p:sp>
+    </p:spTree>
+  </p:cSld>
+  <p:clrMapOvr>
+    <a:masterClrMapping/>
+  </p:clrMapOvr>
+  <p:transition xmlns:p14="http://schemas.microsoft.com/office/powerpoint/2010/main"/>
+  <p:timing>
+    <p:tnLst>
+      <p:par>
+        <p:cTn xmlns:p14="http://schemas.microsoft.com/office/powerpoint/2010/main" id="1" dur="indefinite" restart="never" nodeType="tmRoot"/>
+      </p:par>
+    </p:tnLst>
+  </p:timing>
+</p:sld>
+</file>
+
+<file path=ppt/slides/slide5.xml><?xml version="1.0" encoding="utf-8"?>
+<p:sld xmlns:a="http://schemas.openxmlformats.org/drawingml/2006/main" xmlns:r="http://schemas.openxmlformats.org/officeDocument/2006/relationships" xmlns:p="http://schemas.openxmlformats.org/presentationml/2006/main">
+  <p:cSld>
+    <p:spTree>
+      <p:nvGrpSpPr>
+        <p:cNvPr id="1" name=""/>
+        <p:cNvGrpSpPr/>
+        <p:nvPr/>
+      </p:nvGrpSpPr>
+      <p:grpSpPr>
+        <a:xfrm>
+          <a:off x="0" y="0"/>
+          <a:ext cx="0" cy="0"/>
+          <a:chOff x="0" y="0"/>
+          <a:chExt cx="0" cy="0"/>
+        </a:xfrm>
+      </p:grpSpPr>
+      <p:sp>
+        <p:nvSpPr>
+          <p:cNvPr id="2" name="Title 1"/>
+          <p:cNvSpPr>
+            <a:spLocks noGrp="1"/>
+          </p:cNvSpPr>
+          <p:nvPr>
+            <p:ph type="title"/>
+          </p:nvPr>
+        </p:nvSpPr>
+        <p:spPr/>
+        <p:txBody>
+          <a:bodyPr/>
+          <a:lstStyle/>
+          <a:p>
+            <a:r>
+              <a:rPr lang="en-US" dirty="0" smtClean="0"/>
+              <a:t>Causal Discovery</a:t>
+            </a:r>
+            <a:endParaRPr lang="en-US" dirty="0"/>
+          </a:p>
+        </p:txBody>
+      </p:sp>
+      <p:sp>
+        <p:nvSpPr>
+          <p:cNvPr id="3" name="Content Placeholder 2"/>
+          <p:cNvSpPr>
+            <a:spLocks noGrp="1"/>
+          </p:cNvSpPr>
+          <p:nvPr>
+            <p:ph idx="1"/>
+          </p:nvPr>
+        </p:nvSpPr>
+        <p:spPr/>
+        <p:txBody>
+          <a:bodyPr/>
+          <a:lstStyle/>
+          <a:p>
+            <a:pPr marL="0" indent="0">
+              <a:buNone/>
+            </a:pPr>
+            <a:r>
+              <a:rPr lang="en-US" dirty="0" smtClean="0"/>
+              <a:t>Represent dependencies between variables as a Directed Acyclic Graph (DAG)</a:t>
+            </a:r>
+          </a:p>
+          <a:p>
+            <a:endParaRPr lang="en-US" dirty="0"/>
+          </a:p>
+          <a:p>
+            <a:endParaRPr lang="en-US" dirty="0" smtClean="0"/>
+          </a:p>
+          <a:p>
+            <a:endParaRPr lang="en-US" dirty="0"/>
+          </a:p>
+          <a:p>
+            <a:endParaRPr lang="en-US" dirty="0" smtClean="0"/>
+          </a:p>
+          <a:p>
+            <a:endParaRPr lang="en-US" dirty="0"/>
+          </a:p>
+          <a:p>
+            <a:endParaRPr lang="en-US" dirty="0" smtClean="0"/>
+          </a:p>
+          <a:p>
+            <a:endParaRPr lang="en-US" dirty="0"/>
+          </a:p>
+          <a:p>
+            <a:endParaRPr lang="en-US" dirty="0" smtClean="0"/>
+          </a:p>
+          <a:p>
+            <a:endParaRPr lang="en-US" dirty="0"/>
+          </a:p>
+          <a:p>
+            <a:pPr marL="0" indent="0">
+              <a:buNone/>
+            </a:pPr>
+            <a:endParaRPr lang="en-US" dirty="0" smtClean="0"/>
+          </a:p>
+          <a:p>
+            <a:pPr>
+              <a:lnSpc>
+                <a:spcPct val="140000"/>
+              </a:lnSpc>
+            </a:pPr>
+            <a:r>
+              <a:rPr lang="en-US" dirty="0" smtClean="0"/>
+              <a:t>Probabilistic interpretation</a:t>
+            </a:r>
+            <a:r>
+              <a:rPr lang="en-US" dirty="0" smtClean="0"/>
+              <a:t>: joint probability over variables </a:t>
+            </a:r>
+          </a:p>
+          <a:p>
+            <a:pPr>
+              <a:lnSpc>
+                <a:spcPct val="140000"/>
+              </a:lnSpc>
+            </a:pPr>
+            <a:r>
+              <a:rPr lang="en-US" dirty="0"/>
+              <a:t>Causal interpretation: </a:t>
+            </a:r>
+            <a:r>
+              <a:rPr lang="en-US" dirty="0" smtClean="0"/>
+              <a:t>causal </a:t>
+            </a:r>
+            <a:r>
+              <a:rPr lang="en-US" dirty="0"/>
+              <a:t>structure can be modeled by a DAG</a:t>
+            </a:r>
+          </a:p>
+          <a:p>
+            <a:endParaRPr lang="en-US" dirty="0"/>
+          </a:p>
+        </p:txBody>
+      </p:sp>
+      <p:pic>
+        <p:nvPicPr>
+          <p:cNvPr id="5" name="Picture 4" descr="directed-graph.png"/>
+          <p:cNvPicPr>
+            <a:picLocks noChangeAspect="1"/>
+          </p:cNvPicPr>
+          <p:nvPr/>
+        </p:nvPicPr>
+        <p:blipFill>
+          <a:blip r:embed="rId2">
+            <a:extLst>
+              <a:ext uri="{28A0092B-C50C-407E-A947-70E740481C1C}">
+                <a14:useLocalDpi xmlns:a14="http://schemas.microsoft.com/office/drawing/2010/main" val="0"/>
+              </a:ext>
+            </a:extLst>
+          </a:blip>
+          <a:stretch>
+            <a:fillRect/>
+          </a:stretch>
+        </p:blipFill>
+        <p:spPr>
+          <a:xfrm>
+            <a:off x="3838104" y="2860576"/>
+            <a:ext cx="5060314" cy="3761944"/>
+          </a:xfrm>
+          <a:prstGeom prst="rect">
+            <a:avLst/>
+          </a:prstGeom>
+        </p:spPr>
+      </p:pic>
+    </p:spTree>
+    <p:extLst>
+      <p:ext uri="{BB962C8B-B14F-4D97-AF65-F5344CB8AC3E}">
+        <p14:creationId xmlns:p14="http://schemas.microsoft.com/office/powerpoint/2010/main" val="2072543374"/>
+      </p:ext>
+    </p:extLst>
+  </p:cSld>
+  <p:clrMapOvr>
+    <a:masterClrMapping/>
+  </p:clrMapOvr>
+  <p:transition xmlns:p14="http://schemas.microsoft.com/office/powerpoint/2010/main"/>
+</p:sld>
+</file>
+
+<file path=ppt/slides/slide6.xml><?xml version="1.0" encoding="utf-8"?>
+<p:sld xmlns:a="http://schemas.openxmlformats.org/drawingml/2006/main" xmlns:r="http://schemas.openxmlformats.org/officeDocument/2006/relationships" xmlns:p="http://schemas.openxmlformats.org/presentationml/2006/main">
+  <p:cSld>
+    <p:spTree>
+      <p:nvGrpSpPr>
+        <p:cNvPr id="1" name=""/>
+        <p:cNvGrpSpPr/>
+        <p:nvPr/>
+      </p:nvGrpSpPr>
+      <p:grpSpPr>
+        <a:xfrm>
+          <a:off x="0" y="0"/>
+          <a:ext cx="0" cy="0"/>
+          <a:chOff x="0" y="0"/>
+          <a:chExt cx="0" cy="0"/>
+        </a:xfrm>
+      </p:grpSpPr>
+      <p:sp>
+        <p:nvSpPr>
+          <p:cNvPr id="2" name="Title 1"/>
+          <p:cNvSpPr>
+            <a:spLocks noGrp="1"/>
+          </p:cNvSpPr>
+          <p:nvPr>
+            <p:ph type="title"/>
+          </p:nvPr>
+        </p:nvSpPr>
+        <p:spPr/>
+        <p:txBody>
+          <a:bodyPr/>
+          <a:lstStyle/>
+          <a:p>
+            <a:r>
+              <a:rPr lang="en-US" dirty="0" smtClean="0"/>
+              <a:t>Conditional </a:t>
+            </a:r>
+            <a:r>
+              <a:rPr lang="en-US" dirty="0" smtClean="0"/>
+              <a:t>(in)</a:t>
+            </a:r>
+            <a:r>
+              <a:rPr lang="en-US" dirty="0" smtClean="0"/>
+              <a:t>dependence</a:t>
+            </a:r>
+            <a:endParaRPr lang="en-US" dirty="0"/>
+          </a:p>
+        </p:txBody>
+      </p:sp>
+      <p:sp>
+        <p:nvSpPr>
+          <p:cNvPr id="3" name="Content Placeholder 2"/>
+          <p:cNvSpPr>
+            <a:spLocks noGrp="1"/>
+          </p:cNvSpPr>
+          <p:nvPr>
+            <p:ph idx="1"/>
+          </p:nvPr>
+        </p:nvSpPr>
+        <p:spPr>
+          <a:xfrm>
+            <a:off x="885776" y="2070100"/>
+            <a:ext cx="11049000" cy="6007100"/>
+          </a:xfrm>
+        </p:spPr>
+        <p:txBody>
+          <a:bodyPr/>
+          <a:lstStyle/>
+          <a:p>
+            <a:pPr marL="0" indent="0">
+              <a:buNone/>
+            </a:pPr>
+            <a:r>
+              <a:rPr lang="en-US" dirty="0" smtClean="0"/>
+              <a:t>Two variables can be dependent:</a:t>
+            </a:r>
+          </a:p>
+          <a:p>
+            <a:pPr marL="0" indent="0">
+              <a:buNone/>
+            </a:pPr>
+            <a:r>
+              <a:rPr lang="en-US" dirty="0"/>
+              <a:t>	</a:t>
+            </a:r>
+            <a:endParaRPr lang="en-US" dirty="0" smtClean="0"/>
+          </a:p>
+          <a:p>
+            <a:r>
+              <a:rPr lang="en-US" dirty="0" smtClean="0"/>
+              <a:t>by </a:t>
+            </a:r>
+            <a:r>
+              <a:rPr lang="en-US" dirty="0" smtClean="0"/>
+              <a:t>themselves – </a:t>
+            </a:r>
+            <a:r>
+              <a:rPr lang="en-US" dirty="0" smtClean="0"/>
+              <a:t>simple statistics, correlation</a:t>
+            </a:r>
+          </a:p>
+          <a:p>
+            <a:endParaRPr lang="en-US" dirty="0"/>
+          </a:p>
+          <a:p>
+            <a:r>
+              <a:rPr lang="en-US" dirty="0" smtClean="0"/>
+              <a:t>given others – </a:t>
+            </a:r>
+            <a:r>
+              <a:rPr lang="en-US" b="1" dirty="0" smtClean="0"/>
+              <a:t>conditional dependence</a:t>
+            </a:r>
+          </a:p>
+          <a:p>
+            <a:endParaRPr lang="en-US" b="1" dirty="0"/>
+          </a:p>
+          <a:p>
+            <a:endParaRPr lang="en-US" b="1" dirty="0" smtClean="0"/>
+          </a:p>
+          <a:p>
+            <a:endParaRPr lang="en-US" b="1" dirty="0"/>
+          </a:p>
+          <a:p>
+            <a:pPr marL="0" indent="0">
+              <a:buNone/>
+            </a:pPr>
+            <a:endParaRPr lang="en-US" dirty="0" smtClean="0"/>
+          </a:p>
+          <a:p>
+            <a:pPr marL="0" indent="0">
+              <a:buNone/>
+            </a:pPr>
+            <a:r>
+              <a:rPr lang="en-US" dirty="0" smtClean="0"/>
+              <a:t>Conditional dependence lets us reason with probabilities and graphs</a:t>
+            </a:r>
+            <a:endParaRPr lang="en-US" dirty="0"/>
+          </a:p>
+          <a:p>
+            <a:endParaRPr lang="en-US" dirty="0"/>
+          </a:p>
+        </p:txBody>
+      </p:sp>
+    </p:spTree>
+    <p:extLst>
+      <p:ext uri="{BB962C8B-B14F-4D97-AF65-F5344CB8AC3E}">
+        <p14:creationId xmlns:p14="http://schemas.microsoft.com/office/powerpoint/2010/main" val="1761700412"/>
+      </p:ext>
+    </p:extLst>
+  </p:cSld>
+  <p:clrMapOvr>
+    <a:masterClrMapping/>
+  </p:clrMapOvr>
+  <p:transition xmlns:p14="http://schemas.microsoft.com/office/powerpoint/2010/main"/>
+</p:sld>
+</file>
+
+<file path=ppt/slides/slide7.xml><?xml version="1.0" encoding="utf-8"?>
+<p:sld xmlns:a="http://schemas.openxmlformats.org/drawingml/2006/main" xmlns:r="http://schemas.openxmlformats.org/officeDocument/2006/relationships" xmlns:p="http://schemas.openxmlformats.org/presentationml/2006/main" show="0">
+  <p:cSld>
+    <p:spTree>
+      <p:nvGrpSpPr>
+        <p:cNvPr id="1" name=""/>
+        <p:cNvGrpSpPr/>
+        <p:nvPr/>
+      </p:nvGrpSpPr>
+      <p:grpSpPr>
+        <a:xfrm>
+          <a:off x="0" y="0"/>
+          <a:ext cx="0" cy="0"/>
+          <a:chOff x="0" y="0"/>
+          <a:chExt cx="0" cy="0"/>
+        </a:xfrm>
+      </p:grpSpPr>
+      <p:sp>
+        <p:nvSpPr>
+          <p:cNvPr id="2" name="Title 1"/>
+          <p:cNvSpPr>
+            <a:spLocks noGrp="1"/>
+          </p:cNvSpPr>
+          <p:nvPr>
+            <p:ph type="title"/>
+          </p:nvPr>
+        </p:nvSpPr>
+        <p:spPr/>
+        <p:txBody>
+          <a:bodyPr/>
+          <a:lstStyle/>
+          <a:p>
+            <a:r>
+              <a:rPr lang="en-US" dirty="0" smtClean="0"/>
+              <a:t>Directed Separation</a:t>
+            </a:r>
+            <a:endParaRPr lang="en-US" dirty="0"/>
+          </a:p>
+        </p:txBody>
+      </p:sp>
+      <p:sp>
+        <p:nvSpPr>
+          <p:cNvPr id="3" name="Content Placeholder 2"/>
+          <p:cNvSpPr>
+            <a:spLocks noGrp="1"/>
+          </p:cNvSpPr>
+          <p:nvPr>
+            <p:ph idx="1"/>
+          </p:nvPr>
+        </p:nvSpPr>
+        <p:spPr/>
+        <p:txBody>
+          <a:bodyPr/>
+          <a:lstStyle/>
+          <a:p>
+            <a:pPr marL="0" indent="0">
+              <a:buNone/>
+            </a:pPr>
+            <a:r>
+              <a:rPr lang="en-US" dirty="0" smtClean="0"/>
+              <a:t>Any </a:t>
+            </a:r>
+            <a:r>
+              <a:rPr lang="en-US" dirty="0" smtClean="0"/>
+              <a:t>two subsets of variables are </a:t>
+            </a:r>
+            <a:r>
+              <a:rPr lang="en-US" b="1" dirty="0" smtClean="0"/>
+              <a:t>conditionally independent </a:t>
+            </a:r>
+            <a:r>
+              <a:rPr lang="en-US" dirty="0" smtClean="0"/>
+              <a:t>given a separating subset:</a:t>
+            </a:r>
+          </a:p>
+          <a:p>
+            <a:endParaRPr lang="en-US" dirty="0"/>
+          </a:p>
+          <a:p>
+            <a:pPr marL="0" indent="0">
+              <a:buNone/>
+            </a:pPr>
+            <a:endParaRPr lang="en-US" dirty="0"/>
+          </a:p>
+          <a:p>
+            <a:pPr marL="0" indent="0">
+              <a:buNone/>
+            </a:pPr>
+            <a:r>
+              <a:rPr lang="en-US" dirty="0" smtClean="0"/>
+              <a:t>where every path from a node in A to a node in B </a:t>
+            </a:r>
+            <a:r>
+              <a:rPr lang="en-US" dirty="0" smtClean="0"/>
+              <a:t>goes through </a:t>
+            </a:r>
+            <a:r>
+              <a:rPr lang="en-US" dirty="0" smtClean="0"/>
+              <a:t>S</a:t>
+            </a:r>
+            <a:r>
+              <a:rPr lang="en-US" dirty="0" smtClean="0"/>
+              <a:t>.</a:t>
+            </a:r>
+          </a:p>
+          <a:p>
+            <a:pPr marL="0" indent="0">
+              <a:buNone/>
+            </a:pPr>
+            <a:endParaRPr lang="en-US" dirty="0" smtClean="0"/>
+          </a:p>
+          <a:p>
+            <a:pPr marL="0" indent="0">
+              <a:buNone/>
+            </a:pPr>
+            <a:r>
+              <a:rPr lang="en-US" dirty="0" smtClean="0"/>
+              <a:t>A and B are </a:t>
+            </a:r>
+            <a:r>
+              <a:rPr lang="en-US" b="1" dirty="0" smtClean="0"/>
+              <a:t>d-separated </a:t>
+            </a:r>
+            <a:r>
+              <a:rPr lang="en-US" dirty="0" smtClean="0"/>
+              <a:t>given S.</a:t>
+            </a:r>
+          </a:p>
+          <a:p>
+            <a:pPr marL="0" indent="0">
+              <a:buNone/>
+            </a:pPr>
+            <a:endParaRPr lang="en-US" dirty="0"/>
+          </a:p>
+          <a:p>
+            <a:pPr marL="0" indent="0">
+              <a:buNone/>
+            </a:pPr>
+            <a:endParaRPr lang="en-US" dirty="0" smtClean="0"/>
+          </a:p>
+          <a:p>
+            <a:pPr marL="0" indent="0">
+              <a:buNone/>
+            </a:pPr>
+            <a:endParaRPr lang="en-US" dirty="0"/>
+          </a:p>
+        </p:txBody>
+      </p:sp>
+      <p:pic>
+        <p:nvPicPr>
+          <p:cNvPr id="8" name="Picture 7" descr="global_markov.png"/>
+          <p:cNvPicPr>
+            <a:picLocks noChangeAspect="1"/>
+          </p:cNvPicPr>
+          <p:nvPr/>
+        </p:nvPicPr>
+        <p:blipFill>
+          <a:blip r:embed="rId2">
+            <a:extLst>
+              <a:ext uri="{28A0092B-C50C-407E-A947-70E740481C1C}">
+                <a14:useLocalDpi xmlns:a14="http://schemas.microsoft.com/office/drawing/2010/main" val="0"/>
+              </a:ext>
+            </a:extLst>
+          </a:blip>
+          <a:stretch>
+            <a:fillRect/>
+          </a:stretch>
+        </p:blipFill>
+        <p:spPr>
+          <a:xfrm>
+            <a:off x="3766097" y="3036952"/>
+            <a:ext cx="3456384" cy="517758"/>
+          </a:xfrm>
+          <a:prstGeom prst="rect">
+            <a:avLst/>
+          </a:prstGeom>
+        </p:spPr>
+      </p:pic>
+    </p:spTree>
+    <p:extLst>
+      <p:ext uri="{BB962C8B-B14F-4D97-AF65-F5344CB8AC3E}">
+        <p14:creationId xmlns:p14="http://schemas.microsoft.com/office/powerpoint/2010/main" val="3781061550"/>
+      </p:ext>
+    </p:extLst>
+  </p:cSld>
+  <p:clrMapOvr>
+    <a:masterClrMapping/>
+  </p:clrMapOvr>
+  <p:transition xmlns:p14="http://schemas.microsoft.com/office/powerpoint/2010/main"/>
+</p:sld>
+</file>
+
+<file path=ppt/slides/slide8.xml><?xml version="1.0" encoding="utf-8"?>
+<p:sld xmlns:a="http://schemas.openxmlformats.org/drawingml/2006/main" xmlns:r="http://schemas.openxmlformats.org/officeDocument/2006/relationships" xmlns:p="http://schemas.openxmlformats.org/presentationml/2006/main" show="0">
+  <p:cSld>
+    <p:spTree>
+      <p:nvGrpSpPr>
+        <p:cNvPr id="1" name=""/>
+        <p:cNvGrpSpPr/>
+        <p:nvPr/>
+      </p:nvGrpSpPr>
+      <p:grpSpPr>
+        <a:xfrm>
+          <a:off x="0" y="0"/>
+          <a:ext cx="0" cy="0"/>
+          <a:chOff x="0" y="0"/>
+          <a:chExt cx="0" cy="0"/>
+        </a:xfrm>
+      </p:grpSpPr>
+      <p:sp>
+        <p:nvSpPr>
+          <p:cNvPr id="2" name="Title 1"/>
+          <p:cNvSpPr>
+            <a:spLocks noGrp="1"/>
+          </p:cNvSpPr>
+          <p:nvPr>
+            <p:ph type="title"/>
+          </p:nvPr>
+        </p:nvSpPr>
+        <p:spPr/>
+        <p:txBody>
+          <a:bodyPr/>
+          <a:lstStyle/>
+          <a:p>
+            <a:r>
+              <a:rPr lang="en-US" dirty="0" smtClean="0"/>
+              <a:t>Causal interpretation</a:t>
+            </a:r>
+            <a:endParaRPr lang="en-US" dirty="0"/>
+          </a:p>
+        </p:txBody>
+      </p:sp>
+      <p:sp>
+        <p:nvSpPr>
+          <p:cNvPr id="3" name="Content Placeholder 2"/>
+          <p:cNvSpPr>
+            <a:spLocks noGrp="1"/>
+          </p:cNvSpPr>
+          <p:nvPr>
+            <p:ph idx="1"/>
+          </p:nvPr>
+        </p:nvSpPr>
+        <p:spPr/>
+        <p:txBody>
+          <a:bodyPr/>
+          <a:lstStyle/>
+          <a:p>
+            <a:pPr marL="0" indent="0">
+              <a:buNone/>
+            </a:pPr>
+            <a:r>
+              <a:rPr lang="en-US" dirty="0" smtClean="0"/>
+              <a:t>Underlying causal structure can be modeled by a DAG</a:t>
+            </a:r>
+          </a:p>
+          <a:p>
+            <a:endParaRPr lang="en-US" dirty="0" smtClean="0"/>
+          </a:p>
+          <a:p>
+            <a:pPr marL="0" indent="0">
+              <a:buNone/>
+            </a:pPr>
+            <a:r>
+              <a:rPr lang="en-US" dirty="0" smtClean="0"/>
+              <a:t>	and</a:t>
+            </a:r>
+            <a:endParaRPr lang="en-US" dirty="0"/>
+          </a:p>
+          <a:p>
+            <a:endParaRPr lang="en-US" dirty="0"/>
+          </a:p>
+          <a:p>
+            <a:pPr marL="0" indent="0">
+              <a:buNone/>
+            </a:pPr>
+            <a:r>
+              <a:rPr lang="en-US" dirty="0" smtClean="0"/>
+              <a:t>A phenomenon is independent of its non-effects given its direct causes</a:t>
+            </a:r>
+          </a:p>
+          <a:p>
+            <a:pPr marL="0" indent="0">
+              <a:buNone/>
+            </a:pPr>
+            <a:endParaRPr lang="en-US" dirty="0"/>
+          </a:p>
+          <a:p>
+            <a:pPr marL="0" indent="0">
+              <a:buNone/>
+            </a:pPr>
+            <a:r>
+              <a:rPr lang="en-US" i="1" dirty="0" smtClean="0"/>
+              <a:t>(Causal Markov Condition)</a:t>
+            </a:r>
+          </a:p>
+        </p:txBody>
+      </p:sp>
+    </p:spTree>
+    <p:extLst>
+      <p:ext uri="{BB962C8B-B14F-4D97-AF65-F5344CB8AC3E}">
+        <p14:creationId xmlns:p14="http://schemas.microsoft.com/office/powerpoint/2010/main" val="1065997628"/>
+      </p:ext>
+    </p:extLst>
+  </p:cSld>
+  <p:clrMapOvr>
+    <a:masterClrMapping/>
+  </p:clrMapOvr>
+  <p:transition xmlns:p14="http://schemas.microsoft.com/office/powerpoint/2010/main"/>
+</p:sld>
+</file>
+
 <file path=ppt/slides/slide9.xml><?xml version="1.0" encoding="utf-8"?>
 <p:sld xmlns:a="http://schemas.openxmlformats.org/drawingml/2006/main" xmlns:r="http://schemas.openxmlformats.org/officeDocument/2006/relationships" xmlns:p="http://schemas.openxmlformats.org/presentationml/2006/main">
   <p:cSld>
@@ -14066,11 +14414,7 @@
           <a:p>
             <a:r>
               <a:rPr lang="en-US" dirty="0" smtClean="0"/>
-              <a:t>Causal </a:t>
-            </a:r>
-            <a:r>
-              <a:rPr lang="en-US" dirty="0" smtClean="0"/>
-              <a:t>discovery</a:t>
+              <a:t>Causal discovery</a:t>
             </a:r>
             <a:endParaRPr lang="en-US" dirty="0"/>
           </a:p>
@@ -14243,7 +14587,7 @@
             <a:avLst/>
           </a:prstGeom>
           <a:blipFill dpi="0" rotWithShape="0">
-            <a:blip r:embed="rId2"/>
+            <a:blip r:embed="rId3"/>
             <a:srcRect/>
             <a:tile tx="0" ty="0" sx="100000" sy="100000" flip="none" algn="tl"/>
           </a:blipFill>
@@ -14274,7 +14618,7 @@
             <a:avLst/>
           </a:prstGeom>
           <a:blipFill dpi="0" rotWithShape="0">
-            <a:blip r:embed="rId2"/>
+            <a:blip r:embed="rId3"/>
             <a:srcRect/>
             <a:tile tx="0" ty="0" sx="100000" sy="100000" flip="none" algn="tl"/>
           </a:blipFill>
@@ -14482,7 +14826,7 @@
             <a:avLst/>
           </a:prstGeom>
           <a:blipFill dpi="0" rotWithShape="0">
-            <a:blip r:embed="rId2"/>
+            <a:blip r:embed="rId3"/>
             <a:srcRect/>
             <a:tile tx="0" ty="0" sx="100000" sy="100000" flip="none" algn="tl"/>
           </a:blipFill>
@@ -14513,7 +14857,7 @@
             <a:avLst/>
           </a:prstGeom>
           <a:blipFill dpi="0" rotWithShape="0">
-            <a:blip r:embed="rId2"/>
+            <a:blip r:embed="rId3"/>
             <a:srcRect/>
             <a:tile tx="0" ty="0" sx="100000" sy="100000" flip="none" algn="tl"/>
           </a:blipFill>
@@ -14933,7 +15277,7 @@
             <a:avLst/>
           </a:prstGeom>
           <a:blipFill dpi="0" rotWithShape="0">
-            <a:blip r:embed="rId2"/>
+            <a:blip r:embed="rId3"/>
             <a:srcRect/>
             <a:tile tx="0" ty="0" sx="100000" sy="100000" flip="none" algn="tl"/>
           </a:blipFill>
@@ -14964,7 +15308,7 @@
             <a:avLst/>
           </a:prstGeom>
           <a:blipFill dpi="0" rotWithShape="0">
-            <a:blip r:embed="rId2"/>
+            <a:blip r:embed="rId3"/>
             <a:srcRect/>
             <a:tile tx="0" ty="0" sx="100000" sy="100000" flip="none" algn="tl"/>
           </a:blipFill>
@@ -15172,7 +15516,7 @@
             <a:avLst/>
           </a:prstGeom>
           <a:blipFill dpi="0" rotWithShape="0">
-            <a:blip r:embed="rId2"/>
+            <a:blip r:embed="rId3"/>
             <a:srcRect/>
             <a:tile tx="0" ty="0" sx="100000" sy="100000" flip="none" algn="tl"/>
           </a:blipFill>
@@ -15203,7 +15547,7 @@
             <a:avLst/>
           </a:prstGeom>
           <a:blipFill dpi="0" rotWithShape="0">
-            <a:blip r:embed="rId2"/>
+            <a:blip r:embed="rId3"/>
             <a:srcRect/>
             <a:tile tx="0" ty="0" sx="100000" sy="100000" flip="none" algn="tl"/>
           </a:blipFill>
@@ -15278,130 +15622,6 @@
           </a:p>
         </p:txBody>
       </p:sp>
-      <p:cxnSp>
-        <p:nvCxnSpPr>
-          <p:cNvPr id="28" name="Straight Connector 27"/>
-          <p:cNvCxnSpPr/>
-          <p:nvPr/>
-        </p:nvCxnSpPr>
-        <p:spPr bwMode="auto">
-          <a:xfrm>
-            <a:off x="8158584" y="1564432"/>
-            <a:ext cx="2016224" cy="1944216"/>
-          </a:xfrm>
-          <a:prstGeom prst="line">
-            <a:avLst/>
-          </a:prstGeom>
-          <a:blipFill dpi="0" rotWithShape="0">
-            <a:blip r:embed="rId2"/>
-            <a:srcRect/>
-            <a:tile tx="0" ty="0" sx="100000" sy="100000" flip="none" algn="tl"/>
-          </a:blipFill>
-          <a:ln w="44450" cap="flat" cmpd="sng" algn="ctr">
-            <a:solidFill>
-              <a:srgbClr val="FF0000"/>
-            </a:solidFill>
-            <a:prstDash val="solid"/>
-            <a:round/>
-            <a:headEnd type="none" w="med" len="med"/>
-            <a:tailEnd type="none" w="med" len="med"/>
-          </a:ln>
-          <a:effectLst/>
-        </p:spPr>
-      </p:cxnSp>
-      <p:cxnSp>
-        <p:nvCxnSpPr>
-          <p:cNvPr id="40" name="Straight Connector 39"/>
-          <p:cNvCxnSpPr/>
-          <p:nvPr/>
-        </p:nvCxnSpPr>
-        <p:spPr bwMode="auto">
-          <a:xfrm flipV="1">
-            <a:off x="8374608" y="1564432"/>
-            <a:ext cx="1872208" cy="1944216"/>
-          </a:xfrm>
-          <a:prstGeom prst="line">
-            <a:avLst/>
-          </a:prstGeom>
-          <a:blipFill dpi="0" rotWithShape="0">
-            <a:blip r:embed="rId2"/>
-            <a:srcRect/>
-            <a:tile tx="0" ty="0" sx="100000" sy="100000" flip="none" algn="tl"/>
-          </a:blipFill>
-          <a:ln w="44450" cap="flat" cmpd="sng" algn="ctr">
-            <a:solidFill>
-              <a:srgbClr val="FF0000"/>
-            </a:solidFill>
-            <a:prstDash val="solid"/>
-            <a:round/>
-            <a:headEnd type="none" w="med" len="med"/>
-            <a:tailEnd type="none" w="med" len="med"/>
-          </a:ln>
-          <a:effectLst/>
-        </p:spPr>
-      </p:cxnSp>
-      <p:cxnSp>
-        <p:nvCxnSpPr>
-          <p:cNvPr id="50" name="Straight Connector 49"/>
-          <p:cNvCxnSpPr/>
-          <p:nvPr/>
-        </p:nvCxnSpPr>
-        <p:spPr bwMode="auto">
-          <a:xfrm>
-            <a:off x="8158584" y="3868688"/>
-            <a:ext cx="2016224" cy="1944216"/>
-          </a:xfrm>
-          <a:prstGeom prst="line">
-            <a:avLst/>
-          </a:prstGeom>
-          <a:blipFill dpi="0" rotWithShape="0">
-            <a:blip r:embed="rId2"/>
-            <a:srcRect/>
-            <a:tile tx="0" ty="0" sx="100000" sy="100000" flip="none" algn="tl"/>
-          </a:blipFill>
-          <a:ln w="44450" cap="flat" cmpd="sng" algn="ctr">
-            <a:solidFill>
-              <a:srgbClr val="FF0000"/>
-            </a:solidFill>
-            <a:prstDash val="solid"/>
-            <a:round/>
-            <a:headEnd type="none" w="med" len="med"/>
-            <a:tailEnd type="none" w="med" len="med"/>
-          </a:ln>
-          <a:effectLst/>
-        </p:spPr>
-      </p:cxnSp>
-      <p:cxnSp>
-        <p:nvCxnSpPr>
-          <p:cNvPr id="51" name="Straight Connector 50"/>
-          <p:cNvCxnSpPr/>
-          <p:nvPr/>
-        </p:nvCxnSpPr>
-        <p:spPr bwMode="auto">
-          <a:xfrm flipV="1">
-            <a:off x="8374608" y="3868688"/>
-            <a:ext cx="1872208" cy="1944216"/>
-          </a:xfrm>
-          <a:prstGeom prst="line">
-            <a:avLst/>
-          </a:prstGeom>
-          <a:blipFill dpi="0" rotWithShape="0">
-            <a:blip r:embed="rId2"/>
-            <a:srcRect/>
-            <a:tile tx="0" ty="0" sx="100000" sy="100000" flip="none" algn="tl"/>
-          </a:blipFill>
-          <a:ln w="44450" cap="flat" cmpd="sng" algn="ctr">
-            <a:solidFill>
-              <a:srgbClr val="FF0000"/>
-            </a:solidFill>
-            <a:prstDash val="solid"/>
-            <a:round/>
-            <a:headEnd type="none" w="med" len="med"/>
-            <a:tailEnd type="none" w="med" len="med"/>
-          </a:ln>
-          <a:effectLst/>
-        </p:spPr>
-      </p:cxnSp>
     </p:spTree>
     <p:extLst>
       <p:ext uri="{BB962C8B-B14F-4D97-AF65-F5344CB8AC3E}">
